--- a/Project0/Reports/Project 0 Presentation.pptx
+++ b/Project0/Reports/Project 0 Presentation.pptx
@@ -2,12 +2,16 @@
 <file path=ppt/presentation.xml><?xml version="1.0" encoding="utf-8"?>
 <p:presentation xmlns:a="http://schemas.openxmlformats.org/drawingml/2006/main" xmlns:r="http://schemas.openxmlformats.org/officeDocument/2006/relationships" xmlns:p="http://schemas.openxmlformats.org/presentationml/2006/main" saveSubsetFonts="1">
   <p:sldMasterIdLst>
-    <p:sldMasterId id="2147483648" r:id="rId1"/>
+    <p:sldMasterId id="2147483720" r:id="rId1"/>
   </p:sldMasterIdLst>
   <p:sldIdLst>
     <p:sldId id="256" r:id="rId2"/>
     <p:sldId id="258" r:id="rId3"/>
-    <p:sldId id="257" r:id="rId4"/>
+    <p:sldId id="264" r:id="rId4"/>
+    <p:sldId id="263" r:id="rId5"/>
+    <p:sldId id="260" r:id="rId6"/>
+    <p:sldId id="261" r:id="rId7"/>
+    <p:sldId id="262" r:id="rId8"/>
   </p:sldIdLst>
   <p:sldSz cx="12192000" cy="6858000"/>
   <p:notesSz cx="6858000" cy="9144000"/>
@@ -15,7 +19,7 @@
     <a:defPPr>
       <a:defRPr lang="en-US"/>
     </a:defPPr>
-    <a:lvl1pPr marL="0" algn="l" defTabSz="914400" rtl="0" eaLnBrk="1" latinLnBrk="0" hangingPunct="1">
+    <a:lvl1pPr marL="0" algn="l" defTabSz="457200" rtl="0" eaLnBrk="1" latinLnBrk="0" hangingPunct="1">
       <a:defRPr sz="1800" kern="1200">
         <a:solidFill>
           <a:schemeClr val="tx1"/>
@@ -25,7 +29,7 @@
         <a:cs typeface="+mn-cs"/>
       </a:defRPr>
     </a:lvl1pPr>
-    <a:lvl2pPr marL="457200" algn="l" defTabSz="914400" rtl="0" eaLnBrk="1" latinLnBrk="0" hangingPunct="1">
+    <a:lvl2pPr marL="457200" algn="l" defTabSz="457200" rtl="0" eaLnBrk="1" latinLnBrk="0" hangingPunct="1">
       <a:defRPr sz="1800" kern="1200">
         <a:solidFill>
           <a:schemeClr val="tx1"/>
@@ -35,7 +39,7 @@
         <a:cs typeface="+mn-cs"/>
       </a:defRPr>
     </a:lvl2pPr>
-    <a:lvl3pPr marL="914400" algn="l" defTabSz="914400" rtl="0" eaLnBrk="1" latinLnBrk="0" hangingPunct="1">
+    <a:lvl3pPr marL="914400" algn="l" defTabSz="457200" rtl="0" eaLnBrk="1" latinLnBrk="0" hangingPunct="1">
       <a:defRPr sz="1800" kern="1200">
         <a:solidFill>
           <a:schemeClr val="tx1"/>
@@ -45,7 +49,7 @@
         <a:cs typeface="+mn-cs"/>
       </a:defRPr>
     </a:lvl3pPr>
-    <a:lvl4pPr marL="1371600" algn="l" defTabSz="914400" rtl="0" eaLnBrk="1" latinLnBrk="0" hangingPunct="1">
+    <a:lvl4pPr marL="1371600" algn="l" defTabSz="457200" rtl="0" eaLnBrk="1" latinLnBrk="0" hangingPunct="1">
       <a:defRPr sz="1800" kern="1200">
         <a:solidFill>
           <a:schemeClr val="tx1"/>
@@ -55,7 +59,7 @@
         <a:cs typeface="+mn-cs"/>
       </a:defRPr>
     </a:lvl4pPr>
-    <a:lvl5pPr marL="1828800" algn="l" defTabSz="914400" rtl="0" eaLnBrk="1" latinLnBrk="0" hangingPunct="1">
+    <a:lvl5pPr marL="1828800" algn="l" defTabSz="457200" rtl="0" eaLnBrk="1" latinLnBrk="0" hangingPunct="1">
       <a:defRPr sz="1800" kern="1200">
         <a:solidFill>
           <a:schemeClr val="tx1"/>
@@ -65,7 +69,7 @@
         <a:cs typeface="+mn-cs"/>
       </a:defRPr>
     </a:lvl5pPr>
-    <a:lvl6pPr marL="2286000" algn="l" defTabSz="914400" rtl="0" eaLnBrk="1" latinLnBrk="0" hangingPunct="1">
+    <a:lvl6pPr marL="2286000" algn="l" defTabSz="457200" rtl="0" eaLnBrk="1" latinLnBrk="0" hangingPunct="1">
       <a:defRPr sz="1800" kern="1200">
         <a:solidFill>
           <a:schemeClr val="tx1"/>
@@ -75,7 +79,7 @@
         <a:cs typeface="+mn-cs"/>
       </a:defRPr>
     </a:lvl6pPr>
-    <a:lvl7pPr marL="2743200" algn="l" defTabSz="914400" rtl="0" eaLnBrk="1" latinLnBrk="0" hangingPunct="1">
+    <a:lvl7pPr marL="2743200" algn="l" defTabSz="457200" rtl="0" eaLnBrk="1" latinLnBrk="0" hangingPunct="1">
       <a:defRPr sz="1800" kern="1200">
         <a:solidFill>
           <a:schemeClr val="tx1"/>
@@ -85,7 +89,7 @@
         <a:cs typeface="+mn-cs"/>
       </a:defRPr>
     </a:lvl7pPr>
-    <a:lvl8pPr marL="3200400" algn="l" defTabSz="914400" rtl="0" eaLnBrk="1" latinLnBrk="0" hangingPunct="1">
+    <a:lvl8pPr marL="3200400" algn="l" defTabSz="457200" rtl="0" eaLnBrk="1" latinLnBrk="0" hangingPunct="1">
       <a:defRPr sz="1800" kern="1200">
         <a:solidFill>
           <a:schemeClr val="tx1"/>
@@ -95,7 +99,7 @@
         <a:cs typeface="+mn-cs"/>
       </a:defRPr>
     </a:lvl8pPr>
-    <a:lvl9pPr marL="3657600" algn="l" defTabSz="914400" rtl="0" eaLnBrk="1" latinLnBrk="0" hangingPunct="1">
+    <a:lvl9pPr marL="3657600" algn="l" defTabSz="457200" rtl="0" eaLnBrk="1" latinLnBrk="0" hangingPunct="1">
       <a:defRPr sz="1800" kern="1200">
         <a:solidFill>
           <a:schemeClr val="tx1"/>
@@ -106,11 +110,16 @@
       </a:defRPr>
     </a:lvl9pPr>
   </p:defaultTextStyle>
+  <p:extLst>
+    <p:ext uri="{EFAFB233-063F-42B5-8137-9DF3F51BA10A}">
+      <p15:sldGuideLst xmlns:p15="http://schemas.microsoft.com/office/powerpoint/2012/main"/>
+    </p:ext>
+  </p:extLst>
 </p:presentation>
 </file>
 
 <file path=ppt/slideLayouts/slideLayout1.xml><?xml version="1.0" encoding="utf-8"?>
-<p:sldLayout xmlns:a="http://schemas.openxmlformats.org/drawingml/2006/main" xmlns:r="http://schemas.openxmlformats.org/officeDocument/2006/relationships" xmlns:p="http://schemas.openxmlformats.org/presentationml/2006/main" type="title" preserve="1">
+<p:sldLayout xmlns:a="http://schemas.openxmlformats.org/drawingml/2006/main" xmlns:r="http://schemas.openxmlformats.org/officeDocument/2006/relationships" xmlns:p="http://schemas.openxmlformats.org/presentationml/2006/main" showMasterSp="0" type="title" preserve="1">
   <p:cSld name="Title Slide">
     <p:spTree>
       <p:nvGrpSpPr>
@@ -128,25 +137,109 @@
       </p:grpSpPr>
       <p:sp>
         <p:nvSpPr>
-          <p:cNvPr id="2" name="Title 1"/>
-          <p:cNvSpPr>
-            <a:spLocks noGrp="1"/>
-          </p:cNvSpPr>
-          <p:nvPr>
-            <p:ph type="ctrTitle"/>
-          </p:nvPr>
+          <p:cNvPr id="7" name="Rectangle 6"/>
+          <p:cNvSpPr/>
+          <p:nvPr/>
         </p:nvSpPr>
         <p:spPr>
           <a:xfrm>
-            <a:off x="1524000" y="1122363"/>
-            <a:ext cx="9144000" cy="2387600"/>
+            <a:off x="0" y="761999"/>
+            <a:ext cx="9141619" cy="5334001"/>
+          </a:xfrm>
+          <a:prstGeom prst="rect">
+            <a:avLst/>
+          </a:prstGeom>
+          <a:solidFill>
+            <a:schemeClr val="accent1"/>
+          </a:solidFill>
+          <a:ln>
+            <a:noFill/>
+          </a:ln>
+        </p:spPr>
+        <p:style>
+          <a:lnRef idx="2">
+            <a:schemeClr val="accent1">
+              <a:shade val="50000"/>
+            </a:schemeClr>
+          </a:lnRef>
+          <a:fillRef idx="1">
+            <a:schemeClr val="accent1"/>
+          </a:fillRef>
+          <a:effectRef idx="0">
+            <a:schemeClr val="accent1"/>
+          </a:effectRef>
+          <a:fontRef idx="minor">
+            <a:schemeClr val="lt1"/>
+          </a:fontRef>
+        </p:style>
+      </p:sp>
+      <p:sp>
+        <p:nvSpPr>
+          <p:cNvPr id="8" name="Rectangle 7"/>
+          <p:cNvSpPr/>
+          <p:nvPr/>
+        </p:nvSpPr>
+        <p:spPr>
+          <a:xfrm>
+            <a:off x="9270263" y="761999"/>
+            <a:ext cx="2925318" cy="5334001"/>
+          </a:xfrm>
+          <a:prstGeom prst="rect">
+            <a:avLst/>
+          </a:prstGeom>
+          <a:solidFill>
+            <a:srgbClr val="C8C8C8">
+              <a:alpha val="49804"/>
+            </a:srgbClr>
+          </a:solidFill>
+          <a:ln>
+            <a:noFill/>
+          </a:ln>
+        </p:spPr>
+        <p:style>
+          <a:lnRef idx="2">
+            <a:schemeClr val="accent1">
+              <a:shade val="50000"/>
+            </a:schemeClr>
+          </a:lnRef>
+          <a:fillRef idx="1">
+            <a:schemeClr val="accent1"/>
+          </a:fillRef>
+          <a:effectRef idx="0">
+            <a:schemeClr val="accent1"/>
+          </a:effectRef>
+          <a:fontRef idx="minor">
+            <a:schemeClr val="lt1"/>
+          </a:fontRef>
+        </p:style>
+      </p:sp>
+      <p:sp>
+        <p:nvSpPr>
+          <p:cNvPr id="2" name="Title 1"/>
+          <p:cNvSpPr>
+            <a:spLocks noGrp="1"/>
+          </p:cNvSpPr>
+          <p:nvPr>
+            <p:ph type="ctrTitle"/>
+          </p:nvPr>
+        </p:nvSpPr>
+        <p:spPr>
+          <a:xfrm>
+            <a:off x="1069848" y="1298448"/>
+            <a:ext cx="7315200" cy="3255264"/>
           </a:xfrm>
         </p:spPr>
         <p:txBody>
-          <a:bodyPr anchor="b"/>
+          <a:bodyPr anchor="b">
+            <a:normAutofit/>
+          </a:bodyPr>
           <a:lstStyle>
-            <a:lvl1pPr algn="ctr">
-              <a:defRPr sz="6000"/>
+            <a:lvl1pPr algn="l">
+              <a:defRPr sz="5900" spc="-100" baseline="0">
+                <a:solidFill>
+                  <a:srgbClr val="FFFFFF"/>
+                </a:solidFill>
+              </a:defRPr>
             </a:lvl1pPr>
           </a:lstStyle>
           <a:p>
@@ -154,7 +247,7 @@
               <a:rPr lang="en-US" smtClean="0"/>
               <a:t>Click to edit Master title style</a:t>
             </a:r>
-            <a:endParaRPr lang="en-US"/>
+            <a:endParaRPr lang="en-US" dirty="0"/>
           </a:p>
         </p:txBody>
       </p:sp>
@@ -170,48 +263,57 @@
         </p:nvSpPr>
         <p:spPr>
           <a:xfrm>
-            <a:off x="1524000" y="3602038"/>
-            <a:ext cx="9144000" cy="1655762"/>
+            <a:off x="1100015" y="4670246"/>
+            <a:ext cx="7315200" cy="914400"/>
           </a:xfrm>
         </p:spPr>
         <p:txBody>
-          <a:bodyPr/>
+          <a:bodyPr anchor="t">
+            <a:normAutofit/>
+          </a:bodyPr>
           <a:lstStyle>
-            <a:lvl1pPr marL="0" indent="0" algn="ctr">
-              <a:buNone/>
-              <a:defRPr sz="2400"/>
+            <a:lvl1pPr marL="0" indent="0" algn="l">
+              <a:buNone/>
+              <a:defRPr sz="2200" cap="none" spc="0" baseline="0">
+                <a:solidFill>
+                  <a:schemeClr val="accent1">
+                    <a:lumMod val="20000"/>
+                    <a:lumOff val="80000"/>
+                  </a:schemeClr>
+                </a:solidFill>
+              </a:defRPr>
             </a:lvl1pPr>
             <a:lvl2pPr marL="457200" indent="0" algn="ctr">
               <a:buNone/>
-              <a:defRPr sz="2000"/>
+              <a:defRPr sz="2200"/>
             </a:lvl2pPr>
             <a:lvl3pPr marL="914400" indent="0" algn="ctr">
               <a:buNone/>
-              <a:defRPr sz="1800"/>
+              <a:defRPr sz="2200"/>
             </a:lvl3pPr>
             <a:lvl4pPr marL="1371600" indent="0" algn="ctr">
               <a:buNone/>
-              <a:defRPr sz="1600"/>
+              <a:defRPr sz="2000"/>
             </a:lvl4pPr>
             <a:lvl5pPr marL="1828800" indent="0" algn="ctr">
               <a:buNone/>
-              <a:defRPr sz="1600"/>
+              <a:defRPr sz="2000"/>
             </a:lvl5pPr>
             <a:lvl6pPr marL="2286000" indent="0" algn="ctr">
               <a:buNone/>
-              <a:defRPr sz="1600"/>
+              <a:defRPr sz="2000"/>
             </a:lvl6pPr>
             <a:lvl7pPr marL="2743200" indent="0" algn="ctr">
               <a:buNone/>
-              <a:defRPr sz="1600"/>
+              <a:defRPr sz="2000"/>
             </a:lvl7pPr>
             <a:lvl8pPr marL="3200400" indent="0" algn="ctr">
               <a:buNone/>
-              <a:defRPr sz="1600"/>
+              <a:defRPr sz="2000"/>
             </a:lvl8pPr>
             <a:lvl9pPr marL="3657600" indent="0" algn="ctr">
               <a:buNone/>
-              <a:defRPr sz="1600"/>
+              <a:defRPr sz="2000"/>
             </a:lvl9pPr>
           </a:lstStyle>
           <a:p>
@@ -219,7 +321,7 @@
               <a:rPr lang="en-US" smtClean="0"/>
               <a:t>Click to edit Master subtitle style</a:t>
             </a:r>
-            <a:endParaRPr lang="en-US"/>
+            <a:endParaRPr lang="en-US" dirty="0"/>
           </a:p>
         </p:txBody>
       </p:sp>
@@ -291,7 +393,7 @@
     </p:spTree>
     <p:extLst>
       <p:ext uri="{BB962C8B-B14F-4D97-AF65-F5344CB8AC3E}">
-        <p14:creationId xmlns:p14="http://schemas.microsoft.com/office/powerpoint/2010/main" val="1356048504"/>
+        <p14:creationId xmlns:p14="http://schemas.microsoft.com/office/powerpoint/2010/main" val="2653856290"/>
       </p:ext>
     </p:extLst>
   </p:cSld>
@@ -337,7 +439,7 @@
               <a:rPr lang="en-US" smtClean="0"/>
               <a:t>Click to edit Master title style</a:t>
             </a:r>
-            <a:endParaRPr lang="en-US"/>
+            <a:endParaRPr lang="en-US" dirty="0"/>
           </a:p>
         </p:txBody>
       </p:sp>
@@ -353,7 +455,7 @@
         </p:nvSpPr>
         <p:spPr/>
         <p:txBody>
-          <a:bodyPr vert="eaVert"/>
+          <a:bodyPr vert="eaVert" anchor="t"/>
           <a:lstStyle/>
           <a:p>
             <a:pPr lvl="0"/>
@@ -389,13 +491,13 @@
               <a:rPr lang="en-US" smtClean="0"/>
               <a:t>Fifth level</a:t>
             </a:r>
-            <a:endParaRPr lang="en-US"/>
-          </a:p>
-        </p:txBody>
-      </p:sp>
-      <p:sp>
-        <p:nvSpPr>
-          <p:cNvPr id="4" name="Date Placeholder 3"/>
+            <a:endParaRPr lang="en-US" dirty="0"/>
+          </a:p>
+        </p:txBody>
+      </p:sp>
+      <p:sp>
+        <p:nvSpPr>
+          <p:cNvPr id="7" name="Date Placeholder 6"/>
           <p:cNvSpPr>
             <a:spLocks noGrp="1"/>
           </p:cNvSpPr>
@@ -418,7 +520,7 @@
       </p:sp>
       <p:sp>
         <p:nvSpPr>
-          <p:cNvPr id="5" name="Footer Placeholder 4"/>
+          <p:cNvPr id="8" name="Footer Placeholder 7"/>
           <p:cNvSpPr>
             <a:spLocks noGrp="1"/>
           </p:cNvSpPr>
@@ -437,7 +539,7 @@
       </p:sp>
       <p:sp>
         <p:nvSpPr>
-          <p:cNvPr id="6" name="Slide Number Placeholder 5"/>
+          <p:cNvPr id="9" name="Slide Number Placeholder 8"/>
           <p:cNvSpPr>
             <a:spLocks noGrp="1"/>
           </p:cNvSpPr>
@@ -461,7 +563,7 @@
     </p:spTree>
     <p:extLst>
       <p:ext uri="{BB962C8B-B14F-4D97-AF65-F5344CB8AC3E}">
-        <p14:creationId xmlns:p14="http://schemas.microsoft.com/office/powerpoint/2010/main" val="2471632121"/>
+        <p14:creationId xmlns:p14="http://schemas.microsoft.com/office/powerpoint/2010/main" val="4277357758"/>
       </p:ext>
     </p:extLst>
   </p:cSld>
@@ -500,8 +602,8 @@
         </p:nvSpPr>
         <p:spPr>
           <a:xfrm>
-            <a:off x="8724900" y="365125"/>
-            <a:ext cx="2628900" cy="5811838"/>
+            <a:off x="381000" y="990600"/>
+            <a:ext cx="2819400" cy="4953000"/>
           </a:xfrm>
         </p:spPr>
         <p:txBody>
@@ -512,7 +614,7 @@
               <a:rPr lang="en-US" smtClean="0"/>
               <a:t>Click to edit Master title style</a:t>
             </a:r>
-            <a:endParaRPr lang="en-US"/>
+            <a:endParaRPr lang="en-US" dirty="0"/>
           </a:p>
         </p:txBody>
       </p:sp>
@@ -528,12 +630,12 @@
         </p:nvSpPr>
         <p:spPr>
           <a:xfrm>
-            <a:off x="838200" y="365125"/>
-            <a:ext cx="7734300" cy="5811838"/>
+            <a:off x="3867912" y="868680"/>
+            <a:ext cx="7315200" cy="5120640"/>
           </a:xfrm>
         </p:spPr>
         <p:txBody>
-          <a:bodyPr vert="eaVert"/>
+          <a:bodyPr vert="eaVert" anchor="t"/>
           <a:lstStyle/>
           <a:p>
             <a:pPr lvl="0"/>
@@ -569,13 +671,13 @@
               <a:rPr lang="en-US" smtClean="0"/>
               <a:t>Fifth level</a:t>
             </a:r>
-            <a:endParaRPr lang="en-US"/>
-          </a:p>
-        </p:txBody>
-      </p:sp>
-      <p:sp>
-        <p:nvSpPr>
-          <p:cNvPr id="4" name="Date Placeholder 3"/>
+            <a:endParaRPr lang="en-US" dirty="0"/>
+          </a:p>
+        </p:txBody>
+      </p:sp>
+      <p:sp>
+        <p:nvSpPr>
+          <p:cNvPr id="7" name="Date Placeholder 6"/>
           <p:cNvSpPr>
             <a:spLocks noGrp="1"/>
           </p:cNvSpPr>
@@ -598,7 +700,7 @@
       </p:sp>
       <p:sp>
         <p:nvSpPr>
-          <p:cNvPr id="5" name="Footer Placeholder 4"/>
+          <p:cNvPr id="8" name="Footer Placeholder 7"/>
           <p:cNvSpPr>
             <a:spLocks noGrp="1"/>
           </p:cNvSpPr>
@@ -617,7 +719,7 @@
       </p:sp>
       <p:sp>
         <p:nvSpPr>
-          <p:cNvPr id="6" name="Slide Number Placeholder 5"/>
+          <p:cNvPr id="9" name="Slide Number Placeholder 8"/>
           <p:cNvSpPr>
             <a:spLocks noGrp="1"/>
           </p:cNvSpPr>
@@ -641,7 +743,7 @@
     </p:spTree>
     <p:extLst>
       <p:ext uri="{BB962C8B-B14F-4D97-AF65-F5344CB8AC3E}">
-        <p14:creationId xmlns:p14="http://schemas.microsoft.com/office/powerpoint/2010/main" val="2482620464"/>
+        <p14:creationId xmlns:p14="http://schemas.microsoft.com/office/powerpoint/2010/main" val="358255230"/>
       </p:ext>
     </p:extLst>
   </p:cSld>
@@ -687,7 +789,7 @@
               <a:rPr lang="en-US" smtClean="0"/>
               <a:t>Click to edit Master title style</a:t>
             </a:r>
-            <a:endParaRPr lang="en-US"/>
+            <a:endParaRPr lang="en-US" dirty="0"/>
           </a:p>
         </p:txBody>
       </p:sp>
@@ -739,7 +841,7 @@
               <a:rPr lang="en-US" smtClean="0"/>
               <a:t>Fifth level</a:t>
             </a:r>
-            <a:endParaRPr lang="en-US"/>
+            <a:endParaRPr lang="en-US" dirty="0"/>
           </a:p>
         </p:txBody>
       </p:sp>
@@ -811,7 +913,7 @@
     </p:spTree>
     <p:extLst>
       <p:ext uri="{BB962C8B-B14F-4D97-AF65-F5344CB8AC3E}">
-        <p14:creationId xmlns:p14="http://schemas.microsoft.com/office/powerpoint/2010/main" val="2581444228"/>
+        <p14:creationId xmlns:p14="http://schemas.microsoft.com/office/powerpoint/2010/main" val="681851428"/>
       </p:ext>
     </p:extLst>
   </p:cSld>
@@ -850,15 +952,24 @@
         </p:nvSpPr>
         <p:spPr>
           <a:xfrm>
-            <a:off x="831850" y="1709738"/>
-            <a:ext cx="10515600" cy="2852737"/>
+            <a:off x="3867912" y="1298448"/>
+            <a:ext cx="7315200" cy="3255264"/>
           </a:xfrm>
         </p:spPr>
         <p:txBody>
-          <a:bodyPr anchor="b"/>
+          <a:bodyPr anchor="b">
+            <a:normAutofit/>
+          </a:bodyPr>
           <a:lstStyle>
             <a:lvl1pPr>
-              <a:defRPr sz="6000"/>
+              <a:defRPr sz="5900" b="0" spc="-100" baseline="0">
+                <a:solidFill>
+                  <a:schemeClr val="tx1">
+                    <a:lumMod val="65000"/>
+                    <a:lumOff val="35000"/>
+                  </a:schemeClr>
+                </a:solidFill>
+              </a:defRPr>
             </a:lvl1pPr>
           </a:lstStyle>
           <a:p>
@@ -866,7 +977,7 @@
               <a:rPr lang="en-US" smtClean="0"/>
               <a:t>Click to edit Master title style</a:t>
             </a:r>
-            <a:endParaRPr lang="en-US"/>
+            <a:endParaRPr lang="en-US" dirty="0"/>
           </a:p>
         </p:txBody>
       </p:sp>
@@ -882,26 +993,29 @@
         </p:nvSpPr>
         <p:spPr>
           <a:xfrm>
-            <a:off x="831850" y="4589463"/>
-            <a:ext cx="10515600" cy="1500187"/>
+            <a:off x="3886200" y="4672584"/>
+            <a:ext cx="7315200" cy="914400"/>
           </a:xfrm>
         </p:spPr>
         <p:txBody>
-          <a:bodyPr/>
+          <a:bodyPr anchor="t">
+            <a:normAutofit/>
+          </a:bodyPr>
           <a:lstStyle>
             <a:lvl1pPr marL="0" indent="0">
               <a:buNone/>
-              <a:defRPr sz="2400">
+              <a:defRPr sz="2200" cap="none" spc="0" baseline="0">
                 <a:solidFill>
                   <a:schemeClr val="tx1">
-                    <a:tint val="75000"/>
+                    <a:lumMod val="65000"/>
+                    <a:lumOff val="35000"/>
                   </a:schemeClr>
                 </a:solidFill>
               </a:defRPr>
             </a:lvl1pPr>
             <a:lvl2pPr marL="457200" indent="0">
               <a:buNone/>
-              <a:defRPr sz="2000">
+              <a:defRPr sz="1800">
                 <a:solidFill>
                   <a:schemeClr val="tx1">
                     <a:tint val="75000"/>
@@ -911,7 +1025,7 @@
             </a:lvl2pPr>
             <a:lvl3pPr marL="914400" indent="0">
               <a:buNone/>
-              <a:defRPr sz="1800">
+              <a:defRPr sz="1600">
                 <a:solidFill>
                   <a:schemeClr val="tx1">
                     <a:tint val="75000"/>
@@ -921,7 +1035,7 @@
             </a:lvl3pPr>
             <a:lvl4pPr marL="1371600" indent="0">
               <a:buNone/>
-              <a:defRPr sz="1600">
+              <a:defRPr sz="1400">
                 <a:solidFill>
                   <a:schemeClr val="tx1">
                     <a:tint val="75000"/>
@@ -931,7 +1045,7 @@
             </a:lvl4pPr>
             <a:lvl5pPr marL="1828800" indent="0">
               <a:buNone/>
-              <a:defRPr sz="1600">
+              <a:defRPr sz="1400">
                 <a:solidFill>
                   <a:schemeClr val="tx1">
                     <a:tint val="75000"/>
@@ -941,7 +1055,7 @@
             </a:lvl5pPr>
             <a:lvl6pPr marL="2286000" indent="0">
               <a:buNone/>
-              <a:defRPr sz="1600">
+              <a:defRPr sz="1400">
                 <a:solidFill>
                   <a:schemeClr val="tx1">
                     <a:tint val="75000"/>
@@ -951,7 +1065,7 @@
             </a:lvl6pPr>
             <a:lvl7pPr marL="2743200" indent="0">
               <a:buNone/>
-              <a:defRPr sz="1600">
+              <a:defRPr sz="1400">
                 <a:solidFill>
                   <a:schemeClr val="tx1">
                     <a:tint val="75000"/>
@@ -961,7 +1075,7 @@
             </a:lvl7pPr>
             <a:lvl8pPr marL="3200400" indent="0">
               <a:buNone/>
-              <a:defRPr sz="1600">
+              <a:defRPr sz="1400">
                 <a:solidFill>
                   <a:schemeClr val="tx1">
                     <a:tint val="75000"/>
@@ -971,7 +1085,7 @@
             </a:lvl8pPr>
             <a:lvl9pPr marL="3657600" indent="0">
               <a:buNone/>
-              <a:defRPr sz="1600">
+              <a:defRPr sz="1400">
                 <a:solidFill>
                   <a:schemeClr val="tx1">
                     <a:tint val="75000"/>
@@ -1057,7 +1171,7 @@
     </p:spTree>
     <p:extLst>
       <p:ext uri="{BB962C8B-B14F-4D97-AF65-F5344CB8AC3E}">
-        <p14:creationId xmlns:p14="http://schemas.microsoft.com/office/powerpoint/2010/main" val="3062399375"/>
+        <p14:creationId xmlns:p14="http://schemas.microsoft.com/office/powerpoint/2010/main" val="3967732290"/>
       </p:ext>
     </p:extLst>
   </p:cSld>
@@ -1103,7 +1217,7 @@
               <a:rPr lang="en-US" smtClean="0"/>
               <a:t>Click to edit Master title style</a:t>
             </a:r>
-            <a:endParaRPr lang="en-US"/>
+            <a:endParaRPr lang="en-US" dirty="0"/>
           </a:p>
         </p:txBody>
       </p:sp>
@@ -1119,13 +1233,41 @@
         </p:nvSpPr>
         <p:spPr>
           <a:xfrm>
-            <a:off x="838200" y="1825625"/>
-            <a:ext cx="5181600" cy="4351338"/>
+            <a:off x="3867912" y="868680"/>
+            <a:ext cx="3474720" cy="5120640"/>
           </a:xfrm>
         </p:spPr>
         <p:txBody>
           <a:bodyPr/>
-          <a:lstStyle/>
+          <a:lstStyle>
+            <a:lvl1pPr>
+              <a:defRPr sz="2000"/>
+            </a:lvl1pPr>
+            <a:lvl2pPr>
+              <a:defRPr sz="1800"/>
+            </a:lvl2pPr>
+            <a:lvl3pPr>
+              <a:defRPr sz="1600"/>
+            </a:lvl3pPr>
+            <a:lvl4pPr>
+              <a:defRPr sz="1400"/>
+            </a:lvl4pPr>
+            <a:lvl5pPr>
+              <a:defRPr sz="1400"/>
+            </a:lvl5pPr>
+            <a:lvl6pPr>
+              <a:defRPr sz="1400"/>
+            </a:lvl6pPr>
+            <a:lvl7pPr>
+              <a:defRPr sz="1400"/>
+            </a:lvl7pPr>
+            <a:lvl8pPr>
+              <a:defRPr sz="1400"/>
+            </a:lvl8pPr>
+            <a:lvl9pPr>
+              <a:defRPr sz="1400"/>
+            </a:lvl9pPr>
+          </a:lstStyle>
           <a:p>
             <a:pPr lvl="0"/>
             <a:r>
@@ -1160,7 +1302,7 @@
               <a:rPr lang="en-US" smtClean="0"/>
               <a:t>Fifth level</a:t>
             </a:r>
-            <a:endParaRPr lang="en-US"/>
+            <a:endParaRPr lang="en-US" dirty="0"/>
           </a:p>
         </p:txBody>
       </p:sp>
@@ -1176,13 +1318,41 @@
         </p:nvSpPr>
         <p:spPr>
           <a:xfrm>
-            <a:off x="6172200" y="1825625"/>
-            <a:ext cx="5181600" cy="4351338"/>
+            <a:off x="7818120" y="868680"/>
+            <a:ext cx="3474720" cy="5120640"/>
           </a:xfrm>
         </p:spPr>
         <p:txBody>
           <a:bodyPr/>
-          <a:lstStyle/>
+          <a:lstStyle>
+            <a:lvl1pPr>
+              <a:defRPr sz="2000"/>
+            </a:lvl1pPr>
+            <a:lvl2pPr>
+              <a:defRPr sz="1800"/>
+            </a:lvl2pPr>
+            <a:lvl3pPr>
+              <a:defRPr sz="1600"/>
+            </a:lvl3pPr>
+            <a:lvl4pPr>
+              <a:defRPr sz="1400"/>
+            </a:lvl4pPr>
+            <a:lvl5pPr>
+              <a:defRPr sz="1400"/>
+            </a:lvl5pPr>
+            <a:lvl6pPr>
+              <a:defRPr sz="1400"/>
+            </a:lvl6pPr>
+            <a:lvl7pPr>
+              <a:defRPr sz="1400"/>
+            </a:lvl7pPr>
+            <a:lvl8pPr>
+              <a:defRPr sz="1400"/>
+            </a:lvl8pPr>
+            <a:lvl9pPr>
+              <a:defRPr sz="1400"/>
+            </a:lvl9pPr>
+          </a:lstStyle>
           <a:p>
             <a:pPr lvl="0"/>
             <a:r>
@@ -1217,13 +1387,13 @@
               <a:rPr lang="en-US" smtClean="0"/>
               <a:t>Fifth level</a:t>
             </a:r>
-            <a:endParaRPr lang="en-US"/>
-          </a:p>
-        </p:txBody>
-      </p:sp>
-      <p:sp>
-        <p:nvSpPr>
-          <p:cNvPr id="5" name="Date Placeholder 4"/>
+            <a:endParaRPr lang="en-US" dirty="0"/>
+          </a:p>
+        </p:txBody>
+      </p:sp>
+      <p:sp>
+        <p:nvSpPr>
+          <p:cNvPr id="8" name="Date Placeholder 7"/>
           <p:cNvSpPr>
             <a:spLocks noGrp="1"/>
           </p:cNvSpPr>
@@ -1246,7 +1416,7 @@
       </p:sp>
       <p:sp>
         <p:nvSpPr>
-          <p:cNvPr id="6" name="Footer Placeholder 5"/>
+          <p:cNvPr id="9" name="Footer Placeholder 8"/>
           <p:cNvSpPr>
             <a:spLocks noGrp="1"/>
           </p:cNvSpPr>
@@ -1265,7 +1435,7 @@
       </p:sp>
       <p:sp>
         <p:nvSpPr>
-          <p:cNvPr id="7" name="Slide Number Placeholder 6"/>
+          <p:cNvPr id="10" name="Slide Number Placeholder 9"/>
           <p:cNvSpPr>
             <a:spLocks noGrp="1"/>
           </p:cNvSpPr>
@@ -1289,7 +1459,7 @@
     </p:spTree>
     <p:extLst>
       <p:ext uri="{BB962C8B-B14F-4D97-AF65-F5344CB8AC3E}">
-        <p14:creationId xmlns:p14="http://schemas.microsoft.com/office/powerpoint/2010/main" val="3120089919"/>
+        <p14:creationId xmlns:p14="http://schemas.microsoft.com/office/powerpoint/2010/main" val="498795792"/>
       </p:ext>
     </p:extLst>
   </p:cSld>
@@ -1318,54 +1488,61 @@
       </p:grpSpPr>
       <p:sp>
         <p:nvSpPr>
-          <p:cNvPr id="2" name="Title 1"/>
+          <p:cNvPr id="10" name="Title 9"/>
           <p:cNvSpPr>
             <a:spLocks noGrp="1"/>
           </p:cNvSpPr>
           <p:nvPr>
             <p:ph type="title"/>
+          </p:nvPr>
+        </p:nvSpPr>
+        <p:spPr/>
+        <p:txBody>
+          <a:bodyPr/>
+          <a:lstStyle/>
+          <a:p>
+            <a:r>
+              <a:rPr lang="en-US" smtClean="0"/>
+              <a:t>Click to edit Master title style</a:t>
+            </a:r>
+            <a:endParaRPr lang="en-US" dirty="0"/>
+          </a:p>
+        </p:txBody>
+      </p:sp>
+      <p:sp>
+        <p:nvSpPr>
+          <p:cNvPr id="3" name="Text Placeholder 2"/>
+          <p:cNvSpPr>
+            <a:spLocks noGrp="1"/>
+          </p:cNvSpPr>
+          <p:nvPr>
+            <p:ph type="body" idx="1"/>
           </p:nvPr>
         </p:nvSpPr>
         <p:spPr>
           <a:xfrm>
-            <a:off x="839788" y="365125"/>
-            <a:ext cx="10515600" cy="1325563"/>
+            <a:off x="3867912" y="1023586"/>
+            <a:ext cx="3474720" cy="807720"/>
           </a:xfrm>
         </p:spPr>
         <p:txBody>
-          <a:bodyPr/>
-          <a:lstStyle/>
-          <a:p>
-            <a:r>
-              <a:rPr lang="en-US" smtClean="0"/>
-              <a:t>Click to edit Master title style</a:t>
-            </a:r>
-            <a:endParaRPr lang="en-US"/>
-          </a:p>
-        </p:txBody>
-      </p:sp>
-      <p:sp>
-        <p:nvSpPr>
-          <p:cNvPr id="3" name="Text Placeholder 2"/>
-          <p:cNvSpPr>
-            <a:spLocks noGrp="1"/>
-          </p:cNvSpPr>
-          <p:nvPr>
-            <p:ph type="body" idx="1"/>
-          </p:nvPr>
-        </p:nvSpPr>
-        <p:spPr>
-          <a:xfrm>
-            <a:off x="839788" y="1681163"/>
-            <a:ext cx="5157787" cy="823912"/>
-          </a:xfrm>
-        </p:spPr>
-        <p:txBody>
-          <a:bodyPr anchor="b"/>
+          <a:bodyPr anchor="b">
+            <a:normAutofit/>
+          </a:bodyPr>
           <a:lstStyle>
             <a:lvl1pPr marL="0" indent="0">
-              <a:buNone/>
-              <a:defRPr sz="2400" b="1"/>
+              <a:spcBef>
+                <a:spcPts val="0"/>
+              </a:spcBef>
+              <a:buNone/>
+              <a:defRPr sz="2000" b="1">
+                <a:solidFill>
+                  <a:schemeClr val="tx1">
+                    <a:lumMod val="65000"/>
+                    <a:lumOff val="35000"/>
+                  </a:schemeClr>
+                </a:solidFill>
+              </a:defRPr>
             </a:lvl1pPr>
             <a:lvl2pPr marL="457200" indent="0">
               <a:buNone/>
@@ -1421,13 +1598,41 @@
         </p:nvSpPr>
         <p:spPr>
           <a:xfrm>
-            <a:off x="839788" y="2505075"/>
-            <a:ext cx="5157787" cy="3684588"/>
+            <a:off x="3867912" y="1930936"/>
+            <a:ext cx="3474720" cy="4023360"/>
           </a:xfrm>
         </p:spPr>
         <p:txBody>
           <a:bodyPr/>
-          <a:lstStyle/>
+          <a:lstStyle>
+            <a:lvl1pPr>
+              <a:defRPr sz="2000"/>
+            </a:lvl1pPr>
+            <a:lvl2pPr>
+              <a:defRPr sz="1800"/>
+            </a:lvl2pPr>
+            <a:lvl3pPr>
+              <a:defRPr sz="1600"/>
+            </a:lvl3pPr>
+            <a:lvl4pPr>
+              <a:defRPr sz="1400"/>
+            </a:lvl4pPr>
+            <a:lvl5pPr>
+              <a:defRPr sz="1400"/>
+            </a:lvl5pPr>
+            <a:lvl6pPr>
+              <a:defRPr sz="1400"/>
+            </a:lvl6pPr>
+            <a:lvl7pPr>
+              <a:defRPr sz="1400"/>
+            </a:lvl7pPr>
+            <a:lvl8pPr>
+              <a:defRPr sz="1400"/>
+            </a:lvl8pPr>
+            <a:lvl9pPr>
+              <a:defRPr sz="1400"/>
+            </a:lvl9pPr>
+          </a:lstStyle>
           <a:p>
             <a:pPr lvl="0"/>
             <a:r>
@@ -1462,7 +1667,7 @@
               <a:rPr lang="en-US" smtClean="0"/>
               <a:t>Fifth level</a:t>
             </a:r>
-            <a:endParaRPr lang="en-US"/>
+            <a:endParaRPr lang="en-US" dirty="0"/>
           </a:p>
         </p:txBody>
       </p:sp>
@@ -1478,16 +1683,28 @@
         </p:nvSpPr>
         <p:spPr>
           <a:xfrm>
-            <a:off x="6172200" y="1681163"/>
-            <a:ext cx="5183188" cy="823912"/>
+            <a:off x="7818463" y="1023586"/>
+            <a:ext cx="3474720" cy="813171"/>
           </a:xfrm>
         </p:spPr>
         <p:txBody>
-          <a:bodyPr anchor="b"/>
+          <a:bodyPr anchor="b">
+            <a:normAutofit/>
+          </a:bodyPr>
           <a:lstStyle>
             <a:lvl1pPr marL="0" indent="0">
-              <a:buNone/>
-              <a:defRPr sz="2400" b="1"/>
+              <a:spcBef>
+                <a:spcPts val="0"/>
+              </a:spcBef>
+              <a:buNone/>
+              <a:defRPr sz="2000" b="1">
+                <a:solidFill>
+                  <a:schemeClr val="tx1">
+                    <a:lumMod val="65000"/>
+                    <a:lumOff val="35000"/>
+                  </a:schemeClr>
+                </a:solidFill>
+              </a:defRPr>
             </a:lvl1pPr>
             <a:lvl2pPr marL="457200" indent="0">
               <a:buNone/>
@@ -1543,13 +1760,41 @@
         </p:nvSpPr>
         <p:spPr>
           <a:xfrm>
-            <a:off x="6172200" y="2505075"/>
-            <a:ext cx="5183188" cy="3684588"/>
+            <a:off x="7818463" y="1930936"/>
+            <a:ext cx="3474720" cy="4023360"/>
           </a:xfrm>
         </p:spPr>
         <p:txBody>
           <a:bodyPr/>
-          <a:lstStyle/>
+          <a:lstStyle>
+            <a:lvl1pPr>
+              <a:defRPr sz="2000"/>
+            </a:lvl1pPr>
+            <a:lvl2pPr>
+              <a:defRPr sz="1800"/>
+            </a:lvl2pPr>
+            <a:lvl3pPr>
+              <a:defRPr sz="1600"/>
+            </a:lvl3pPr>
+            <a:lvl4pPr>
+              <a:defRPr sz="1400"/>
+            </a:lvl4pPr>
+            <a:lvl5pPr>
+              <a:defRPr sz="1400"/>
+            </a:lvl5pPr>
+            <a:lvl6pPr>
+              <a:defRPr sz="1400"/>
+            </a:lvl6pPr>
+            <a:lvl7pPr>
+              <a:defRPr sz="1400"/>
+            </a:lvl7pPr>
+            <a:lvl8pPr>
+              <a:defRPr sz="1400"/>
+            </a:lvl8pPr>
+            <a:lvl9pPr>
+              <a:defRPr sz="1400"/>
+            </a:lvl9pPr>
+          </a:lstStyle>
           <a:p>
             <a:pPr lvl="0"/>
             <a:r>
@@ -1584,13 +1829,13 @@
               <a:rPr lang="en-US" smtClean="0"/>
               <a:t>Fifth level</a:t>
             </a:r>
-            <a:endParaRPr lang="en-US"/>
-          </a:p>
-        </p:txBody>
-      </p:sp>
-      <p:sp>
-        <p:nvSpPr>
-          <p:cNvPr id="7" name="Date Placeholder 6"/>
+            <a:endParaRPr lang="en-US" dirty="0"/>
+          </a:p>
+        </p:txBody>
+      </p:sp>
+      <p:sp>
+        <p:nvSpPr>
+          <p:cNvPr id="2" name="Date Placeholder 1"/>
           <p:cNvSpPr>
             <a:spLocks noGrp="1"/>
           </p:cNvSpPr>
@@ -1613,7 +1858,7 @@
       </p:sp>
       <p:sp>
         <p:nvSpPr>
-          <p:cNvPr id="8" name="Footer Placeholder 7"/>
+          <p:cNvPr id="11" name="Footer Placeholder 10"/>
           <p:cNvSpPr>
             <a:spLocks noGrp="1"/>
           </p:cNvSpPr>
@@ -1632,7 +1877,7 @@
       </p:sp>
       <p:sp>
         <p:nvSpPr>
-          <p:cNvPr id="9" name="Slide Number Placeholder 8"/>
+          <p:cNvPr id="12" name="Slide Number Placeholder 11"/>
           <p:cNvSpPr>
             <a:spLocks noGrp="1"/>
           </p:cNvSpPr>
@@ -1656,7 +1901,7 @@
     </p:spTree>
     <p:extLst>
       <p:ext uri="{BB962C8B-B14F-4D97-AF65-F5344CB8AC3E}">
-        <p14:creationId xmlns:p14="http://schemas.microsoft.com/office/powerpoint/2010/main" val="1752489381"/>
+        <p14:creationId xmlns:p14="http://schemas.microsoft.com/office/powerpoint/2010/main" val="2787691931"/>
       </p:ext>
     </p:extLst>
   </p:cSld>
@@ -1685,7 +1930,7 @@
       </p:grpSpPr>
       <p:sp>
         <p:nvSpPr>
-          <p:cNvPr id="2" name="Title 1"/>
+          <p:cNvPr id="6" name="Title 5"/>
           <p:cNvSpPr>
             <a:spLocks noGrp="1"/>
           </p:cNvSpPr>
@@ -1702,13 +1947,13 @@
               <a:rPr lang="en-US" smtClean="0"/>
               <a:t>Click to edit Master title style</a:t>
             </a:r>
-            <a:endParaRPr lang="en-US"/>
-          </a:p>
-        </p:txBody>
-      </p:sp>
-      <p:sp>
-        <p:nvSpPr>
-          <p:cNvPr id="3" name="Date Placeholder 2"/>
+            <a:endParaRPr lang="en-US" dirty="0"/>
+          </a:p>
+        </p:txBody>
+      </p:sp>
+      <p:sp>
+        <p:nvSpPr>
+          <p:cNvPr id="2" name="Date Placeholder 1"/>
           <p:cNvSpPr>
             <a:spLocks noGrp="1"/>
           </p:cNvSpPr>
@@ -1731,7 +1976,7 @@
       </p:sp>
       <p:sp>
         <p:nvSpPr>
-          <p:cNvPr id="4" name="Footer Placeholder 3"/>
+          <p:cNvPr id="7" name="Footer Placeholder 6"/>
           <p:cNvSpPr>
             <a:spLocks noGrp="1"/>
           </p:cNvSpPr>
@@ -1750,7 +1995,7 @@
       </p:sp>
       <p:sp>
         <p:nvSpPr>
-          <p:cNvPr id="5" name="Slide Number Placeholder 4"/>
+          <p:cNvPr id="8" name="Slide Number Placeholder 7"/>
           <p:cNvSpPr>
             <a:spLocks noGrp="1"/>
           </p:cNvSpPr>
@@ -1774,7 +2019,7 @@
     </p:spTree>
     <p:extLst>
       <p:ext uri="{BB962C8B-B14F-4D97-AF65-F5344CB8AC3E}">
-        <p14:creationId xmlns:p14="http://schemas.microsoft.com/office/powerpoint/2010/main" val="2054150797"/>
+        <p14:creationId xmlns:p14="http://schemas.microsoft.com/office/powerpoint/2010/main" val="581441059"/>
       </p:ext>
     </p:extLst>
   </p:cSld>
@@ -1785,7 +2030,7 @@
 </file>
 
 <file path=ppt/slideLayouts/slideLayout7.xml><?xml version="1.0" encoding="utf-8"?>
-<p:sldLayout xmlns:a="http://schemas.openxmlformats.org/drawingml/2006/main" xmlns:r="http://schemas.openxmlformats.org/officeDocument/2006/relationships" xmlns:p="http://schemas.openxmlformats.org/presentationml/2006/main" type="blank" preserve="1">
+<p:sldLayout xmlns:a="http://schemas.openxmlformats.org/drawingml/2006/main" xmlns:r="http://schemas.openxmlformats.org/officeDocument/2006/relationships" xmlns:p="http://schemas.openxmlformats.org/presentationml/2006/main" showMasterSp="0" type="blank" preserve="1">
   <p:cSld name="Blank">
     <p:spTree>
       <p:nvGrpSpPr>
@@ -1803,7 +2048,7 @@
       </p:grpSpPr>
       <p:sp>
         <p:nvSpPr>
-          <p:cNvPr id="2" name="Date Placeholder 1"/>
+          <p:cNvPr id="5" name="Date Placeholder 4"/>
           <p:cNvSpPr>
             <a:spLocks noGrp="1"/>
           </p:cNvSpPr>
@@ -1826,7 +2071,7 @@
       </p:sp>
       <p:sp>
         <p:nvSpPr>
-          <p:cNvPr id="3" name="Footer Placeholder 2"/>
+          <p:cNvPr id="6" name="Footer Placeholder 5"/>
           <p:cNvSpPr>
             <a:spLocks noGrp="1"/>
           </p:cNvSpPr>
@@ -1845,7 +2090,7 @@
       </p:sp>
       <p:sp>
         <p:nvSpPr>
-          <p:cNvPr id="4" name="Slide Number Placeholder 3"/>
+          <p:cNvPr id="7" name="Slide Number Placeholder 6"/>
           <p:cNvSpPr>
             <a:spLocks noGrp="1"/>
           </p:cNvSpPr>
@@ -1869,7 +2114,7 @@
     </p:spTree>
     <p:extLst>
       <p:ext uri="{BB962C8B-B14F-4D97-AF65-F5344CB8AC3E}">
-        <p14:creationId xmlns:p14="http://schemas.microsoft.com/office/powerpoint/2010/main" val="31955387"/>
+        <p14:creationId xmlns:p14="http://schemas.microsoft.com/office/powerpoint/2010/main" val="2962678282"/>
       </p:ext>
     </p:extLst>
   </p:cSld>
@@ -1908,15 +2153,17 @@
         </p:nvSpPr>
         <p:spPr>
           <a:xfrm>
-            <a:off x="839788" y="457200"/>
-            <a:ext cx="3932237" cy="1600200"/>
+            <a:off x="256032" y="1143000"/>
+            <a:ext cx="2834640" cy="2377440"/>
           </a:xfrm>
         </p:spPr>
         <p:txBody>
-          <a:bodyPr anchor="b"/>
+          <a:bodyPr anchor="b">
+            <a:normAutofit/>
+          </a:bodyPr>
           <a:lstStyle>
             <a:lvl1pPr>
-              <a:defRPr sz="3200"/>
+              <a:defRPr sz="3200" b="0" baseline="0"/>
             </a:lvl1pPr>
           </a:lstStyle>
           <a:p>
@@ -1924,7 +2171,7 @@
               <a:rPr lang="en-US" smtClean="0"/>
               <a:t>Click to edit Master title style</a:t>
             </a:r>
-            <a:endParaRPr lang="en-US"/>
+            <a:endParaRPr lang="en-US" dirty="0"/>
           </a:p>
         </p:txBody>
       </p:sp>
@@ -1940,39 +2187,39 @@
         </p:nvSpPr>
         <p:spPr>
           <a:xfrm>
-            <a:off x="5183188" y="987425"/>
-            <a:ext cx="6172200" cy="4873625"/>
+            <a:off x="3867912" y="868680"/>
+            <a:ext cx="7315200" cy="5120640"/>
           </a:xfrm>
         </p:spPr>
         <p:txBody>
           <a:bodyPr/>
           <a:lstStyle>
             <a:lvl1pPr>
-              <a:defRPr sz="3200"/>
+              <a:defRPr sz="2000"/>
             </a:lvl1pPr>
             <a:lvl2pPr>
-              <a:defRPr sz="2800"/>
+              <a:defRPr sz="1800"/>
             </a:lvl2pPr>
             <a:lvl3pPr>
-              <a:defRPr sz="2400"/>
+              <a:defRPr sz="1600"/>
             </a:lvl3pPr>
             <a:lvl4pPr>
-              <a:defRPr sz="2000"/>
+              <a:defRPr sz="1400"/>
             </a:lvl4pPr>
             <a:lvl5pPr>
-              <a:defRPr sz="2000"/>
+              <a:defRPr sz="1400"/>
             </a:lvl5pPr>
             <a:lvl6pPr>
-              <a:defRPr sz="2000"/>
+              <a:defRPr sz="1400"/>
             </a:lvl6pPr>
             <a:lvl7pPr>
-              <a:defRPr sz="2000"/>
+              <a:defRPr sz="1400"/>
             </a:lvl7pPr>
             <a:lvl8pPr>
-              <a:defRPr sz="2000"/>
+              <a:defRPr sz="1400"/>
             </a:lvl8pPr>
             <a:lvl9pPr>
-              <a:defRPr sz="2000"/>
+              <a:defRPr sz="1400"/>
             </a:lvl9pPr>
           </a:lstStyle>
           <a:p>
@@ -2009,7 +2256,7 @@
               <a:rPr lang="en-US" smtClean="0"/>
               <a:t>Fifth level</a:t>
             </a:r>
-            <a:endParaRPr lang="en-US"/>
+            <a:endParaRPr lang="en-US" dirty="0"/>
           </a:p>
         </p:txBody>
       </p:sp>
@@ -2025,48 +2272,57 @@
         </p:nvSpPr>
         <p:spPr>
           <a:xfrm>
-            <a:off x="839788" y="2057400"/>
-            <a:ext cx="3932237" cy="3811588"/>
+            <a:off x="256032" y="3494176"/>
+            <a:ext cx="2834640" cy="2321990"/>
           </a:xfrm>
         </p:spPr>
         <p:txBody>
-          <a:bodyPr/>
+          <a:bodyPr anchor="t">
+            <a:normAutofit/>
+          </a:bodyPr>
           <a:lstStyle>
             <a:lvl1pPr marL="0" indent="0">
-              <a:buNone/>
-              <a:defRPr sz="1600"/>
+              <a:lnSpc>
+                <a:spcPct val="100000"/>
+              </a:lnSpc>
+              <a:buNone/>
+              <a:defRPr sz="1400">
+                <a:solidFill>
+                  <a:srgbClr val="FFFFFF"/>
+                </a:solidFill>
+              </a:defRPr>
             </a:lvl1pPr>
             <a:lvl2pPr marL="457200" indent="0">
               <a:buNone/>
-              <a:defRPr sz="1400"/>
+              <a:defRPr sz="1200"/>
             </a:lvl2pPr>
             <a:lvl3pPr marL="914400" indent="0">
               <a:buNone/>
-              <a:defRPr sz="1200"/>
+              <a:defRPr sz="1000"/>
             </a:lvl3pPr>
             <a:lvl4pPr marL="1371600" indent="0">
               <a:buNone/>
-              <a:defRPr sz="1000"/>
+              <a:defRPr sz="900"/>
             </a:lvl4pPr>
             <a:lvl5pPr marL="1828800" indent="0">
               <a:buNone/>
-              <a:defRPr sz="1000"/>
+              <a:defRPr sz="900"/>
             </a:lvl5pPr>
             <a:lvl6pPr marL="2286000" indent="0">
               <a:buNone/>
-              <a:defRPr sz="1000"/>
+              <a:defRPr sz="900"/>
             </a:lvl6pPr>
             <a:lvl7pPr marL="2743200" indent="0">
               <a:buNone/>
-              <a:defRPr sz="1000"/>
+              <a:defRPr sz="900"/>
             </a:lvl7pPr>
             <a:lvl8pPr marL="3200400" indent="0">
               <a:buNone/>
-              <a:defRPr sz="1000"/>
+              <a:defRPr sz="900"/>
             </a:lvl8pPr>
             <a:lvl9pPr marL="3657600" indent="0">
               <a:buNone/>
-              <a:defRPr sz="1000"/>
+              <a:defRPr sz="900"/>
             </a:lvl9pPr>
           </a:lstStyle>
           <a:p>
@@ -2080,7 +2336,7 @@
       </p:sp>
       <p:sp>
         <p:nvSpPr>
-          <p:cNvPr id="5" name="Date Placeholder 4"/>
+          <p:cNvPr id="8" name="Date Placeholder 7"/>
           <p:cNvSpPr>
             <a:spLocks noGrp="1"/>
           </p:cNvSpPr>
@@ -2103,7 +2359,7 @@
       </p:sp>
       <p:sp>
         <p:nvSpPr>
-          <p:cNvPr id="6" name="Footer Placeholder 5"/>
+          <p:cNvPr id="9" name="Footer Placeholder 8"/>
           <p:cNvSpPr>
             <a:spLocks noGrp="1"/>
           </p:cNvSpPr>
@@ -2122,7 +2378,7 @@
       </p:sp>
       <p:sp>
         <p:nvSpPr>
-          <p:cNvPr id="7" name="Slide Number Placeholder 6"/>
+          <p:cNvPr id="10" name="Slide Number Placeholder 9"/>
           <p:cNvSpPr>
             <a:spLocks noGrp="1"/>
           </p:cNvSpPr>
@@ -2146,7 +2402,7 @@
     </p:spTree>
     <p:extLst>
       <p:ext uri="{BB962C8B-B14F-4D97-AF65-F5344CB8AC3E}">
-        <p14:creationId xmlns:p14="http://schemas.microsoft.com/office/powerpoint/2010/main" val="3970370575"/>
+        <p14:creationId xmlns:p14="http://schemas.microsoft.com/office/powerpoint/2010/main" val="2429634044"/>
       </p:ext>
     </p:extLst>
   </p:cSld>
@@ -2185,15 +2441,17 @@
         </p:nvSpPr>
         <p:spPr>
           <a:xfrm>
-            <a:off x="839788" y="457200"/>
-            <a:ext cx="3932237" cy="1600200"/>
+            <a:off x="256032" y="1143000"/>
+            <a:ext cx="2834640" cy="2377440"/>
           </a:xfrm>
         </p:spPr>
         <p:txBody>
-          <a:bodyPr anchor="b"/>
+          <a:bodyPr anchor="b">
+            <a:normAutofit/>
+          </a:bodyPr>
           <a:lstStyle>
             <a:lvl1pPr>
-              <a:defRPr sz="3200"/>
+              <a:defRPr sz="3200" b="0"/>
             </a:lvl1pPr>
           </a:lstStyle>
           <a:p>
@@ -2201,7 +2459,7 @@
               <a:rPr lang="en-US" smtClean="0"/>
               <a:t>Click to edit Master title style</a:t>
             </a:r>
-            <a:endParaRPr lang="en-US"/>
+            <a:endParaRPr lang="en-US" dirty="0"/>
           </a:p>
         </p:txBody>
       </p:sp>
@@ -2209,7 +2467,7 @@
         <p:nvSpPr>
           <p:cNvPr id="3" name="Picture Placeholder 2"/>
           <p:cNvSpPr>
-            <a:spLocks noGrp="1"/>
+            <a:spLocks noGrp="1" noChangeAspect="1"/>
           </p:cNvSpPr>
           <p:nvPr>
             <p:ph type="pic" idx="1"/>
@@ -2217,12 +2475,17 @@
         </p:nvSpPr>
         <p:spPr>
           <a:xfrm>
-            <a:off x="5183188" y="987425"/>
-            <a:ext cx="6172200" cy="4873625"/>
+            <a:off x="3570644" y="767419"/>
+            <a:ext cx="8115230" cy="5330952"/>
           </a:xfrm>
+          <a:solidFill>
+            <a:schemeClr val="bg1">
+              <a:lumMod val="75000"/>
+            </a:schemeClr>
+          </a:solidFill>
         </p:spPr>
         <p:txBody>
-          <a:bodyPr/>
+          <a:bodyPr anchor="t"/>
           <a:lstStyle>
             <a:lvl1pPr marL="0" indent="0">
               <a:buNone/>
@@ -2262,7 +2525,11 @@
             </a:lvl9pPr>
           </a:lstStyle>
           <a:p>
-            <a:endParaRPr lang="en-US"/>
+            <a:r>
+              <a:rPr lang="en-US" smtClean="0"/>
+              <a:t>Click icon to add picture</a:t>
+            </a:r>
+            <a:endParaRPr lang="en-US" dirty="0"/>
           </a:p>
         </p:txBody>
       </p:sp>
@@ -2278,48 +2545,57 @@
         </p:nvSpPr>
         <p:spPr>
           <a:xfrm>
-            <a:off x="839788" y="2057400"/>
-            <a:ext cx="3932237" cy="3811588"/>
+            <a:off x="256032" y="3493008"/>
+            <a:ext cx="2834640" cy="2322576"/>
           </a:xfrm>
         </p:spPr>
         <p:txBody>
-          <a:bodyPr/>
+          <a:bodyPr anchor="t">
+            <a:normAutofit/>
+          </a:bodyPr>
           <a:lstStyle>
             <a:lvl1pPr marL="0" indent="0">
-              <a:buNone/>
-              <a:defRPr sz="1600"/>
+              <a:lnSpc>
+                <a:spcPct val="100000"/>
+              </a:lnSpc>
+              <a:buNone/>
+              <a:defRPr sz="1400">
+                <a:solidFill>
+                  <a:srgbClr val="FFFFFF"/>
+                </a:solidFill>
+              </a:defRPr>
             </a:lvl1pPr>
             <a:lvl2pPr marL="457200" indent="0">
               <a:buNone/>
-              <a:defRPr sz="1400"/>
+              <a:defRPr sz="1200"/>
             </a:lvl2pPr>
             <a:lvl3pPr marL="914400" indent="0">
               <a:buNone/>
-              <a:defRPr sz="1200"/>
+              <a:defRPr sz="1000"/>
             </a:lvl3pPr>
             <a:lvl4pPr marL="1371600" indent="0">
               <a:buNone/>
-              <a:defRPr sz="1000"/>
+              <a:defRPr sz="900"/>
             </a:lvl4pPr>
             <a:lvl5pPr marL="1828800" indent="0">
               <a:buNone/>
-              <a:defRPr sz="1000"/>
+              <a:defRPr sz="900"/>
             </a:lvl5pPr>
             <a:lvl6pPr marL="2286000" indent="0">
               <a:buNone/>
-              <a:defRPr sz="1000"/>
+              <a:defRPr sz="900"/>
             </a:lvl6pPr>
             <a:lvl7pPr marL="2743200" indent="0">
               <a:buNone/>
-              <a:defRPr sz="1000"/>
+              <a:defRPr sz="900"/>
             </a:lvl7pPr>
             <a:lvl8pPr marL="3200400" indent="0">
               <a:buNone/>
-              <a:defRPr sz="1000"/>
+              <a:defRPr sz="900"/>
             </a:lvl8pPr>
             <a:lvl9pPr marL="3657600" indent="0">
               <a:buNone/>
-              <a:defRPr sz="1000"/>
+              <a:defRPr sz="900"/>
             </a:lvl9pPr>
           </a:lstStyle>
           <a:p>
@@ -2333,7 +2609,7 @@
       </p:sp>
       <p:sp>
         <p:nvSpPr>
-          <p:cNvPr id="5" name="Date Placeholder 4"/>
+          <p:cNvPr id="8" name="Date Placeholder 7"/>
           <p:cNvSpPr>
             <a:spLocks noGrp="1"/>
           </p:cNvSpPr>
@@ -2356,7 +2632,7 @@
       </p:sp>
       <p:sp>
         <p:nvSpPr>
-          <p:cNvPr id="6" name="Footer Placeholder 5"/>
+          <p:cNvPr id="9" name="Footer Placeholder 8"/>
           <p:cNvSpPr>
             <a:spLocks noGrp="1"/>
           </p:cNvSpPr>
@@ -2364,7 +2640,12 @@
             <p:ph type="ftr" sz="quarter" idx="11"/>
           </p:nvPr>
         </p:nvSpPr>
-        <p:spPr/>
+        <p:spPr>
+          <a:xfrm>
+            <a:off x="3499101" y="6356350"/>
+            <a:ext cx="5911517" cy="365125"/>
+          </a:xfrm>
+        </p:spPr>
         <p:txBody>
           <a:bodyPr/>
           <a:lstStyle/>
@@ -2375,7 +2656,7 @@
       </p:sp>
       <p:sp>
         <p:nvSpPr>
-          <p:cNvPr id="7" name="Slide Number Placeholder 6"/>
+          <p:cNvPr id="10" name="Slide Number Placeholder 9"/>
           <p:cNvSpPr>
             <a:spLocks noGrp="1"/>
           </p:cNvSpPr>
@@ -2399,7 +2680,7 @@
     </p:spTree>
     <p:extLst>
       <p:ext uri="{BB962C8B-B14F-4D97-AF65-F5344CB8AC3E}">
-        <p14:creationId xmlns:p14="http://schemas.microsoft.com/office/powerpoint/2010/main" val="1581322246"/>
+        <p14:creationId xmlns:p14="http://schemas.microsoft.com/office/powerpoint/2010/main" val="3972913050"/>
       </p:ext>
     </p:extLst>
   </p:cSld>
@@ -2433,18 +2714,56 @@
       </p:grpSpPr>
       <p:sp>
         <p:nvSpPr>
-          <p:cNvPr id="2" name="Title Placeholder 1"/>
-          <p:cNvSpPr>
-            <a:spLocks noGrp="1"/>
-          </p:cNvSpPr>
-          <p:nvPr>
-            <p:ph type="title"/>
-          </p:nvPr>
+          <p:cNvPr id="7" name="Rectangle 6"/>
+          <p:cNvSpPr/>
+          <p:nvPr/>
         </p:nvSpPr>
         <p:spPr>
           <a:xfrm>
-            <a:off x="838200" y="365125"/>
-            <a:ext cx="10515600" cy="1325563"/>
+            <a:off x="1" y="758952"/>
+            <a:ext cx="3443590" cy="5330952"/>
+          </a:xfrm>
+          <a:prstGeom prst="rect">
+            <a:avLst/>
+          </a:prstGeom>
+          <a:solidFill>
+            <a:schemeClr val="accent1"/>
+          </a:solidFill>
+          <a:ln>
+            <a:noFill/>
+          </a:ln>
+        </p:spPr>
+        <p:style>
+          <a:lnRef idx="2">
+            <a:schemeClr val="accent1">
+              <a:shade val="50000"/>
+            </a:schemeClr>
+          </a:lnRef>
+          <a:fillRef idx="1">
+            <a:schemeClr val="accent1"/>
+          </a:fillRef>
+          <a:effectRef idx="0">
+            <a:schemeClr val="accent1"/>
+          </a:effectRef>
+          <a:fontRef idx="minor">
+            <a:schemeClr val="lt1"/>
+          </a:fontRef>
+        </p:style>
+      </p:sp>
+      <p:sp>
+        <p:nvSpPr>
+          <p:cNvPr id="2" name="Title Placeholder 1"/>
+          <p:cNvSpPr>
+            <a:spLocks noGrp="1"/>
+          </p:cNvSpPr>
+          <p:nvPr>
+            <p:ph type="title"/>
+          </p:nvPr>
+        </p:nvSpPr>
+        <p:spPr>
+          <a:xfrm>
+            <a:off x="252919" y="1123837"/>
+            <a:ext cx="2947482" cy="4601183"/>
           </a:xfrm>
           <a:prstGeom prst="rect">
             <a:avLst/>
@@ -2460,31 +2779,71 @@
               <a:rPr lang="en-US" smtClean="0"/>
               <a:t>Click to edit Master title style</a:t>
             </a:r>
-            <a:endParaRPr lang="en-US"/>
-          </a:p>
-        </p:txBody>
-      </p:sp>
-      <p:sp>
-        <p:nvSpPr>
-          <p:cNvPr id="3" name="Text Placeholder 2"/>
-          <p:cNvSpPr>
-            <a:spLocks noGrp="1"/>
-          </p:cNvSpPr>
-          <p:nvPr>
-            <p:ph type="body" idx="1"/>
-          </p:nvPr>
+            <a:endParaRPr lang="en-US" dirty="0"/>
+          </a:p>
+        </p:txBody>
+      </p:sp>
+      <p:sp>
+        <p:nvSpPr>
+          <p:cNvPr id="38" name="Rectangle 37"/>
+          <p:cNvSpPr/>
+          <p:nvPr/>
         </p:nvSpPr>
         <p:spPr>
           <a:xfrm>
-            <a:off x="838200" y="1825625"/>
-            <a:ext cx="10515600" cy="4351338"/>
+            <a:off x="11815864" y="758952"/>
+            <a:ext cx="384048" cy="5330952"/>
+          </a:xfrm>
+          <a:prstGeom prst="rect">
+            <a:avLst/>
+          </a:prstGeom>
+          <a:solidFill>
+            <a:srgbClr val="C8C8C8">
+              <a:alpha val="49804"/>
+            </a:srgbClr>
+          </a:solidFill>
+          <a:ln>
+            <a:noFill/>
+          </a:ln>
+        </p:spPr>
+        <p:style>
+          <a:lnRef idx="2">
+            <a:schemeClr val="accent1">
+              <a:shade val="50000"/>
+            </a:schemeClr>
+          </a:lnRef>
+          <a:fillRef idx="1">
+            <a:schemeClr val="accent1"/>
+          </a:fillRef>
+          <a:effectRef idx="0">
+            <a:schemeClr val="accent1"/>
+          </a:effectRef>
+          <a:fontRef idx="minor">
+            <a:schemeClr val="lt1"/>
+          </a:fontRef>
+        </p:style>
+      </p:sp>
+      <p:sp>
+        <p:nvSpPr>
+          <p:cNvPr id="3" name="Text Placeholder 2"/>
+          <p:cNvSpPr>
+            <a:spLocks noGrp="1"/>
+          </p:cNvSpPr>
+          <p:nvPr>
+            <p:ph type="body" idx="1"/>
+          </p:nvPr>
+        </p:nvSpPr>
+        <p:spPr>
+          <a:xfrm>
+            <a:off x="3869268" y="864108"/>
+            <a:ext cx="7315200" cy="5120640"/>
           </a:xfrm>
           <a:prstGeom prst="rect">
             <a:avLst/>
           </a:prstGeom>
         </p:spPr>
         <p:txBody>
-          <a:bodyPr vert="horz" lIns="91440" tIns="45720" rIns="91440" bIns="45720" rtlCol="0">
+          <a:bodyPr vert="horz" lIns="91440" tIns="45720" rIns="91440" bIns="45720" rtlCol="0" anchor="ctr">
             <a:normAutofit/>
           </a:bodyPr>
           <a:lstStyle/>
@@ -2522,7 +2881,7 @@
               <a:rPr lang="en-US" smtClean="0"/>
               <a:t>Fifth level</a:t>
             </a:r>
-            <a:endParaRPr lang="en-US"/>
+            <a:endParaRPr lang="en-US" dirty="0"/>
           </a:p>
         </p:txBody>
       </p:sp>
@@ -2538,7 +2897,7 @@
         </p:nvSpPr>
         <p:spPr>
           <a:xfrm>
-            <a:off x="838200" y="6356350"/>
+            <a:off x="262465" y="6356350"/>
             <a:ext cx="2743200" cy="365125"/>
           </a:xfrm>
           <a:prstGeom prst="rect">
@@ -2549,10 +2908,11 @@
           <a:bodyPr vert="horz" lIns="91440" tIns="45720" rIns="91440" bIns="45720" rtlCol="0" anchor="ctr"/>
           <a:lstStyle>
             <a:lvl1pPr algn="l">
-              <a:defRPr sz="1200">
+              <a:defRPr sz="1100">
                 <a:solidFill>
                   <a:schemeClr val="tx1">
-                    <a:tint val="75000"/>
+                    <a:lumMod val="50000"/>
+                    <a:lumOff val="50000"/>
                   </a:schemeClr>
                 </a:solidFill>
               </a:defRPr>
@@ -2579,8 +2939,8 @@
         </p:nvSpPr>
         <p:spPr>
           <a:xfrm>
-            <a:off x="4038600" y="6356350"/>
-            <a:ext cx="4114800" cy="365125"/>
+            <a:off x="3869268" y="6356350"/>
+            <a:ext cx="5911517" cy="365125"/>
           </a:xfrm>
           <a:prstGeom prst="rect">
             <a:avLst/>
@@ -2589,11 +2949,12 @@
         <p:txBody>
           <a:bodyPr vert="horz" lIns="91440" tIns="45720" rIns="91440" bIns="45720" rtlCol="0" anchor="ctr"/>
           <a:lstStyle>
-            <a:lvl1pPr algn="ctr">
-              <a:defRPr sz="1200">
+            <a:lvl1pPr algn="l">
+              <a:defRPr sz="1100">
                 <a:solidFill>
                   <a:schemeClr val="tx1">
-                    <a:tint val="75000"/>
+                    <a:lumMod val="50000"/>
+                    <a:lumOff val="50000"/>
                   </a:schemeClr>
                 </a:solidFill>
               </a:defRPr>
@@ -2616,8 +2977,8 @@
         </p:nvSpPr>
         <p:spPr>
           <a:xfrm>
-            <a:off x="8610600" y="6356350"/>
-            <a:ext cx="2743200" cy="365125"/>
+            <a:off x="10634135" y="6356350"/>
+            <a:ext cx="1530927" cy="365125"/>
           </a:xfrm>
           <a:prstGeom prst="rect">
             <a:avLst/>
@@ -2627,11 +2988,9 @@
           <a:bodyPr vert="horz" lIns="91440" tIns="45720" rIns="91440" bIns="45720" rtlCol="0" anchor="ctr"/>
           <a:lstStyle>
             <a:lvl1pPr algn="r">
-              <a:defRPr sz="1200">
+              <a:defRPr sz="1200" b="1">
                 <a:solidFill>
-                  <a:schemeClr val="tx1">
-                    <a:tint val="75000"/>
-                  </a:schemeClr>
+                  <a:schemeClr val="accent1"/>
                 </a:solidFill>
               </a:defRPr>
             </a:lvl1pPr>
@@ -2648,23 +3007,23 @@
     </p:spTree>
     <p:extLst>
       <p:ext uri="{BB962C8B-B14F-4D97-AF65-F5344CB8AC3E}">
-        <p14:creationId xmlns:p14="http://schemas.microsoft.com/office/powerpoint/2010/main" val="2072888983"/>
+        <p14:creationId xmlns:p14="http://schemas.microsoft.com/office/powerpoint/2010/main" val="2580924703"/>
       </p:ext>
     </p:extLst>
   </p:cSld>
   <p:clrMap bg1="lt1" tx1="dk1" bg2="lt2" tx2="dk2" accent1="accent1" accent2="accent2" accent3="accent3" accent4="accent4" accent5="accent5" accent6="accent6" hlink="hlink" folHlink="folHlink"/>
   <p:sldLayoutIdLst>
-    <p:sldLayoutId id="2147483649" r:id="rId1"/>
-    <p:sldLayoutId id="2147483650" r:id="rId2"/>
-    <p:sldLayoutId id="2147483651" r:id="rId3"/>
-    <p:sldLayoutId id="2147483652" r:id="rId4"/>
-    <p:sldLayoutId id="2147483653" r:id="rId5"/>
-    <p:sldLayoutId id="2147483654" r:id="rId6"/>
-    <p:sldLayoutId id="2147483655" r:id="rId7"/>
-    <p:sldLayoutId id="2147483656" r:id="rId8"/>
-    <p:sldLayoutId id="2147483657" r:id="rId9"/>
-    <p:sldLayoutId id="2147483658" r:id="rId10"/>
-    <p:sldLayoutId id="2147483659" r:id="rId11"/>
+    <p:sldLayoutId id="2147483721" r:id="rId1"/>
+    <p:sldLayoutId id="2147483722" r:id="rId2"/>
+    <p:sldLayoutId id="2147483723" r:id="rId3"/>
+    <p:sldLayoutId id="2147483724" r:id="rId4"/>
+    <p:sldLayoutId id="2147483725" r:id="rId5"/>
+    <p:sldLayoutId id="2147483726" r:id="rId6"/>
+    <p:sldLayoutId id="2147483727" r:id="rId7"/>
+    <p:sldLayoutId id="2147483728" r:id="rId8"/>
+    <p:sldLayoutId id="2147483729" r:id="rId9"/>
+    <p:sldLayoutId id="2147483730" r:id="rId10"/>
+    <p:sldLayoutId id="2147483731" r:id="rId11"/>
   </p:sldLayoutIdLst>
   <p:txStyles>
     <p:titleStyle>
@@ -2676,9 +3035,9 @@
           <a:spcPct val="0"/>
         </a:spcBef>
         <a:buNone/>
-        <a:defRPr sz="4400" kern="1200">
+        <a:defRPr sz="3600" kern="1200" spc="-60" baseline="0">
           <a:solidFill>
-            <a:schemeClr val="tx1"/>
+            <a:srgbClr val="FFFFFF"/>
           </a:solidFill>
           <a:latin typeface="+mj-lt"/>
           <a:ea typeface="+mj-ea"/>
@@ -2687,90 +3046,132 @@
       </a:lvl1pPr>
     </p:titleStyle>
     <p:bodyStyle>
-      <a:lvl1pPr marL="228600" indent="-228600" algn="l" defTabSz="914400" rtl="0" eaLnBrk="1" latinLnBrk="0" hangingPunct="1">
+      <a:lvl1pPr marL="182880" indent="-182880" algn="l" defTabSz="914400" rtl="0" eaLnBrk="1" latinLnBrk="0" hangingPunct="1">
         <a:lnSpc>
           <a:spcPct val="90000"/>
         </a:lnSpc>
         <a:spcBef>
-          <a:spcPts val="1000"/>
+          <a:spcPts val="1200"/>
         </a:spcBef>
-        <a:buFont typeface="Arial" panose="020B0604020202020204" pitchFamily="34" charset="0"/>
-        <a:buChar char="•"/>
-        <a:defRPr sz="2800" kern="1200">
+        <a:buClr>
+          <a:schemeClr val="accent1"/>
+        </a:buClr>
+        <a:buFont typeface="Wingdings 2" pitchFamily="18" charset="2"/>
+        <a:buChar char=""/>
+        <a:defRPr sz="2000" kern="1200">
           <a:solidFill>
-            <a:schemeClr val="tx1"/>
+            <a:schemeClr val="tx1">
+              <a:lumMod val="65000"/>
+              <a:lumOff val="35000"/>
+            </a:schemeClr>
           </a:solidFill>
           <a:latin typeface="+mn-lt"/>
           <a:ea typeface="+mn-ea"/>
           <a:cs typeface="+mn-cs"/>
         </a:defRPr>
       </a:lvl1pPr>
-      <a:lvl2pPr marL="685800" indent="-228600" algn="l" defTabSz="914400" rtl="0" eaLnBrk="1" latinLnBrk="0" hangingPunct="1">
+      <a:lvl2pPr marL="685800" indent="-182880" algn="l" defTabSz="914400" rtl="0" eaLnBrk="1" latinLnBrk="0" hangingPunct="1">
         <a:lnSpc>
           <a:spcPct val="90000"/>
         </a:lnSpc>
         <a:spcBef>
-          <a:spcPts val="500"/>
+          <a:spcPts val="250"/>
         </a:spcBef>
-        <a:buFont typeface="Arial" panose="020B0604020202020204" pitchFamily="34" charset="0"/>
-        <a:buChar char="•"/>
-        <a:defRPr sz="2400" kern="1200">
+        <a:spcAft>
+          <a:spcPts val="250"/>
+        </a:spcAft>
+        <a:buClr>
+          <a:schemeClr val="accent1"/>
+        </a:buClr>
+        <a:buFont typeface="Wingdings 2" pitchFamily="18" charset="2"/>
+        <a:buChar char=""/>
+        <a:defRPr sz="1800" kern="1200">
           <a:solidFill>
-            <a:schemeClr val="tx1"/>
+            <a:schemeClr val="tx1">
+              <a:lumMod val="65000"/>
+              <a:lumOff val="35000"/>
+            </a:schemeClr>
           </a:solidFill>
           <a:latin typeface="+mn-lt"/>
           <a:ea typeface="+mn-ea"/>
           <a:cs typeface="+mn-cs"/>
         </a:defRPr>
       </a:lvl2pPr>
-      <a:lvl3pPr marL="1143000" indent="-228600" algn="l" defTabSz="914400" rtl="0" eaLnBrk="1" latinLnBrk="0" hangingPunct="1">
+      <a:lvl3pPr marL="1143000" indent="-182880" algn="l" defTabSz="914400" rtl="0" eaLnBrk="1" latinLnBrk="0" hangingPunct="1">
         <a:lnSpc>
           <a:spcPct val="90000"/>
         </a:lnSpc>
         <a:spcBef>
-          <a:spcPts val="500"/>
+          <a:spcPts val="250"/>
         </a:spcBef>
-        <a:buFont typeface="Arial" panose="020B0604020202020204" pitchFamily="34" charset="0"/>
-        <a:buChar char="•"/>
-        <a:defRPr sz="2000" kern="1200">
+        <a:spcAft>
+          <a:spcPts val="250"/>
+        </a:spcAft>
+        <a:buClr>
+          <a:schemeClr val="accent1"/>
+        </a:buClr>
+        <a:buFont typeface="Wingdings 2" pitchFamily="18" charset="2"/>
+        <a:buChar char=""/>
+        <a:defRPr sz="1600" kern="1200">
           <a:solidFill>
-            <a:schemeClr val="tx1"/>
+            <a:schemeClr val="tx1">
+              <a:lumMod val="65000"/>
+              <a:lumOff val="35000"/>
+            </a:schemeClr>
           </a:solidFill>
           <a:latin typeface="+mn-lt"/>
           <a:ea typeface="+mn-ea"/>
           <a:cs typeface="+mn-cs"/>
         </a:defRPr>
       </a:lvl3pPr>
-      <a:lvl4pPr marL="1600200" indent="-228600" algn="l" defTabSz="914400" rtl="0" eaLnBrk="1" latinLnBrk="0" hangingPunct="1">
+      <a:lvl4pPr marL="1600200" indent="-182880" algn="l" defTabSz="914400" rtl="0" eaLnBrk="1" latinLnBrk="0" hangingPunct="1">
         <a:lnSpc>
           <a:spcPct val="90000"/>
         </a:lnSpc>
         <a:spcBef>
-          <a:spcPts val="500"/>
+          <a:spcPts val="250"/>
         </a:spcBef>
-        <a:buFont typeface="Arial" panose="020B0604020202020204" pitchFamily="34" charset="0"/>
-        <a:buChar char="•"/>
-        <a:defRPr sz="1800" kern="1200">
+        <a:spcAft>
+          <a:spcPts val="250"/>
+        </a:spcAft>
+        <a:buClr>
+          <a:schemeClr val="accent1"/>
+        </a:buClr>
+        <a:buFont typeface="Wingdings 2" pitchFamily="18" charset="2"/>
+        <a:buChar char=""/>
+        <a:defRPr sz="1400" kern="1200">
           <a:solidFill>
-            <a:schemeClr val="tx1"/>
+            <a:schemeClr val="tx1">
+              <a:lumMod val="65000"/>
+              <a:lumOff val="35000"/>
+            </a:schemeClr>
           </a:solidFill>
           <a:latin typeface="+mn-lt"/>
           <a:ea typeface="+mn-ea"/>
           <a:cs typeface="+mn-cs"/>
         </a:defRPr>
       </a:lvl4pPr>
-      <a:lvl5pPr marL="2057400" indent="-228600" algn="l" defTabSz="914400" rtl="0" eaLnBrk="1" latinLnBrk="0" hangingPunct="1">
+      <a:lvl5pPr marL="2057400" indent="-182880" algn="l" defTabSz="914400" rtl="0" eaLnBrk="1" latinLnBrk="0" hangingPunct="1">
         <a:lnSpc>
           <a:spcPct val="90000"/>
         </a:lnSpc>
         <a:spcBef>
-          <a:spcPts val="500"/>
+          <a:spcPts val="250"/>
         </a:spcBef>
-        <a:buFont typeface="Arial" panose="020B0604020202020204" pitchFamily="34" charset="0"/>
-        <a:buChar char="•"/>
-        <a:defRPr sz="1800" kern="1200">
+        <a:spcAft>
+          <a:spcPts val="250"/>
+        </a:spcAft>
+        <a:buClr>
+          <a:schemeClr val="accent1"/>
+        </a:buClr>
+        <a:buFont typeface="Wingdings 2" pitchFamily="18" charset="2"/>
+        <a:buChar char=""/>
+        <a:defRPr sz="1400" kern="1200">
           <a:solidFill>
-            <a:schemeClr val="tx1"/>
+            <a:schemeClr val="tx1">
+              <a:lumMod val="65000"/>
+              <a:lumOff val="35000"/>
+            </a:schemeClr>
           </a:solidFill>
           <a:latin typeface="+mn-lt"/>
           <a:ea typeface="+mn-ea"/>
@@ -2782,13 +3183,22 @@
           <a:spcPct val="90000"/>
         </a:lnSpc>
         <a:spcBef>
-          <a:spcPts val="500"/>
+          <a:spcPts val="250"/>
         </a:spcBef>
-        <a:buFont typeface="Arial" panose="020B0604020202020204" pitchFamily="34" charset="0"/>
-        <a:buChar char="•"/>
-        <a:defRPr sz="1800" kern="1200">
+        <a:spcAft>
+          <a:spcPts val="250"/>
+        </a:spcAft>
+        <a:buClr>
+          <a:schemeClr val="accent1"/>
+        </a:buClr>
+        <a:buFont typeface="Wingdings 2" pitchFamily="18" charset="2"/>
+        <a:buChar char=""/>
+        <a:defRPr sz="1400" kern="1200">
           <a:solidFill>
-            <a:schemeClr val="tx1"/>
+            <a:schemeClr val="tx1">
+              <a:lumMod val="65000"/>
+              <a:lumOff val="35000"/>
+            </a:schemeClr>
           </a:solidFill>
           <a:latin typeface="+mn-lt"/>
           <a:ea typeface="+mn-ea"/>
@@ -2800,13 +3210,22 @@
           <a:spcPct val="90000"/>
         </a:lnSpc>
         <a:spcBef>
-          <a:spcPts val="500"/>
+          <a:spcPts val="250"/>
         </a:spcBef>
-        <a:buFont typeface="Arial" panose="020B0604020202020204" pitchFamily="34" charset="0"/>
-        <a:buChar char="•"/>
-        <a:defRPr sz="1800" kern="1200">
+        <a:spcAft>
+          <a:spcPts val="250"/>
+        </a:spcAft>
+        <a:buClr>
+          <a:schemeClr val="accent1"/>
+        </a:buClr>
+        <a:buFont typeface="Wingdings 2" pitchFamily="18" charset="2"/>
+        <a:buChar char=""/>
+        <a:defRPr sz="1400" kern="1200">
           <a:solidFill>
-            <a:schemeClr val="tx1"/>
+            <a:schemeClr val="tx1">
+              <a:lumMod val="65000"/>
+              <a:lumOff val="35000"/>
+            </a:schemeClr>
           </a:solidFill>
           <a:latin typeface="+mn-lt"/>
           <a:ea typeface="+mn-ea"/>
@@ -2818,13 +3237,22 @@
           <a:spcPct val="90000"/>
         </a:lnSpc>
         <a:spcBef>
-          <a:spcPts val="500"/>
+          <a:spcPts val="250"/>
         </a:spcBef>
-        <a:buFont typeface="Arial" panose="020B0604020202020204" pitchFamily="34" charset="0"/>
-        <a:buChar char="•"/>
-        <a:defRPr sz="1800" kern="1200">
+        <a:spcAft>
+          <a:spcPts val="250"/>
+        </a:spcAft>
+        <a:buClr>
+          <a:schemeClr val="accent1"/>
+        </a:buClr>
+        <a:buFont typeface="Wingdings 2" pitchFamily="18" charset="2"/>
+        <a:buChar char=""/>
+        <a:defRPr sz="1400" kern="1200">
           <a:solidFill>
-            <a:schemeClr val="tx1"/>
+            <a:schemeClr val="tx1">
+              <a:lumMod val="65000"/>
+              <a:lumOff val="35000"/>
+            </a:schemeClr>
           </a:solidFill>
           <a:latin typeface="+mn-lt"/>
           <a:ea typeface="+mn-ea"/>
@@ -2836,13 +3264,22 @@
           <a:spcPct val="90000"/>
         </a:lnSpc>
         <a:spcBef>
-          <a:spcPts val="500"/>
+          <a:spcPts val="250"/>
         </a:spcBef>
-        <a:buFont typeface="Arial" panose="020B0604020202020204" pitchFamily="34" charset="0"/>
-        <a:buChar char="•"/>
-        <a:defRPr sz="1800" kern="1200">
+        <a:spcAft>
+          <a:spcPts val="250"/>
+        </a:spcAft>
+        <a:buClr>
+          <a:schemeClr val="accent1"/>
+        </a:buClr>
+        <a:buFont typeface="Wingdings 2" pitchFamily="18" charset="2"/>
+        <a:buChar char=""/>
+        <a:defRPr sz="1400" kern="1200">
           <a:solidFill>
-            <a:schemeClr val="tx1"/>
+            <a:schemeClr val="tx1">
+              <a:lumMod val="65000"/>
+              <a:lumOff val="35000"/>
+            </a:schemeClr>
           </a:solidFill>
           <a:latin typeface="+mn-lt"/>
           <a:ea typeface="+mn-ea"/>
@@ -2976,31 +3413,68 @@
             <p:ph type="ctrTitle"/>
           </p:nvPr>
         </p:nvSpPr>
+        <p:spPr>
+          <a:xfrm>
+            <a:off x="831272" y="1537999"/>
+            <a:ext cx="10529455" cy="2387600"/>
+          </a:xfrm>
+        </p:spPr>
+        <p:txBody>
+          <a:bodyPr>
+            <a:normAutofit fontScale="90000"/>
+          </a:bodyPr>
+          <a:lstStyle/>
+          <a:p>
+            <a:r>
+              <a:rPr lang="en-US" dirty="0" smtClean="0"/>
+              <a:t>Project 0: </a:t>
+            </a:r>
+            <a:br>
+              <a:rPr lang="en-US" dirty="0" smtClean="0"/>
+            </a:br>
+            <a:r>
+              <a:rPr lang="en-US" dirty="0" smtClean="0"/>
+              <a:t>New Gel Treatment </a:t>
+            </a:r>
+            <a:br>
+              <a:rPr lang="en-US" dirty="0" smtClean="0"/>
+            </a:br>
+            <a:r>
+              <a:rPr lang="en-US" dirty="0" smtClean="0"/>
+              <a:t>for Gum Disease</a:t>
+            </a:r>
+            <a:endParaRPr lang="en-US" dirty="0"/>
+          </a:p>
+        </p:txBody>
+      </p:sp>
+      <p:sp>
+        <p:nvSpPr>
+          <p:cNvPr id="3" name="Subtitle 2"/>
+          <p:cNvSpPr>
+            <a:spLocks noGrp="1"/>
+          </p:cNvSpPr>
+          <p:nvPr>
+            <p:ph type="subTitle" idx="1"/>
+          </p:nvPr>
+        </p:nvSpPr>
         <p:spPr/>
         <p:txBody>
-          <a:bodyPr/>
+          <a:bodyPr>
+            <a:normAutofit fontScale="92500" lnSpcReduction="10000"/>
+          </a:bodyPr>
           <a:lstStyle/>
           <a:p>
-            <a:endParaRPr lang="en-US"/>
-          </a:p>
-        </p:txBody>
-      </p:sp>
-      <p:sp>
-        <p:nvSpPr>
-          <p:cNvPr id="3" name="Subtitle 2"/>
-          <p:cNvSpPr>
-            <a:spLocks noGrp="1"/>
-          </p:cNvSpPr>
-          <p:nvPr>
-            <p:ph type="subTitle" idx="1"/>
-          </p:nvPr>
-        </p:nvSpPr>
-        <p:spPr/>
-        <p:txBody>
-          <a:bodyPr/>
-          <a:lstStyle/>
-          <a:p>
-            <a:endParaRPr lang="en-US"/>
+            <a:r>
+              <a:rPr lang="en-US" sz="2800" dirty="0" smtClean="0"/>
+              <a:t>Rachel Johnson</a:t>
+            </a:r>
+          </a:p>
+          <a:p>
+            <a:r>
+              <a:rPr lang="en-US" sz="2800" dirty="0" smtClean="0"/>
+              <a:t>BIOS 6623</a:t>
+            </a:r>
+            <a:endParaRPr lang="en-US" sz="2800" dirty="0"/>
           </a:p>
         </p:txBody>
       </p:sp>
@@ -3049,6 +3523,7 @@
           <a:bodyPr/>
           <a:lstStyle/>
           <a:p>
+            <a:pPr algn="ctr"/>
             <a:r>
               <a:rPr lang="en-US" dirty="0" smtClean="0"/>
               <a:t>Research Question &amp; Hypothesis </a:t>
@@ -3069,33 +3544,46 @@
         </p:nvSpPr>
         <p:spPr/>
         <p:txBody>
-          <a:bodyPr/>
+          <a:bodyPr>
+            <a:normAutofit/>
+          </a:bodyPr>
           <a:lstStyle/>
           <a:p>
             <a:r>
-              <a:rPr lang="en-US" u="sng" dirty="0" smtClean="0"/>
+              <a:rPr lang="en-US" sz="3200" u="sng" dirty="0" smtClean="0"/>
               <a:t>Research question:</a:t>
             </a:r>
             <a:r>
+              <a:rPr lang="en-US" sz="3200" dirty="0" smtClean="0"/>
+              <a:t> Does application of a new gel for treatment gum disease result in (1) lower average pocket depth and (2) attachment loss after 1 year?</a:t>
+            </a:r>
+          </a:p>
+          <a:p>
+            <a:pPr marL="0" indent="0">
+              <a:buNone/>
+            </a:pPr>
+            <a:endParaRPr lang="en-US" sz="3200" u="sng" dirty="0"/>
+          </a:p>
+          <a:p>
+            <a:r>
+              <a:rPr lang="en-US" sz="3200" u="sng" dirty="0" smtClean="0"/>
+              <a:t>Hypothesis:</a:t>
+            </a:r>
+            <a:r>
+              <a:rPr lang="en-US" sz="3200" dirty="0" smtClean="0"/>
+              <a:t> Treatment will result in (1) lower average pocket depth and (2) </a:t>
+            </a:r>
+            <a:r>
+              <a:rPr lang="en-US" sz="3200" dirty="0" smtClean="0"/>
+              <a:t>lower attachment </a:t>
+            </a:r>
+            <a:r>
+              <a:rPr lang="en-US" sz="3200" dirty="0" smtClean="0"/>
+              <a:t>loss after 1 year compared to the control and placebo groups</a:t>
+            </a:r>
+            <a:r>
               <a:rPr lang="en-US" dirty="0" smtClean="0"/>
-              <a:t> Does application of a new gel for treatment gum disease result in (1) lower average pocket depth and (2) attachment loss after 1 year?</a:t>
-            </a:r>
-          </a:p>
-          <a:p>
-            <a:endParaRPr lang="en-US" u="sng" dirty="0"/>
-          </a:p>
-          <a:p>
-            <a:r>
-              <a:rPr lang="en-US" u="sng" dirty="0" smtClean="0"/>
-              <a:t>Hypothesis:</a:t>
-            </a:r>
-            <a:r>
-              <a:rPr lang="en-US" dirty="0" smtClean="0"/>
-              <a:t> Treatment will result in (1) lower average pocket depth and (2) attachment loss after 1 year compared to the </a:t>
-            </a:r>
-            <a:r>
-              <a:rPr lang="en-US" smtClean="0"/>
-              <a:t>control and placebo groups. </a:t>
+              <a:t>. </a:t>
             </a:r>
             <a:endParaRPr lang="en-US" u="sng" dirty="0"/>
           </a:p>
@@ -3146,7 +3634,12 @@
           <a:bodyPr/>
           <a:lstStyle/>
           <a:p>
-            <a:endParaRPr lang="en-US"/>
+            <a:pPr algn="ctr"/>
+            <a:r>
+              <a:rPr lang="en-US" dirty="0" smtClean="0"/>
+              <a:t>Summary of data</a:t>
+            </a:r>
+            <a:endParaRPr lang="en-US" dirty="0"/>
           </a:p>
         </p:txBody>
       </p:sp>
@@ -3160,39 +3653,124 @@
             <p:ph idx="1"/>
           </p:nvPr>
         </p:nvSpPr>
-        <p:spPr/>
-        <p:txBody>
-          <a:bodyPr/>
+        <p:spPr>
+          <a:xfrm>
+            <a:off x="3609109" y="1459778"/>
+            <a:ext cx="9894456" cy="4676775"/>
+          </a:xfrm>
+        </p:spPr>
+        <p:txBody>
+          <a:bodyPr>
+            <a:normAutofit fontScale="92500" lnSpcReduction="20000"/>
+          </a:bodyPr>
           <a:lstStyle/>
           <a:p>
             <a:r>
-              <a:rPr lang="en-US" dirty="0"/>
-              <a:t>Statement of research question(s) and statistical hypotheses tested</a:t>
-            </a:r>
-          </a:p>
-          <a:p>
-            <a:r>
-              <a:rPr lang="en-US" dirty="0"/>
-              <a:t>Summary of the data used for analysis</a:t>
-            </a:r>
-          </a:p>
-          <a:p>
-            <a:r>
-              <a:rPr lang="en-US" dirty="0"/>
-              <a:t>Brief explanation of analysis technique used</a:t>
-            </a:r>
-          </a:p>
-          <a:p>
-            <a:r>
-              <a:rPr lang="en-US" dirty="0"/>
-              <a:t>Summary of important results as they relate to the statistical hypotheses tested</a:t>
-            </a:r>
-          </a:p>
-          <a:p>
-            <a:r>
-              <a:rPr lang="en-US" dirty="0"/>
-              <a:t>Summary of implications for the research question that addresses any important limitations of the analysis</a:t>
-            </a:r>
+              <a:rPr lang="en-US" sz="3200" dirty="0"/>
+              <a:t>Sample size</a:t>
+            </a:r>
+          </a:p>
+          <a:p>
+            <a:pPr lvl="1"/>
+            <a:r>
+              <a:rPr lang="en-US" sz="2800" dirty="0"/>
+              <a:t>130 subjects, 27 missing outcomes</a:t>
+            </a:r>
+          </a:p>
+          <a:p>
+            <a:pPr lvl="1"/>
+            <a:r>
+              <a:rPr lang="en-US" sz="2800" dirty="0"/>
+              <a:t>103 people included in analysis</a:t>
+            </a:r>
+          </a:p>
+          <a:p>
+            <a:r>
+              <a:rPr lang="en-US" sz="3200" dirty="0"/>
+              <a:t>5 </a:t>
+            </a:r>
+            <a:r>
+              <a:rPr lang="en-US" sz="3200" dirty="0" smtClean="0"/>
+              <a:t>groups</a:t>
+            </a:r>
+          </a:p>
+          <a:p>
+            <a:pPr lvl="1"/>
+            <a:r>
+              <a:rPr lang="en-US" sz="2800" dirty="0"/>
+              <a:t>Control, placebo, low/med/high concentration </a:t>
+            </a:r>
+            <a:endParaRPr lang="en-US" sz="2800" dirty="0" smtClean="0"/>
+          </a:p>
+          <a:p>
+            <a:pPr marL="502920" lvl="1" indent="0">
+              <a:buNone/>
+            </a:pPr>
+            <a:r>
+              <a:rPr lang="en-US" sz="2800" dirty="0" smtClean="0"/>
+              <a:t>of </a:t>
+            </a:r>
+            <a:r>
+              <a:rPr lang="en-US" sz="2800" dirty="0"/>
+              <a:t>active </a:t>
+            </a:r>
+            <a:r>
+              <a:rPr lang="en-US" sz="2800" dirty="0" smtClean="0"/>
+              <a:t>ingredient</a:t>
+            </a:r>
+            <a:endParaRPr lang="en-US" sz="2800" dirty="0"/>
+          </a:p>
+          <a:p>
+            <a:r>
+              <a:rPr lang="en-US" sz="3200" dirty="0" smtClean="0"/>
+              <a:t>Demographics</a:t>
+            </a:r>
+          </a:p>
+          <a:p>
+            <a:pPr lvl="1"/>
+            <a:r>
+              <a:rPr lang="en-US" sz="2800" dirty="0" smtClean="0"/>
+              <a:t>Not included in analysis, since trial was randomized </a:t>
+            </a:r>
+          </a:p>
+          <a:p>
+            <a:r>
+              <a:rPr lang="en-US" sz="3200" dirty="0" smtClean="0"/>
+              <a:t>Outcomes</a:t>
+            </a:r>
+            <a:endParaRPr lang="en-US" sz="3200" dirty="0"/>
+          </a:p>
+          <a:p>
+            <a:pPr lvl="1"/>
+            <a:r>
+              <a:rPr lang="en-US" sz="2800" dirty="0"/>
+              <a:t>Mean pocket depth (baseline, 1 </a:t>
+            </a:r>
+            <a:r>
+              <a:rPr lang="en-US" sz="2800" dirty="0" err="1"/>
+              <a:t>yr</a:t>
+            </a:r>
+            <a:r>
+              <a:rPr lang="en-US" sz="2800" dirty="0"/>
+              <a:t>)</a:t>
+            </a:r>
+          </a:p>
+          <a:p>
+            <a:pPr lvl="1"/>
+            <a:r>
+              <a:rPr lang="en-US" sz="2800" dirty="0"/>
+              <a:t>Mean attachment (baseline, 1 year</a:t>
+            </a:r>
+            <a:r>
+              <a:rPr lang="en-US" sz="2800" dirty="0" smtClean="0"/>
+              <a:t>)</a:t>
+            </a:r>
+          </a:p>
+          <a:p>
+            <a:pPr marL="457200" lvl="1" indent="0">
+              <a:buNone/>
+            </a:pPr>
+            <a:endParaRPr lang="en-US" dirty="0"/>
           </a:p>
           <a:p>
             <a:endParaRPr lang="en-US" dirty="0"/>
@@ -3202,7 +3780,2599 @@
     </p:spTree>
     <p:extLst>
       <p:ext uri="{BB962C8B-B14F-4D97-AF65-F5344CB8AC3E}">
-        <p14:creationId xmlns:p14="http://schemas.microsoft.com/office/powerpoint/2010/main" val="2346834964"/>
+        <p14:creationId xmlns:p14="http://schemas.microsoft.com/office/powerpoint/2010/main" val="3575381387"/>
+      </p:ext>
+    </p:extLst>
+  </p:cSld>
+  <p:clrMapOvr>
+    <a:masterClrMapping/>
+  </p:clrMapOvr>
+</p:sld>
+</file>
+
+<file path=ppt/slides/slide4.xml><?xml version="1.0" encoding="utf-8"?>
+<p:sld xmlns:a="http://schemas.openxmlformats.org/drawingml/2006/main" xmlns:r="http://schemas.openxmlformats.org/officeDocument/2006/relationships" xmlns:p="http://schemas.openxmlformats.org/presentationml/2006/main">
+  <p:cSld>
+    <p:spTree>
+      <p:nvGrpSpPr>
+        <p:cNvPr id="1" name=""/>
+        <p:cNvGrpSpPr/>
+        <p:nvPr/>
+      </p:nvGrpSpPr>
+      <p:grpSpPr>
+        <a:xfrm>
+          <a:off x="0" y="0"/>
+          <a:ext cx="0" cy="0"/>
+          <a:chOff x="0" y="0"/>
+          <a:chExt cx="0" cy="0"/>
+        </a:xfrm>
+      </p:grpSpPr>
+      <p:sp>
+        <p:nvSpPr>
+          <p:cNvPr id="2" name="Title 1"/>
+          <p:cNvSpPr>
+            <a:spLocks noGrp="1"/>
+          </p:cNvSpPr>
+          <p:nvPr>
+            <p:ph type="title"/>
+          </p:nvPr>
+        </p:nvSpPr>
+        <p:spPr/>
+        <p:txBody>
+          <a:bodyPr/>
+          <a:lstStyle/>
+          <a:p>
+            <a:pPr algn="ctr"/>
+            <a:r>
+              <a:rPr lang="en-US" dirty="0" smtClean="0"/>
+              <a:t>Analysis Plan</a:t>
+            </a:r>
+            <a:endParaRPr lang="en-US" dirty="0"/>
+          </a:p>
+        </p:txBody>
+      </p:sp>
+      <p:sp>
+        <p:nvSpPr>
+          <p:cNvPr id="3" name="Content Placeholder 2"/>
+          <p:cNvSpPr>
+            <a:spLocks noGrp="1"/>
+          </p:cNvSpPr>
+          <p:nvPr>
+            <p:ph idx="1"/>
+          </p:nvPr>
+        </p:nvSpPr>
+        <p:spPr>
+          <a:xfrm>
+            <a:off x="3006437" y="1570615"/>
+            <a:ext cx="10515600" cy="4351338"/>
+          </a:xfrm>
+        </p:spPr>
+        <p:txBody>
+          <a:bodyPr>
+            <a:normAutofit/>
+          </a:bodyPr>
+          <a:lstStyle/>
+          <a:p>
+            <a:pPr lvl="1"/>
+            <a:r>
+              <a:rPr lang="en-US" sz="3200" dirty="0"/>
+              <a:t>Linear regression for each continuous outcome</a:t>
+            </a:r>
+          </a:p>
+          <a:p>
+            <a:pPr lvl="1"/>
+            <a:r>
+              <a:rPr lang="en-US" sz="3200" dirty="0"/>
+              <a:t>Outcome: difference in dental measurement </a:t>
+            </a:r>
+            <a:r>
+              <a:rPr lang="en-US" sz="3200" dirty="0" smtClean="0"/>
+              <a:t>                  from </a:t>
+            </a:r>
+            <a:r>
+              <a:rPr lang="en-US" sz="3200" dirty="0"/>
+              <a:t>baseline to 1 year</a:t>
+            </a:r>
+          </a:p>
+          <a:p>
+            <a:pPr lvl="1"/>
+            <a:r>
+              <a:rPr lang="en-US" sz="3200" dirty="0"/>
+              <a:t>Adjusted for treatment group</a:t>
+            </a:r>
+          </a:p>
+          <a:p>
+            <a:pPr lvl="1"/>
+            <a:r>
+              <a:rPr lang="en-US" sz="3200" dirty="0"/>
+              <a:t>Adjusted for baseline measurement</a:t>
+            </a:r>
+          </a:p>
+          <a:p>
+            <a:pPr lvl="1"/>
+            <a:r>
+              <a:rPr lang="en-US" sz="3200" dirty="0"/>
+              <a:t>Did not adjust for demographics, since trial </a:t>
+            </a:r>
+            <a:r>
+              <a:rPr lang="en-US" sz="3200" dirty="0" smtClean="0"/>
+              <a:t>                      was </a:t>
+            </a:r>
+            <a:r>
+              <a:rPr lang="en-US" sz="3200" dirty="0"/>
+              <a:t>randomized</a:t>
+            </a:r>
+          </a:p>
+          <a:p>
+            <a:pPr marL="0" indent="0">
+              <a:buNone/>
+            </a:pPr>
+            <a:endParaRPr lang="en-US" dirty="0"/>
+          </a:p>
+        </p:txBody>
+      </p:sp>
+    </p:spTree>
+    <p:extLst>
+      <p:ext uri="{BB962C8B-B14F-4D97-AF65-F5344CB8AC3E}">
+        <p14:creationId xmlns:p14="http://schemas.microsoft.com/office/powerpoint/2010/main" val="3538547493"/>
+      </p:ext>
+    </p:extLst>
+  </p:cSld>
+  <p:clrMapOvr>
+    <a:masterClrMapping/>
+  </p:clrMapOvr>
+</p:sld>
+</file>
+
+<file path=ppt/slides/slide5.xml><?xml version="1.0" encoding="utf-8"?>
+<p:sld xmlns:a="http://schemas.openxmlformats.org/drawingml/2006/main" xmlns:r="http://schemas.openxmlformats.org/officeDocument/2006/relationships" xmlns:p="http://schemas.openxmlformats.org/presentationml/2006/main">
+  <p:cSld>
+    <p:spTree>
+      <p:nvGrpSpPr>
+        <p:cNvPr id="1" name=""/>
+        <p:cNvGrpSpPr/>
+        <p:nvPr/>
+      </p:nvGrpSpPr>
+      <p:grpSpPr>
+        <a:xfrm>
+          <a:off x="0" y="0"/>
+          <a:ext cx="0" cy="0"/>
+          <a:chOff x="0" y="0"/>
+          <a:chExt cx="0" cy="0"/>
+        </a:xfrm>
+      </p:grpSpPr>
+      <p:sp>
+        <p:nvSpPr>
+          <p:cNvPr id="2" name="Title 1"/>
+          <p:cNvSpPr>
+            <a:spLocks noGrp="1"/>
+          </p:cNvSpPr>
+          <p:nvPr>
+            <p:ph type="title"/>
+          </p:nvPr>
+        </p:nvSpPr>
+        <p:spPr/>
+        <p:txBody>
+          <a:bodyPr/>
+          <a:lstStyle/>
+          <a:p>
+            <a:pPr algn="ctr"/>
+            <a:r>
+              <a:rPr lang="en-US" dirty="0" smtClean="0"/>
+              <a:t>Outcome 1: Difference in pocket depth</a:t>
+            </a:r>
+            <a:endParaRPr lang="en-US" dirty="0"/>
+          </a:p>
+        </p:txBody>
+      </p:sp>
+      <p:graphicFrame>
+        <p:nvGraphicFramePr>
+          <p:cNvPr id="4" name="Content Placeholder 3"/>
+          <p:cNvGraphicFramePr>
+            <a:graphicFrameLocks noGrp="1"/>
+          </p:cNvGraphicFramePr>
+          <p:nvPr>
+            <p:ph idx="1"/>
+            <p:extLst>
+              <p:ext uri="{D42A27DB-BD31-4B8C-83A1-F6EECF244321}">
+                <p14:modId xmlns:p14="http://schemas.microsoft.com/office/powerpoint/2010/main" val="1334662636"/>
+              </p:ext>
+            </p:extLst>
+          </p:nvPr>
+        </p:nvGraphicFramePr>
+        <p:xfrm>
+          <a:off x="3916218" y="665017"/>
+          <a:ext cx="7518400" cy="4738255"/>
+        </p:xfrm>
+        <a:graphic>
+          <a:graphicData uri="http://schemas.openxmlformats.org/drawingml/2006/table">
+            <a:tbl>
+              <a:tblPr firstRow="1" firstCol="1" bandRow="1">
+                <a:tableStyleId>{5C22544A-7EE6-4342-B048-85BDC9FD1C3A}</a:tableStyleId>
+              </a:tblPr>
+              <a:tblGrid>
+                <a:gridCol w="2326213">
+                  <a:extLst>
+                    <a:ext uri="{9D8B030D-6E8A-4147-A177-3AD203B41FA5}">
+                      <a16:colId xmlns:a16="http://schemas.microsoft.com/office/drawing/2014/main" val="2029661233"/>
+                    </a:ext>
+                  </a:extLst>
+                </a:gridCol>
+                <a:gridCol w="1215007">
+                  <a:extLst>
+                    <a:ext uri="{9D8B030D-6E8A-4147-A177-3AD203B41FA5}">
+                      <a16:colId xmlns:a16="http://schemas.microsoft.com/office/drawing/2014/main" val="586417790"/>
+                    </a:ext>
+                  </a:extLst>
+                </a:gridCol>
+                <a:gridCol w="2776378">
+                  <a:extLst>
+                    <a:ext uri="{9D8B030D-6E8A-4147-A177-3AD203B41FA5}">
+                      <a16:colId xmlns:a16="http://schemas.microsoft.com/office/drawing/2014/main" val="3226493492"/>
+                    </a:ext>
+                  </a:extLst>
+                </a:gridCol>
+                <a:gridCol w="1200802">
+                  <a:extLst>
+                    <a:ext uri="{9D8B030D-6E8A-4147-A177-3AD203B41FA5}">
+                      <a16:colId xmlns:a16="http://schemas.microsoft.com/office/drawing/2014/main" val="2546817392"/>
+                    </a:ext>
+                  </a:extLst>
+                </a:gridCol>
+              </a:tblGrid>
+              <a:tr h="759901">
+                <a:tc>
+                  <a:txBody>
+                    <a:bodyPr/>
+                    <a:lstStyle/>
+                    <a:p>
+                      <a:pPr marL="0" marR="0">
+                        <a:lnSpc>
+                          <a:spcPct val="107000"/>
+                        </a:lnSpc>
+                        <a:spcBef>
+                          <a:spcPts val="0"/>
+                        </a:spcBef>
+                        <a:spcAft>
+                          <a:spcPts val="0"/>
+                        </a:spcAft>
+                      </a:pPr>
+                      <a:r>
+                        <a:rPr lang="en-US" sz="2000" dirty="0">
+                          <a:effectLst/>
+                        </a:rPr>
+                        <a:t> </a:t>
+                      </a:r>
+                      <a:endParaRPr lang="en-US" sz="3200" dirty="0">
+                        <a:effectLst/>
+                        <a:latin typeface="Times New Roman" panose="02020603050405020304" pitchFamily="18" charset="0"/>
+                        <a:ea typeface="Calibri" panose="020F0502020204030204" pitchFamily="34" charset="0"/>
+                      </a:endParaRPr>
+                    </a:p>
+                  </a:txBody>
+                  <a:tcPr marL="68580" marR="68580" marT="0" marB="0" anchor="b"/>
+                </a:tc>
+                <a:tc>
+                  <a:txBody>
+                    <a:bodyPr/>
+                    <a:lstStyle/>
+                    <a:p>
+                      <a:pPr marL="0" marR="0" algn="ctr">
+                        <a:lnSpc>
+                          <a:spcPct val="107000"/>
+                        </a:lnSpc>
+                        <a:spcBef>
+                          <a:spcPts val="0"/>
+                        </a:spcBef>
+                        <a:spcAft>
+                          <a:spcPts val="0"/>
+                        </a:spcAft>
+                      </a:pPr>
+                      <a:r>
+                        <a:rPr lang="en-US" sz="2000" dirty="0">
+                          <a:effectLst/>
+                        </a:rPr>
+                        <a:t>Estimate</a:t>
+                      </a:r>
+                      <a:endParaRPr lang="en-US" sz="3200" dirty="0">
+                        <a:effectLst/>
+                        <a:latin typeface="Times New Roman" panose="02020603050405020304" pitchFamily="18" charset="0"/>
+                        <a:ea typeface="Calibri" panose="020F0502020204030204" pitchFamily="34" charset="0"/>
+                      </a:endParaRPr>
+                    </a:p>
+                  </a:txBody>
+                  <a:tcPr marL="68580" marR="68580" marT="0" marB="0" anchor="b"/>
+                </a:tc>
+                <a:tc>
+                  <a:txBody>
+                    <a:bodyPr/>
+                    <a:lstStyle/>
+                    <a:p>
+                      <a:pPr marL="0" marR="0" algn="ctr">
+                        <a:lnSpc>
+                          <a:spcPct val="107000"/>
+                        </a:lnSpc>
+                        <a:spcBef>
+                          <a:spcPts val="0"/>
+                        </a:spcBef>
+                        <a:spcAft>
+                          <a:spcPts val="0"/>
+                        </a:spcAft>
+                      </a:pPr>
+                      <a:r>
+                        <a:rPr lang="en-US" sz="2000" dirty="0">
+                          <a:effectLst/>
+                        </a:rPr>
+                        <a:t>95% Confidence Interval</a:t>
+                      </a:r>
+                      <a:endParaRPr lang="en-US" sz="3200" dirty="0">
+                        <a:effectLst/>
+                        <a:latin typeface="Times New Roman" panose="02020603050405020304" pitchFamily="18" charset="0"/>
+                        <a:ea typeface="Calibri" panose="020F0502020204030204" pitchFamily="34" charset="0"/>
+                      </a:endParaRPr>
+                    </a:p>
+                  </a:txBody>
+                  <a:tcPr marL="68580" marR="68580" marT="0" marB="0" anchor="b"/>
+                </a:tc>
+                <a:tc>
+                  <a:txBody>
+                    <a:bodyPr/>
+                    <a:lstStyle/>
+                    <a:p>
+                      <a:pPr marL="0" marR="0" algn="ctr">
+                        <a:lnSpc>
+                          <a:spcPct val="107000"/>
+                        </a:lnSpc>
+                        <a:spcBef>
+                          <a:spcPts val="0"/>
+                        </a:spcBef>
+                        <a:spcAft>
+                          <a:spcPts val="0"/>
+                        </a:spcAft>
+                      </a:pPr>
+                      <a:r>
+                        <a:rPr lang="en-US" sz="2000">
+                          <a:effectLst/>
+                        </a:rPr>
+                        <a:t>p-value</a:t>
+                      </a:r>
+                      <a:endParaRPr lang="en-US" sz="3200">
+                        <a:effectLst/>
+                        <a:latin typeface="Times New Roman" panose="02020603050405020304" pitchFamily="18" charset="0"/>
+                        <a:ea typeface="Calibri" panose="020F0502020204030204" pitchFamily="34" charset="0"/>
+                      </a:endParaRPr>
+                    </a:p>
+                  </a:txBody>
+                  <a:tcPr marL="68580" marR="68580" marT="0" marB="0" anchor="b"/>
+                </a:tc>
+                <a:extLst>
+                  <a:ext uri="{0D108BD9-81ED-4DB2-BD59-A6C34878D82A}">
+                    <a16:rowId xmlns:a16="http://schemas.microsoft.com/office/drawing/2014/main" val="1581801591"/>
+                  </a:ext>
+                </a:extLst>
+              </a:tr>
+              <a:tr h="759901">
+                <a:tc>
+                  <a:txBody>
+                    <a:bodyPr/>
+                    <a:lstStyle/>
+                    <a:p>
+                      <a:pPr marL="0" marR="0">
+                        <a:lnSpc>
+                          <a:spcPct val="107000"/>
+                        </a:lnSpc>
+                        <a:spcBef>
+                          <a:spcPts val="0"/>
+                        </a:spcBef>
+                        <a:spcAft>
+                          <a:spcPts val="0"/>
+                        </a:spcAft>
+                      </a:pPr>
+                      <a:r>
+                        <a:rPr lang="en-US" sz="2000" dirty="0">
+                          <a:effectLst/>
+                        </a:rPr>
+                        <a:t>Intercept (Control)</a:t>
+                      </a:r>
+                      <a:endParaRPr lang="en-US" sz="3200" dirty="0">
+                        <a:effectLst/>
+                        <a:latin typeface="Times New Roman" panose="02020603050405020304" pitchFamily="18" charset="0"/>
+                        <a:ea typeface="Calibri" panose="020F0502020204030204" pitchFamily="34" charset="0"/>
+                      </a:endParaRPr>
+                    </a:p>
+                  </a:txBody>
+                  <a:tcPr marL="68580" marR="68580" marT="0" marB="0" anchor="b"/>
+                </a:tc>
+                <a:tc>
+                  <a:txBody>
+                    <a:bodyPr/>
+                    <a:lstStyle/>
+                    <a:p>
+                      <a:pPr marL="0" marR="0" algn="ctr">
+                        <a:lnSpc>
+                          <a:spcPct val="107000"/>
+                        </a:lnSpc>
+                        <a:spcBef>
+                          <a:spcPts val="0"/>
+                        </a:spcBef>
+                        <a:spcAft>
+                          <a:spcPts val="0"/>
+                        </a:spcAft>
+                      </a:pPr>
+                      <a:r>
+                        <a:rPr lang="en-US" sz="2400" dirty="0">
+                          <a:effectLst/>
+                        </a:rPr>
+                        <a:t>0.033</a:t>
+                      </a:r>
+                      <a:endParaRPr lang="en-US" sz="3600" dirty="0">
+                        <a:effectLst/>
+                        <a:latin typeface="Times New Roman" panose="02020603050405020304" pitchFamily="18" charset="0"/>
+                        <a:ea typeface="Calibri" panose="020F0502020204030204" pitchFamily="34" charset="0"/>
+                      </a:endParaRPr>
+                    </a:p>
+                  </a:txBody>
+                  <a:tcPr marL="68580" marR="68580" marT="0" marB="0" anchor="b"/>
+                </a:tc>
+                <a:tc>
+                  <a:txBody>
+                    <a:bodyPr/>
+                    <a:lstStyle/>
+                    <a:p>
+                      <a:pPr marL="0" marR="0" algn="ctr">
+                        <a:lnSpc>
+                          <a:spcPct val="107000"/>
+                        </a:lnSpc>
+                        <a:spcBef>
+                          <a:spcPts val="0"/>
+                        </a:spcBef>
+                        <a:spcAft>
+                          <a:spcPts val="0"/>
+                        </a:spcAft>
+                      </a:pPr>
+                      <a:r>
+                        <a:rPr lang="en-US" sz="2400" dirty="0">
+                          <a:effectLst/>
+                        </a:rPr>
+                        <a:t>(-0.343 , 0.409)</a:t>
+                      </a:r>
+                      <a:endParaRPr lang="en-US" sz="3600" dirty="0">
+                        <a:effectLst/>
+                        <a:latin typeface="Times New Roman" panose="02020603050405020304" pitchFamily="18" charset="0"/>
+                        <a:ea typeface="Calibri" panose="020F0502020204030204" pitchFamily="34" charset="0"/>
+                      </a:endParaRPr>
+                    </a:p>
+                  </a:txBody>
+                  <a:tcPr marL="68580" marR="68580" marT="0" marB="0" anchor="b"/>
+                </a:tc>
+                <a:tc>
+                  <a:txBody>
+                    <a:bodyPr/>
+                    <a:lstStyle/>
+                    <a:p>
+                      <a:pPr marL="0" marR="0" algn="ctr">
+                        <a:lnSpc>
+                          <a:spcPct val="107000"/>
+                        </a:lnSpc>
+                        <a:spcBef>
+                          <a:spcPts val="0"/>
+                        </a:spcBef>
+                        <a:spcAft>
+                          <a:spcPts val="0"/>
+                        </a:spcAft>
+                      </a:pPr>
+                      <a:r>
+                        <a:rPr lang="en-US" sz="2400">
+                          <a:effectLst/>
+                        </a:rPr>
+                        <a:t>0.862</a:t>
+                      </a:r>
+                      <a:endParaRPr lang="en-US" sz="3600">
+                        <a:effectLst/>
+                        <a:latin typeface="Times New Roman" panose="02020603050405020304" pitchFamily="18" charset="0"/>
+                        <a:ea typeface="Calibri" panose="020F0502020204030204" pitchFamily="34" charset="0"/>
+                      </a:endParaRPr>
+                    </a:p>
+                  </a:txBody>
+                  <a:tcPr marL="68580" marR="68580" marT="0" marB="0" anchor="b"/>
+                </a:tc>
+                <a:extLst>
+                  <a:ext uri="{0D108BD9-81ED-4DB2-BD59-A6C34878D82A}">
+                    <a16:rowId xmlns:a16="http://schemas.microsoft.com/office/drawing/2014/main" val="2537851463"/>
+                  </a:ext>
+                </a:extLst>
+              </a:tr>
+              <a:tr h="614638">
+                <a:tc>
+                  <a:txBody>
+                    <a:bodyPr/>
+                    <a:lstStyle/>
+                    <a:p>
+                      <a:pPr marL="0" marR="0">
+                        <a:lnSpc>
+                          <a:spcPct val="107000"/>
+                        </a:lnSpc>
+                        <a:spcBef>
+                          <a:spcPts val="0"/>
+                        </a:spcBef>
+                        <a:spcAft>
+                          <a:spcPts val="0"/>
+                        </a:spcAft>
+                      </a:pPr>
+                      <a:r>
+                        <a:rPr lang="en-US" sz="2000">
+                          <a:effectLst/>
+                        </a:rPr>
+                        <a:t>Placebo</a:t>
+                      </a:r>
+                      <a:endParaRPr lang="en-US" sz="3200">
+                        <a:effectLst/>
+                        <a:latin typeface="Times New Roman" panose="02020603050405020304" pitchFamily="18" charset="0"/>
+                        <a:ea typeface="Calibri" panose="020F0502020204030204" pitchFamily="34" charset="0"/>
+                      </a:endParaRPr>
+                    </a:p>
+                  </a:txBody>
+                  <a:tcPr marL="68580" marR="68580" marT="0" marB="0" anchor="b"/>
+                </a:tc>
+                <a:tc>
+                  <a:txBody>
+                    <a:bodyPr/>
+                    <a:lstStyle/>
+                    <a:p>
+                      <a:pPr marL="0" marR="0" algn="ctr">
+                        <a:lnSpc>
+                          <a:spcPct val="107000"/>
+                        </a:lnSpc>
+                        <a:spcBef>
+                          <a:spcPts val="0"/>
+                        </a:spcBef>
+                        <a:spcAft>
+                          <a:spcPts val="0"/>
+                        </a:spcAft>
+                      </a:pPr>
+                      <a:r>
+                        <a:rPr lang="en-US" sz="2400" dirty="0">
+                          <a:effectLst/>
+                        </a:rPr>
+                        <a:t>-0.033</a:t>
+                      </a:r>
+                      <a:endParaRPr lang="en-US" sz="3600" dirty="0">
+                        <a:effectLst/>
+                        <a:latin typeface="Times New Roman" panose="02020603050405020304" pitchFamily="18" charset="0"/>
+                        <a:ea typeface="Calibri" panose="020F0502020204030204" pitchFamily="34" charset="0"/>
+                      </a:endParaRPr>
+                    </a:p>
+                  </a:txBody>
+                  <a:tcPr marL="68580" marR="68580" marT="0" marB="0" anchor="b"/>
+                </a:tc>
+                <a:tc>
+                  <a:txBody>
+                    <a:bodyPr/>
+                    <a:lstStyle/>
+                    <a:p>
+                      <a:pPr marL="0" marR="0" algn="ctr">
+                        <a:lnSpc>
+                          <a:spcPct val="107000"/>
+                        </a:lnSpc>
+                        <a:spcBef>
+                          <a:spcPts val="0"/>
+                        </a:spcBef>
+                        <a:spcAft>
+                          <a:spcPts val="0"/>
+                        </a:spcAft>
+                      </a:pPr>
+                      <a:r>
+                        <a:rPr lang="en-US" sz="2400" dirty="0">
+                          <a:effectLst/>
+                        </a:rPr>
+                        <a:t>(-0.184 , 0.118)</a:t>
+                      </a:r>
+                      <a:endParaRPr lang="en-US" sz="3600" dirty="0">
+                        <a:effectLst/>
+                        <a:latin typeface="Times New Roman" panose="02020603050405020304" pitchFamily="18" charset="0"/>
+                        <a:ea typeface="Calibri" panose="020F0502020204030204" pitchFamily="34" charset="0"/>
+                      </a:endParaRPr>
+                    </a:p>
+                  </a:txBody>
+                  <a:tcPr marL="68580" marR="68580" marT="0" marB="0" anchor="b"/>
+                </a:tc>
+                <a:tc>
+                  <a:txBody>
+                    <a:bodyPr/>
+                    <a:lstStyle/>
+                    <a:p>
+                      <a:pPr marL="0" marR="0" algn="ctr">
+                        <a:lnSpc>
+                          <a:spcPct val="107000"/>
+                        </a:lnSpc>
+                        <a:spcBef>
+                          <a:spcPts val="0"/>
+                        </a:spcBef>
+                        <a:spcAft>
+                          <a:spcPts val="0"/>
+                        </a:spcAft>
+                      </a:pPr>
+                      <a:r>
+                        <a:rPr lang="en-US" sz="2400">
+                          <a:effectLst/>
+                        </a:rPr>
+                        <a:t>0.67</a:t>
+                      </a:r>
+                      <a:endParaRPr lang="en-US" sz="3600">
+                        <a:effectLst/>
+                        <a:latin typeface="Times New Roman" panose="02020603050405020304" pitchFamily="18" charset="0"/>
+                        <a:ea typeface="Calibri" panose="020F0502020204030204" pitchFamily="34" charset="0"/>
+                      </a:endParaRPr>
+                    </a:p>
+                  </a:txBody>
+                  <a:tcPr marL="68580" marR="68580" marT="0" marB="0" anchor="b"/>
+                </a:tc>
+                <a:extLst>
+                  <a:ext uri="{0D108BD9-81ED-4DB2-BD59-A6C34878D82A}">
+                    <a16:rowId xmlns:a16="http://schemas.microsoft.com/office/drawing/2014/main" val="282312122"/>
+                  </a:ext>
+                </a:extLst>
+              </a:tr>
+              <a:tr h="614638">
+                <a:tc>
+                  <a:txBody>
+                    <a:bodyPr/>
+                    <a:lstStyle/>
+                    <a:p>
+                      <a:pPr marL="0" marR="0">
+                        <a:lnSpc>
+                          <a:spcPct val="107000"/>
+                        </a:lnSpc>
+                        <a:spcBef>
+                          <a:spcPts val="0"/>
+                        </a:spcBef>
+                        <a:spcAft>
+                          <a:spcPts val="0"/>
+                        </a:spcAft>
+                      </a:pPr>
+                      <a:r>
+                        <a:rPr lang="en-US" sz="2000">
+                          <a:effectLst/>
+                        </a:rPr>
+                        <a:t>Low Dose</a:t>
+                      </a:r>
+                      <a:endParaRPr lang="en-US" sz="3200">
+                        <a:effectLst/>
+                        <a:latin typeface="Times New Roman" panose="02020603050405020304" pitchFamily="18" charset="0"/>
+                        <a:ea typeface="Calibri" panose="020F0502020204030204" pitchFamily="34" charset="0"/>
+                      </a:endParaRPr>
+                    </a:p>
+                  </a:txBody>
+                  <a:tcPr marL="68580" marR="68580" marT="0" marB="0" anchor="b"/>
+                </a:tc>
+                <a:tc>
+                  <a:txBody>
+                    <a:bodyPr/>
+                    <a:lstStyle/>
+                    <a:p>
+                      <a:pPr marL="0" marR="0" algn="ctr">
+                        <a:lnSpc>
+                          <a:spcPct val="107000"/>
+                        </a:lnSpc>
+                        <a:spcBef>
+                          <a:spcPts val="0"/>
+                        </a:spcBef>
+                        <a:spcAft>
+                          <a:spcPts val="0"/>
+                        </a:spcAft>
+                      </a:pPr>
+                      <a:r>
+                        <a:rPr lang="en-US" sz="2400">
+                          <a:effectLst/>
+                        </a:rPr>
+                        <a:t>0.125</a:t>
+                      </a:r>
+                      <a:endParaRPr lang="en-US" sz="3600">
+                        <a:effectLst/>
+                        <a:latin typeface="Times New Roman" panose="02020603050405020304" pitchFamily="18" charset="0"/>
+                        <a:ea typeface="Calibri" panose="020F0502020204030204" pitchFamily="34" charset="0"/>
+                      </a:endParaRPr>
+                    </a:p>
+                  </a:txBody>
+                  <a:tcPr marL="68580" marR="68580" marT="0" marB="0" anchor="b"/>
+                </a:tc>
+                <a:tc>
+                  <a:txBody>
+                    <a:bodyPr/>
+                    <a:lstStyle/>
+                    <a:p>
+                      <a:pPr marL="0" marR="0" algn="ctr">
+                        <a:lnSpc>
+                          <a:spcPct val="107000"/>
+                        </a:lnSpc>
+                        <a:spcBef>
+                          <a:spcPts val="0"/>
+                        </a:spcBef>
+                        <a:spcAft>
+                          <a:spcPts val="0"/>
+                        </a:spcAft>
+                      </a:pPr>
+                      <a:r>
+                        <a:rPr lang="en-US" sz="2400" dirty="0">
+                          <a:effectLst/>
+                        </a:rPr>
+                        <a:t>(-0.028 , 0.278)</a:t>
+                      </a:r>
+                      <a:endParaRPr lang="en-US" sz="3600" dirty="0">
+                        <a:effectLst/>
+                        <a:latin typeface="Times New Roman" panose="02020603050405020304" pitchFamily="18" charset="0"/>
+                        <a:ea typeface="Calibri" panose="020F0502020204030204" pitchFamily="34" charset="0"/>
+                      </a:endParaRPr>
+                    </a:p>
+                  </a:txBody>
+                  <a:tcPr marL="68580" marR="68580" marT="0" marB="0" anchor="b"/>
+                </a:tc>
+                <a:tc>
+                  <a:txBody>
+                    <a:bodyPr/>
+                    <a:lstStyle/>
+                    <a:p>
+                      <a:pPr marL="0" marR="0" algn="ctr">
+                        <a:lnSpc>
+                          <a:spcPct val="107000"/>
+                        </a:lnSpc>
+                        <a:spcBef>
+                          <a:spcPts val="0"/>
+                        </a:spcBef>
+                        <a:spcAft>
+                          <a:spcPts val="0"/>
+                        </a:spcAft>
+                      </a:pPr>
+                      <a:r>
+                        <a:rPr lang="en-US" sz="2400" dirty="0">
+                          <a:effectLst/>
+                        </a:rPr>
+                        <a:t>0.113</a:t>
+                      </a:r>
+                      <a:endParaRPr lang="en-US" sz="3600" dirty="0">
+                        <a:effectLst/>
+                        <a:latin typeface="Times New Roman" panose="02020603050405020304" pitchFamily="18" charset="0"/>
+                        <a:ea typeface="Calibri" panose="020F0502020204030204" pitchFamily="34" charset="0"/>
+                      </a:endParaRPr>
+                    </a:p>
+                  </a:txBody>
+                  <a:tcPr marL="68580" marR="68580" marT="0" marB="0" anchor="b"/>
+                </a:tc>
+                <a:extLst>
+                  <a:ext uri="{0D108BD9-81ED-4DB2-BD59-A6C34878D82A}">
+                    <a16:rowId xmlns:a16="http://schemas.microsoft.com/office/drawing/2014/main" val="2187915876"/>
+                  </a:ext>
+                </a:extLst>
+              </a:tr>
+              <a:tr h="614638">
+                <a:tc>
+                  <a:txBody>
+                    <a:bodyPr/>
+                    <a:lstStyle/>
+                    <a:p>
+                      <a:pPr marL="0" marR="0">
+                        <a:lnSpc>
+                          <a:spcPct val="107000"/>
+                        </a:lnSpc>
+                        <a:spcBef>
+                          <a:spcPts val="0"/>
+                        </a:spcBef>
+                        <a:spcAft>
+                          <a:spcPts val="0"/>
+                        </a:spcAft>
+                      </a:pPr>
+                      <a:r>
+                        <a:rPr lang="en-US" sz="2000">
+                          <a:effectLst/>
+                        </a:rPr>
+                        <a:t>Medium Dose</a:t>
+                      </a:r>
+                      <a:endParaRPr lang="en-US" sz="3200">
+                        <a:effectLst/>
+                        <a:latin typeface="Times New Roman" panose="02020603050405020304" pitchFamily="18" charset="0"/>
+                        <a:ea typeface="Calibri" panose="020F0502020204030204" pitchFamily="34" charset="0"/>
+                      </a:endParaRPr>
+                    </a:p>
+                  </a:txBody>
+                  <a:tcPr marL="68580" marR="68580" marT="0" marB="0" anchor="b"/>
+                </a:tc>
+                <a:tc>
+                  <a:txBody>
+                    <a:bodyPr/>
+                    <a:lstStyle/>
+                    <a:p>
+                      <a:pPr marL="0" marR="0" algn="ctr">
+                        <a:lnSpc>
+                          <a:spcPct val="107000"/>
+                        </a:lnSpc>
+                        <a:spcBef>
+                          <a:spcPts val="0"/>
+                        </a:spcBef>
+                        <a:spcAft>
+                          <a:spcPts val="0"/>
+                        </a:spcAft>
+                      </a:pPr>
+                      <a:r>
+                        <a:rPr lang="en-US" sz="2400">
+                          <a:effectLst/>
+                        </a:rPr>
+                        <a:t>0.108</a:t>
+                      </a:r>
+                      <a:endParaRPr lang="en-US" sz="3600">
+                        <a:effectLst/>
+                        <a:latin typeface="Times New Roman" panose="02020603050405020304" pitchFamily="18" charset="0"/>
+                        <a:ea typeface="Calibri" panose="020F0502020204030204" pitchFamily="34" charset="0"/>
+                      </a:endParaRPr>
+                    </a:p>
+                  </a:txBody>
+                  <a:tcPr marL="68580" marR="68580" marT="0" marB="0" anchor="b"/>
+                </a:tc>
+                <a:tc>
+                  <a:txBody>
+                    <a:bodyPr/>
+                    <a:lstStyle/>
+                    <a:p>
+                      <a:pPr marL="0" marR="0" algn="ctr">
+                        <a:lnSpc>
+                          <a:spcPct val="107000"/>
+                        </a:lnSpc>
+                        <a:spcBef>
+                          <a:spcPts val="0"/>
+                        </a:spcBef>
+                        <a:spcAft>
+                          <a:spcPts val="0"/>
+                        </a:spcAft>
+                      </a:pPr>
+                      <a:r>
+                        <a:rPr lang="en-US" sz="2400" dirty="0">
+                          <a:effectLst/>
+                        </a:rPr>
+                        <a:t>(-0.049 , 0.265)</a:t>
+                      </a:r>
+                      <a:endParaRPr lang="en-US" sz="3600" dirty="0">
+                        <a:effectLst/>
+                        <a:latin typeface="Times New Roman" panose="02020603050405020304" pitchFamily="18" charset="0"/>
+                        <a:ea typeface="Calibri" panose="020F0502020204030204" pitchFamily="34" charset="0"/>
+                      </a:endParaRPr>
+                    </a:p>
+                  </a:txBody>
+                  <a:tcPr marL="68580" marR="68580" marT="0" marB="0" anchor="b"/>
+                </a:tc>
+                <a:tc>
+                  <a:txBody>
+                    <a:bodyPr/>
+                    <a:lstStyle/>
+                    <a:p>
+                      <a:pPr marL="0" marR="0" algn="ctr">
+                        <a:lnSpc>
+                          <a:spcPct val="107000"/>
+                        </a:lnSpc>
+                        <a:spcBef>
+                          <a:spcPts val="0"/>
+                        </a:spcBef>
+                        <a:spcAft>
+                          <a:spcPts val="0"/>
+                        </a:spcAft>
+                      </a:pPr>
+                      <a:r>
+                        <a:rPr lang="en-US" sz="2400" dirty="0">
+                          <a:effectLst/>
+                        </a:rPr>
+                        <a:t>0.179</a:t>
+                      </a:r>
+                      <a:endParaRPr lang="en-US" sz="3600" dirty="0">
+                        <a:effectLst/>
+                        <a:latin typeface="Times New Roman" panose="02020603050405020304" pitchFamily="18" charset="0"/>
+                        <a:ea typeface="Calibri" panose="020F0502020204030204" pitchFamily="34" charset="0"/>
+                      </a:endParaRPr>
+                    </a:p>
+                  </a:txBody>
+                  <a:tcPr marL="68580" marR="68580" marT="0" marB="0" anchor="b"/>
+                </a:tc>
+                <a:extLst>
+                  <a:ext uri="{0D108BD9-81ED-4DB2-BD59-A6C34878D82A}">
+                    <a16:rowId xmlns:a16="http://schemas.microsoft.com/office/drawing/2014/main" val="3807469535"/>
+                  </a:ext>
+                </a:extLst>
+              </a:tr>
+              <a:tr h="614638">
+                <a:tc>
+                  <a:txBody>
+                    <a:bodyPr/>
+                    <a:lstStyle/>
+                    <a:p>
+                      <a:pPr marL="0" marR="0">
+                        <a:lnSpc>
+                          <a:spcPct val="107000"/>
+                        </a:lnSpc>
+                        <a:spcBef>
+                          <a:spcPts val="0"/>
+                        </a:spcBef>
+                        <a:spcAft>
+                          <a:spcPts val="0"/>
+                        </a:spcAft>
+                      </a:pPr>
+                      <a:r>
+                        <a:rPr lang="en-US" sz="2000">
+                          <a:effectLst/>
+                        </a:rPr>
+                        <a:t>High Dose</a:t>
+                      </a:r>
+                      <a:endParaRPr lang="en-US" sz="3200">
+                        <a:effectLst/>
+                        <a:latin typeface="Times New Roman" panose="02020603050405020304" pitchFamily="18" charset="0"/>
+                        <a:ea typeface="Calibri" panose="020F0502020204030204" pitchFamily="34" charset="0"/>
+                      </a:endParaRPr>
+                    </a:p>
+                  </a:txBody>
+                  <a:tcPr marL="68580" marR="68580" marT="0" marB="0" anchor="b"/>
+                </a:tc>
+                <a:tc>
+                  <a:txBody>
+                    <a:bodyPr/>
+                    <a:lstStyle/>
+                    <a:p>
+                      <a:pPr marL="0" marR="0" algn="ctr">
+                        <a:lnSpc>
+                          <a:spcPct val="107000"/>
+                        </a:lnSpc>
+                        <a:spcBef>
+                          <a:spcPts val="0"/>
+                        </a:spcBef>
+                        <a:spcAft>
+                          <a:spcPts val="0"/>
+                        </a:spcAft>
+                      </a:pPr>
+                      <a:r>
+                        <a:rPr lang="en-US" sz="2400">
+                          <a:effectLst/>
+                        </a:rPr>
+                        <a:t>-0.056</a:t>
+                      </a:r>
+                      <a:endParaRPr lang="en-US" sz="3600">
+                        <a:effectLst/>
+                        <a:latin typeface="Times New Roman" panose="02020603050405020304" pitchFamily="18" charset="0"/>
+                        <a:ea typeface="Calibri" panose="020F0502020204030204" pitchFamily="34" charset="0"/>
+                      </a:endParaRPr>
+                    </a:p>
+                  </a:txBody>
+                  <a:tcPr marL="68580" marR="68580" marT="0" marB="0" anchor="b"/>
+                </a:tc>
+                <a:tc>
+                  <a:txBody>
+                    <a:bodyPr/>
+                    <a:lstStyle/>
+                    <a:p>
+                      <a:pPr marL="0" marR="0" algn="ctr">
+                        <a:lnSpc>
+                          <a:spcPct val="107000"/>
+                        </a:lnSpc>
+                        <a:spcBef>
+                          <a:spcPts val="0"/>
+                        </a:spcBef>
+                        <a:spcAft>
+                          <a:spcPts val="0"/>
+                        </a:spcAft>
+                      </a:pPr>
+                      <a:r>
+                        <a:rPr lang="en-US" sz="2400" dirty="0">
+                          <a:effectLst/>
+                        </a:rPr>
+                        <a:t>(-0.221 , 0.109)</a:t>
+                      </a:r>
+                      <a:endParaRPr lang="en-US" sz="3600" dirty="0">
+                        <a:effectLst/>
+                        <a:latin typeface="Times New Roman" panose="02020603050405020304" pitchFamily="18" charset="0"/>
+                        <a:ea typeface="Calibri" panose="020F0502020204030204" pitchFamily="34" charset="0"/>
+                      </a:endParaRPr>
+                    </a:p>
+                  </a:txBody>
+                  <a:tcPr marL="68580" marR="68580" marT="0" marB="0" anchor="b"/>
+                </a:tc>
+                <a:tc>
+                  <a:txBody>
+                    <a:bodyPr/>
+                    <a:lstStyle/>
+                    <a:p>
+                      <a:pPr marL="0" marR="0" algn="ctr">
+                        <a:lnSpc>
+                          <a:spcPct val="107000"/>
+                        </a:lnSpc>
+                        <a:spcBef>
+                          <a:spcPts val="0"/>
+                        </a:spcBef>
+                        <a:spcAft>
+                          <a:spcPts val="0"/>
+                        </a:spcAft>
+                      </a:pPr>
+                      <a:r>
+                        <a:rPr lang="en-US" sz="2400" dirty="0">
+                          <a:effectLst/>
+                        </a:rPr>
+                        <a:t>0.506</a:t>
+                      </a:r>
+                      <a:endParaRPr lang="en-US" sz="3600" dirty="0">
+                        <a:effectLst/>
+                        <a:latin typeface="Times New Roman" panose="02020603050405020304" pitchFamily="18" charset="0"/>
+                        <a:ea typeface="Calibri" panose="020F0502020204030204" pitchFamily="34" charset="0"/>
+                      </a:endParaRPr>
+                    </a:p>
+                  </a:txBody>
+                  <a:tcPr marL="68580" marR="68580" marT="0" marB="0" anchor="b"/>
+                </a:tc>
+                <a:extLst>
+                  <a:ext uri="{0D108BD9-81ED-4DB2-BD59-A6C34878D82A}">
+                    <a16:rowId xmlns:a16="http://schemas.microsoft.com/office/drawing/2014/main" val="3333925991"/>
+                  </a:ext>
+                </a:extLst>
+              </a:tr>
+              <a:tr h="759901">
+                <a:tc>
+                  <a:txBody>
+                    <a:bodyPr/>
+                    <a:lstStyle/>
+                    <a:p>
+                      <a:pPr marL="0" marR="0">
+                        <a:lnSpc>
+                          <a:spcPct val="107000"/>
+                        </a:lnSpc>
+                        <a:spcBef>
+                          <a:spcPts val="0"/>
+                        </a:spcBef>
+                        <a:spcAft>
+                          <a:spcPts val="0"/>
+                        </a:spcAft>
+                      </a:pPr>
+                      <a:r>
+                        <a:rPr lang="en-US" sz="2000">
+                          <a:effectLst/>
+                        </a:rPr>
+                        <a:t>Baseline Pocket Depth</a:t>
+                      </a:r>
+                      <a:endParaRPr lang="en-US" sz="3200">
+                        <a:effectLst/>
+                        <a:latin typeface="Times New Roman" panose="02020603050405020304" pitchFamily="18" charset="0"/>
+                        <a:ea typeface="Calibri" panose="020F0502020204030204" pitchFamily="34" charset="0"/>
+                      </a:endParaRPr>
+                    </a:p>
+                  </a:txBody>
+                  <a:tcPr marL="68580" marR="68580" marT="0" marB="0" anchor="b"/>
+                </a:tc>
+                <a:tc>
+                  <a:txBody>
+                    <a:bodyPr/>
+                    <a:lstStyle/>
+                    <a:p>
+                      <a:pPr marL="0" marR="0" algn="ctr">
+                        <a:lnSpc>
+                          <a:spcPct val="107000"/>
+                        </a:lnSpc>
+                        <a:spcBef>
+                          <a:spcPts val="0"/>
+                        </a:spcBef>
+                        <a:spcAft>
+                          <a:spcPts val="0"/>
+                        </a:spcAft>
+                      </a:pPr>
+                      <a:r>
+                        <a:rPr lang="en-US" sz="2400">
+                          <a:effectLst/>
+                        </a:rPr>
+                        <a:t>-0.113</a:t>
+                      </a:r>
+                      <a:endParaRPr lang="en-US" sz="3600">
+                        <a:effectLst/>
+                        <a:latin typeface="Times New Roman" panose="02020603050405020304" pitchFamily="18" charset="0"/>
+                        <a:ea typeface="Calibri" panose="020F0502020204030204" pitchFamily="34" charset="0"/>
+                      </a:endParaRPr>
+                    </a:p>
+                  </a:txBody>
+                  <a:tcPr marL="68580" marR="68580" marT="0" marB="0" anchor="b"/>
+                </a:tc>
+                <a:tc>
+                  <a:txBody>
+                    <a:bodyPr/>
+                    <a:lstStyle/>
+                    <a:p>
+                      <a:pPr marL="0" marR="0" algn="ctr">
+                        <a:lnSpc>
+                          <a:spcPct val="107000"/>
+                        </a:lnSpc>
+                        <a:spcBef>
+                          <a:spcPts val="0"/>
+                        </a:spcBef>
+                        <a:spcAft>
+                          <a:spcPts val="0"/>
+                        </a:spcAft>
+                      </a:pPr>
+                      <a:r>
+                        <a:rPr lang="en-US" sz="2400" dirty="0">
+                          <a:effectLst/>
+                        </a:rPr>
+                        <a:t>(-0.223 , -0.003)</a:t>
+                      </a:r>
+                      <a:endParaRPr lang="en-US" sz="3600" dirty="0">
+                        <a:effectLst/>
+                        <a:latin typeface="Times New Roman" panose="02020603050405020304" pitchFamily="18" charset="0"/>
+                        <a:ea typeface="Calibri" panose="020F0502020204030204" pitchFamily="34" charset="0"/>
+                      </a:endParaRPr>
+                    </a:p>
+                  </a:txBody>
+                  <a:tcPr marL="68580" marR="68580" marT="0" marB="0" anchor="b"/>
+                </a:tc>
+                <a:tc>
+                  <a:txBody>
+                    <a:bodyPr/>
+                    <a:lstStyle/>
+                    <a:p>
+                      <a:pPr marL="0" marR="0" algn="ctr">
+                        <a:lnSpc>
+                          <a:spcPct val="107000"/>
+                        </a:lnSpc>
+                        <a:spcBef>
+                          <a:spcPts val="0"/>
+                        </a:spcBef>
+                        <a:spcAft>
+                          <a:spcPts val="0"/>
+                        </a:spcAft>
+                      </a:pPr>
+                      <a:r>
+                        <a:rPr lang="en-US" sz="2400" dirty="0">
+                          <a:effectLst/>
+                        </a:rPr>
+                        <a:t>0.046</a:t>
+                      </a:r>
+                      <a:endParaRPr lang="en-US" sz="3600" dirty="0">
+                        <a:effectLst/>
+                        <a:latin typeface="Times New Roman" panose="02020603050405020304" pitchFamily="18" charset="0"/>
+                        <a:ea typeface="Calibri" panose="020F0502020204030204" pitchFamily="34" charset="0"/>
+                      </a:endParaRPr>
+                    </a:p>
+                  </a:txBody>
+                  <a:tcPr marL="68580" marR="68580" marT="0" marB="0" anchor="b"/>
+                </a:tc>
+                <a:extLst>
+                  <a:ext uri="{0D108BD9-81ED-4DB2-BD59-A6C34878D82A}">
+                    <a16:rowId xmlns:a16="http://schemas.microsoft.com/office/drawing/2014/main" val="868687127"/>
+                  </a:ext>
+                </a:extLst>
+              </a:tr>
+            </a:tbl>
+          </a:graphicData>
+        </a:graphic>
+      </p:graphicFrame>
+      <p:sp>
+        <p:nvSpPr>
+          <p:cNvPr id="5" name="TextBox 4"/>
+          <p:cNvSpPr txBox="1"/>
+          <p:nvPr/>
+        </p:nvSpPr>
+        <p:spPr>
+          <a:xfrm>
+            <a:off x="8303491" y="5523345"/>
+            <a:ext cx="3325091" cy="1015663"/>
+          </a:xfrm>
+          <a:prstGeom prst="rect">
+            <a:avLst/>
+          </a:prstGeom>
+          <a:noFill/>
+        </p:spPr>
+        <p:txBody>
+          <a:bodyPr wrap="square" rtlCol="0">
+            <a:spAutoFit/>
+          </a:bodyPr>
+          <a:lstStyle/>
+          <a:p>
+            <a:pPr algn="ctr"/>
+            <a:r>
+              <a:rPr lang="en-US" sz="2000" dirty="0" smtClean="0">
+                <a:solidFill>
+                  <a:srgbClr val="FF0000"/>
+                </a:solidFill>
+              </a:rPr>
+              <a:t>Baseline significantly predicts difference in pocket depth (but notice 95% CI)</a:t>
+            </a:r>
+            <a:endParaRPr lang="en-US" sz="2000" dirty="0">
+              <a:solidFill>
+                <a:srgbClr val="FF0000"/>
+              </a:solidFill>
+            </a:endParaRPr>
+          </a:p>
+        </p:txBody>
+      </p:sp>
+      <p:sp>
+        <p:nvSpPr>
+          <p:cNvPr id="6" name="Rectangle 5"/>
+          <p:cNvSpPr/>
+          <p:nvPr/>
+        </p:nvSpPr>
+        <p:spPr>
+          <a:xfrm>
+            <a:off x="10187709" y="4627416"/>
+            <a:ext cx="1246909" cy="775855"/>
+          </a:xfrm>
+          <a:prstGeom prst="rect">
+            <a:avLst/>
+          </a:prstGeom>
+          <a:noFill/>
+          <a:ln w="63500">
+            <a:solidFill>
+              <a:srgbClr val="FF0000"/>
+            </a:solidFill>
+          </a:ln>
+        </p:spPr>
+        <p:style>
+          <a:lnRef idx="2">
+            <a:schemeClr val="accent1">
+              <a:shade val="50000"/>
+            </a:schemeClr>
+          </a:lnRef>
+          <a:fillRef idx="1">
+            <a:schemeClr val="accent1"/>
+          </a:fillRef>
+          <a:effectRef idx="0">
+            <a:schemeClr val="accent1"/>
+          </a:effectRef>
+          <a:fontRef idx="minor">
+            <a:schemeClr val="lt1"/>
+          </a:fontRef>
+        </p:style>
+        <p:txBody>
+          <a:bodyPr rtlCol="0" anchor="ctr"/>
+          <a:lstStyle/>
+          <a:p>
+            <a:pPr algn="ctr"/>
+            <a:endParaRPr lang="en-US"/>
+          </a:p>
+        </p:txBody>
+      </p:sp>
+    </p:spTree>
+    <p:extLst>
+      <p:ext uri="{BB962C8B-B14F-4D97-AF65-F5344CB8AC3E}">
+        <p14:creationId xmlns:p14="http://schemas.microsoft.com/office/powerpoint/2010/main" val="3095167610"/>
+      </p:ext>
+    </p:extLst>
+  </p:cSld>
+  <p:clrMapOvr>
+    <a:masterClrMapping/>
+  </p:clrMapOvr>
+</p:sld>
+</file>
+
+<file path=ppt/slides/slide6.xml><?xml version="1.0" encoding="utf-8"?>
+<p:sld xmlns:a="http://schemas.openxmlformats.org/drawingml/2006/main" xmlns:r="http://schemas.openxmlformats.org/officeDocument/2006/relationships" xmlns:p="http://schemas.openxmlformats.org/presentationml/2006/main">
+  <p:cSld>
+    <p:spTree>
+      <p:nvGrpSpPr>
+        <p:cNvPr id="1" name=""/>
+        <p:cNvGrpSpPr/>
+        <p:nvPr/>
+      </p:nvGrpSpPr>
+      <p:grpSpPr>
+        <a:xfrm>
+          <a:off x="0" y="0"/>
+          <a:ext cx="0" cy="0"/>
+          <a:chOff x="0" y="0"/>
+          <a:chExt cx="0" cy="0"/>
+        </a:xfrm>
+      </p:grpSpPr>
+      <p:sp>
+        <p:nvSpPr>
+          <p:cNvPr id="2" name="Title 1"/>
+          <p:cNvSpPr>
+            <a:spLocks noGrp="1"/>
+          </p:cNvSpPr>
+          <p:nvPr>
+            <p:ph type="title"/>
+          </p:nvPr>
+        </p:nvSpPr>
+        <p:spPr/>
+        <p:txBody>
+          <a:bodyPr/>
+          <a:lstStyle/>
+          <a:p>
+            <a:pPr algn="ctr"/>
+            <a:r>
+              <a:rPr lang="en-US" dirty="0" smtClean="0"/>
+              <a:t>Outcome 2: Difference in attachment </a:t>
+            </a:r>
+            <a:endParaRPr lang="en-US" dirty="0"/>
+          </a:p>
+        </p:txBody>
+      </p:sp>
+      <p:graphicFrame>
+        <p:nvGraphicFramePr>
+          <p:cNvPr id="4" name="Content Placeholder 3"/>
+          <p:cNvGraphicFramePr>
+            <a:graphicFrameLocks noGrp="1"/>
+          </p:cNvGraphicFramePr>
+          <p:nvPr>
+            <p:ph idx="1"/>
+            <p:extLst>
+              <p:ext uri="{D42A27DB-BD31-4B8C-83A1-F6EECF244321}">
+                <p14:modId xmlns:p14="http://schemas.microsoft.com/office/powerpoint/2010/main" val="1854167736"/>
+              </p:ext>
+            </p:extLst>
+          </p:nvPr>
+        </p:nvGraphicFramePr>
+        <p:xfrm>
+          <a:off x="3999345" y="545379"/>
+          <a:ext cx="7333673" cy="4737820"/>
+        </p:xfrm>
+        <a:graphic>
+          <a:graphicData uri="http://schemas.openxmlformats.org/drawingml/2006/table">
+            <a:tbl>
+              <a:tblPr firstRow="1" firstCol="1" bandRow="1">
+                <a:tableStyleId>{5C22544A-7EE6-4342-B048-85BDC9FD1C3A}</a:tableStyleId>
+              </a:tblPr>
+              <a:tblGrid>
+                <a:gridCol w="2384159">
+                  <a:extLst>
+                    <a:ext uri="{9D8B030D-6E8A-4147-A177-3AD203B41FA5}">
+                      <a16:colId xmlns:a16="http://schemas.microsoft.com/office/drawing/2014/main" val="3940998476"/>
+                    </a:ext>
+                  </a:extLst>
+                </a:gridCol>
+                <a:gridCol w="1158701">
+                  <a:extLst>
+                    <a:ext uri="{9D8B030D-6E8A-4147-A177-3AD203B41FA5}">
+                      <a16:colId xmlns:a16="http://schemas.microsoft.com/office/drawing/2014/main" val="4102194831"/>
+                    </a:ext>
+                  </a:extLst>
+                </a:gridCol>
+                <a:gridCol w="2646417">
+                  <a:extLst>
+                    <a:ext uri="{9D8B030D-6E8A-4147-A177-3AD203B41FA5}">
+                      <a16:colId xmlns:a16="http://schemas.microsoft.com/office/drawing/2014/main" val="2357244688"/>
+                    </a:ext>
+                  </a:extLst>
+                </a:gridCol>
+                <a:gridCol w="1144396">
+                  <a:extLst>
+                    <a:ext uri="{9D8B030D-6E8A-4147-A177-3AD203B41FA5}">
+                      <a16:colId xmlns:a16="http://schemas.microsoft.com/office/drawing/2014/main" val="134563513"/>
+                    </a:ext>
+                  </a:extLst>
+                </a:gridCol>
+              </a:tblGrid>
+              <a:tr h="1005442">
+                <a:tc>
+                  <a:txBody>
+                    <a:bodyPr/>
+                    <a:lstStyle/>
+                    <a:p>
+                      <a:pPr marL="0" marR="0">
+                        <a:lnSpc>
+                          <a:spcPct val="107000"/>
+                        </a:lnSpc>
+                        <a:spcBef>
+                          <a:spcPts val="0"/>
+                        </a:spcBef>
+                        <a:spcAft>
+                          <a:spcPts val="0"/>
+                        </a:spcAft>
+                      </a:pPr>
+                      <a:r>
+                        <a:rPr lang="en-US" sz="1800" dirty="0">
+                          <a:effectLst/>
+                        </a:rPr>
+                        <a:t> </a:t>
+                      </a:r>
+                      <a:endParaRPr lang="en-US" sz="2800" dirty="0">
+                        <a:effectLst/>
+                        <a:latin typeface="Times New Roman" panose="02020603050405020304" pitchFamily="18" charset="0"/>
+                        <a:ea typeface="Calibri" panose="020F0502020204030204" pitchFamily="34" charset="0"/>
+                      </a:endParaRPr>
+                    </a:p>
+                  </a:txBody>
+                  <a:tcPr marL="68580" marR="68580" marT="0" marB="0" anchor="b"/>
+                </a:tc>
+                <a:tc>
+                  <a:txBody>
+                    <a:bodyPr/>
+                    <a:lstStyle/>
+                    <a:p>
+                      <a:pPr marL="0" marR="0" algn="ctr">
+                        <a:lnSpc>
+                          <a:spcPct val="107000"/>
+                        </a:lnSpc>
+                        <a:spcBef>
+                          <a:spcPts val="0"/>
+                        </a:spcBef>
+                        <a:spcAft>
+                          <a:spcPts val="0"/>
+                        </a:spcAft>
+                      </a:pPr>
+                      <a:r>
+                        <a:rPr lang="en-US" sz="1800">
+                          <a:effectLst/>
+                        </a:rPr>
+                        <a:t>Estimate</a:t>
+                      </a:r>
+                      <a:endParaRPr lang="en-US" sz="2800">
+                        <a:effectLst/>
+                        <a:latin typeface="Times New Roman" panose="02020603050405020304" pitchFamily="18" charset="0"/>
+                        <a:ea typeface="Calibri" panose="020F0502020204030204" pitchFamily="34" charset="0"/>
+                      </a:endParaRPr>
+                    </a:p>
+                  </a:txBody>
+                  <a:tcPr marL="68580" marR="68580" marT="0" marB="0" anchor="b"/>
+                </a:tc>
+                <a:tc>
+                  <a:txBody>
+                    <a:bodyPr/>
+                    <a:lstStyle/>
+                    <a:p>
+                      <a:pPr marL="0" marR="0" algn="ctr">
+                        <a:lnSpc>
+                          <a:spcPct val="107000"/>
+                        </a:lnSpc>
+                        <a:spcBef>
+                          <a:spcPts val="0"/>
+                        </a:spcBef>
+                        <a:spcAft>
+                          <a:spcPts val="0"/>
+                        </a:spcAft>
+                      </a:pPr>
+                      <a:r>
+                        <a:rPr lang="en-US" sz="1800" dirty="0">
+                          <a:effectLst/>
+                        </a:rPr>
+                        <a:t>95% Confidence Interval</a:t>
+                      </a:r>
+                      <a:endParaRPr lang="en-US" sz="2800" dirty="0">
+                        <a:effectLst/>
+                        <a:latin typeface="Times New Roman" panose="02020603050405020304" pitchFamily="18" charset="0"/>
+                        <a:ea typeface="Calibri" panose="020F0502020204030204" pitchFamily="34" charset="0"/>
+                      </a:endParaRPr>
+                    </a:p>
+                  </a:txBody>
+                  <a:tcPr marL="68580" marR="68580" marT="0" marB="0" anchor="b"/>
+                </a:tc>
+                <a:tc>
+                  <a:txBody>
+                    <a:bodyPr/>
+                    <a:lstStyle/>
+                    <a:p>
+                      <a:pPr marL="0" marR="0" algn="ctr">
+                        <a:lnSpc>
+                          <a:spcPct val="107000"/>
+                        </a:lnSpc>
+                        <a:spcBef>
+                          <a:spcPts val="0"/>
+                        </a:spcBef>
+                        <a:spcAft>
+                          <a:spcPts val="0"/>
+                        </a:spcAft>
+                      </a:pPr>
+                      <a:r>
+                        <a:rPr lang="en-US" sz="1800" dirty="0">
+                          <a:effectLst/>
+                        </a:rPr>
+                        <a:t>p-value</a:t>
+                      </a:r>
+                      <a:endParaRPr lang="en-US" sz="2800" dirty="0">
+                        <a:effectLst/>
+                        <a:latin typeface="Times New Roman" panose="02020603050405020304" pitchFamily="18" charset="0"/>
+                        <a:ea typeface="Calibri" panose="020F0502020204030204" pitchFamily="34" charset="0"/>
+                      </a:endParaRPr>
+                    </a:p>
+                  </a:txBody>
+                  <a:tcPr marL="68580" marR="68580" marT="0" marB="0" anchor="b"/>
+                </a:tc>
+                <a:extLst>
+                  <a:ext uri="{0D108BD9-81ED-4DB2-BD59-A6C34878D82A}">
+                    <a16:rowId xmlns:a16="http://schemas.microsoft.com/office/drawing/2014/main" val="427940362"/>
+                  </a:ext>
+                </a:extLst>
+              </a:tr>
+              <a:tr h="582108">
+                <a:tc>
+                  <a:txBody>
+                    <a:bodyPr/>
+                    <a:lstStyle/>
+                    <a:p>
+                      <a:pPr marL="0" marR="0">
+                        <a:lnSpc>
+                          <a:spcPct val="107000"/>
+                        </a:lnSpc>
+                        <a:spcBef>
+                          <a:spcPts val="0"/>
+                        </a:spcBef>
+                        <a:spcAft>
+                          <a:spcPts val="0"/>
+                        </a:spcAft>
+                      </a:pPr>
+                      <a:r>
+                        <a:rPr lang="en-US" sz="1800" dirty="0">
+                          <a:effectLst/>
+                        </a:rPr>
+                        <a:t>Intercept (Control)</a:t>
+                      </a:r>
+                      <a:endParaRPr lang="en-US" sz="2800" dirty="0">
+                        <a:effectLst/>
+                        <a:latin typeface="Times New Roman" panose="02020603050405020304" pitchFamily="18" charset="0"/>
+                        <a:ea typeface="Calibri" panose="020F0502020204030204" pitchFamily="34" charset="0"/>
+                      </a:endParaRPr>
+                    </a:p>
+                  </a:txBody>
+                  <a:tcPr marL="68580" marR="68580" marT="0" marB="0" anchor="b"/>
+                </a:tc>
+                <a:tc>
+                  <a:txBody>
+                    <a:bodyPr/>
+                    <a:lstStyle/>
+                    <a:p>
+                      <a:pPr marL="0" marR="0" algn="ctr">
+                        <a:lnSpc>
+                          <a:spcPct val="107000"/>
+                        </a:lnSpc>
+                        <a:spcBef>
+                          <a:spcPts val="0"/>
+                        </a:spcBef>
+                        <a:spcAft>
+                          <a:spcPts val="0"/>
+                        </a:spcAft>
+                      </a:pPr>
+                      <a:r>
+                        <a:rPr lang="en-US" sz="2400" dirty="0">
+                          <a:effectLst/>
+                        </a:rPr>
+                        <a:t>0.107</a:t>
+                      </a:r>
+                      <a:endParaRPr lang="en-US" sz="3600" dirty="0">
+                        <a:effectLst/>
+                        <a:latin typeface="Times New Roman" panose="02020603050405020304" pitchFamily="18" charset="0"/>
+                        <a:ea typeface="Calibri" panose="020F0502020204030204" pitchFamily="34" charset="0"/>
+                      </a:endParaRPr>
+                    </a:p>
+                  </a:txBody>
+                  <a:tcPr marL="68580" marR="68580" marT="0" marB="0" anchor="b"/>
+                </a:tc>
+                <a:tc>
+                  <a:txBody>
+                    <a:bodyPr/>
+                    <a:lstStyle/>
+                    <a:p>
+                      <a:pPr marL="0" marR="0" algn="ctr">
+                        <a:lnSpc>
+                          <a:spcPct val="107000"/>
+                        </a:lnSpc>
+                        <a:spcBef>
+                          <a:spcPts val="0"/>
+                        </a:spcBef>
+                        <a:spcAft>
+                          <a:spcPts val="0"/>
+                        </a:spcAft>
+                      </a:pPr>
+                      <a:r>
+                        <a:rPr lang="en-US" sz="2400">
+                          <a:effectLst/>
+                        </a:rPr>
+                        <a:t>(-0.075 , 0.289)</a:t>
+                      </a:r>
+                      <a:endParaRPr lang="en-US" sz="3600">
+                        <a:effectLst/>
+                        <a:latin typeface="Times New Roman" panose="02020603050405020304" pitchFamily="18" charset="0"/>
+                        <a:ea typeface="Calibri" panose="020F0502020204030204" pitchFamily="34" charset="0"/>
+                      </a:endParaRPr>
+                    </a:p>
+                  </a:txBody>
+                  <a:tcPr marL="68580" marR="68580" marT="0" marB="0" anchor="b"/>
+                </a:tc>
+                <a:tc>
+                  <a:txBody>
+                    <a:bodyPr/>
+                    <a:lstStyle/>
+                    <a:p>
+                      <a:pPr marL="0" marR="0" algn="ctr">
+                        <a:lnSpc>
+                          <a:spcPct val="107000"/>
+                        </a:lnSpc>
+                        <a:spcBef>
+                          <a:spcPts val="0"/>
+                        </a:spcBef>
+                        <a:spcAft>
+                          <a:spcPts val="0"/>
+                        </a:spcAft>
+                      </a:pPr>
+                      <a:r>
+                        <a:rPr lang="en-US" sz="2400">
+                          <a:effectLst/>
+                        </a:rPr>
+                        <a:t>0.253</a:t>
+                      </a:r>
+                      <a:endParaRPr lang="en-US" sz="3600">
+                        <a:effectLst/>
+                        <a:latin typeface="Times New Roman" panose="02020603050405020304" pitchFamily="18" charset="0"/>
+                        <a:ea typeface="Calibri" panose="020F0502020204030204" pitchFamily="34" charset="0"/>
+                      </a:endParaRPr>
+                    </a:p>
+                  </a:txBody>
+                  <a:tcPr marL="68580" marR="68580" marT="0" marB="0" anchor="b"/>
+                </a:tc>
+                <a:extLst>
+                  <a:ext uri="{0D108BD9-81ED-4DB2-BD59-A6C34878D82A}">
+                    <a16:rowId xmlns:a16="http://schemas.microsoft.com/office/drawing/2014/main" val="251994333"/>
+                  </a:ext>
+                </a:extLst>
+              </a:tr>
+              <a:tr h="582108">
+                <a:tc>
+                  <a:txBody>
+                    <a:bodyPr/>
+                    <a:lstStyle/>
+                    <a:p>
+                      <a:pPr marL="0" marR="0">
+                        <a:lnSpc>
+                          <a:spcPct val="107000"/>
+                        </a:lnSpc>
+                        <a:spcBef>
+                          <a:spcPts val="0"/>
+                        </a:spcBef>
+                        <a:spcAft>
+                          <a:spcPts val="0"/>
+                        </a:spcAft>
+                      </a:pPr>
+                      <a:r>
+                        <a:rPr lang="en-US" sz="1800">
+                          <a:effectLst/>
+                        </a:rPr>
+                        <a:t>Placebo</a:t>
+                      </a:r>
+                      <a:endParaRPr lang="en-US" sz="2800">
+                        <a:effectLst/>
+                        <a:latin typeface="Times New Roman" panose="02020603050405020304" pitchFamily="18" charset="0"/>
+                        <a:ea typeface="Calibri" panose="020F0502020204030204" pitchFamily="34" charset="0"/>
+                      </a:endParaRPr>
+                    </a:p>
+                  </a:txBody>
+                  <a:tcPr marL="68580" marR="68580" marT="0" marB="0" anchor="b"/>
+                </a:tc>
+                <a:tc>
+                  <a:txBody>
+                    <a:bodyPr/>
+                    <a:lstStyle/>
+                    <a:p>
+                      <a:pPr marL="0" marR="0" algn="ctr">
+                        <a:lnSpc>
+                          <a:spcPct val="107000"/>
+                        </a:lnSpc>
+                        <a:spcBef>
+                          <a:spcPts val="0"/>
+                        </a:spcBef>
+                        <a:spcAft>
+                          <a:spcPts val="0"/>
+                        </a:spcAft>
+                      </a:pPr>
+                      <a:r>
+                        <a:rPr lang="en-US" sz="2400" dirty="0">
+                          <a:effectLst/>
+                        </a:rPr>
+                        <a:t>0.042</a:t>
+                      </a:r>
+                      <a:endParaRPr lang="en-US" sz="3600" dirty="0">
+                        <a:effectLst/>
+                        <a:latin typeface="Times New Roman" panose="02020603050405020304" pitchFamily="18" charset="0"/>
+                        <a:ea typeface="Calibri" panose="020F0502020204030204" pitchFamily="34" charset="0"/>
+                      </a:endParaRPr>
+                    </a:p>
+                  </a:txBody>
+                  <a:tcPr marL="68580" marR="68580" marT="0" marB="0" anchor="b"/>
+                </a:tc>
+                <a:tc>
+                  <a:txBody>
+                    <a:bodyPr/>
+                    <a:lstStyle/>
+                    <a:p>
+                      <a:pPr marL="0" marR="0" algn="ctr">
+                        <a:lnSpc>
+                          <a:spcPct val="107000"/>
+                        </a:lnSpc>
+                        <a:spcBef>
+                          <a:spcPts val="0"/>
+                        </a:spcBef>
+                        <a:spcAft>
+                          <a:spcPts val="0"/>
+                        </a:spcAft>
+                      </a:pPr>
+                      <a:r>
+                        <a:rPr lang="en-US" sz="2400" dirty="0">
+                          <a:effectLst/>
+                        </a:rPr>
+                        <a:t>(-0.107 , 0.191)</a:t>
+                      </a:r>
+                      <a:endParaRPr lang="en-US" sz="3600" dirty="0">
+                        <a:effectLst/>
+                        <a:latin typeface="Times New Roman" panose="02020603050405020304" pitchFamily="18" charset="0"/>
+                        <a:ea typeface="Calibri" panose="020F0502020204030204" pitchFamily="34" charset="0"/>
+                      </a:endParaRPr>
+                    </a:p>
+                  </a:txBody>
+                  <a:tcPr marL="68580" marR="68580" marT="0" marB="0" anchor="b"/>
+                </a:tc>
+                <a:tc>
+                  <a:txBody>
+                    <a:bodyPr/>
+                    <a:lstStyle/>
+                    <a:p>
+                      <a:pPr marL="0" marR="0" algn="ctr">
+                        <a:lnSpc>
+                          <a:spcPct val="107000"/>
+                        </a:lnSpc>
+                        <a:spcBef>
+                          <a:spcPts val="0"/>
+                        </a:spcBef>
+                        <a:spcAft>
+                          <a:spcPts val="0"/>
+                        </a:spcAft>
+                      </a:pPr>
+                      <a:r>
+                        <a:rPr lang="en-US" sz="2400">
+                          <a:effectLst/>
+                        </a:rPr>
+                        <a:t>0.582</a:t>
+                      </a:r>
+                      <a:endParaRPr lang="en-US" sz="3600">
+                        <a:effectLst/>
+                        <a:latin typeface="Times New Roman" panose="02020603050405020304" pitchFamily="18" charset="0"/>
+                        <a:ea typeface="Calibri" panose="020F0502020204030204" pitchFamily="34" charset="0"/>
+                      </a:endParaRPr>
+                    </a:p>
+                  </a:txBody>
+                  <a:tcPr marL="68580" marR="68580" marT="0" marB="0" anchor="b"/>
+                </a:tc>
+                <a:extLst>
+                  <a:ext uri="{0D108BD9-81ED-4DB2-BD59-A6C34878D82A}">
+                    <a16:rowId xmlns:a16="http://schemas.microsoft.com/office/drawing/2014/main" val="1016558028"/>
+                  </a:ext>
+                </a:extLst>
+              </a:tr>
+              <a:tr h="582108">
+                <a:tc>
+                  <a:txBody>
+                    <a:bodyPr/>
+                    <a:lstStyle/>
+                    <a:p>
+                      <a:pPr marL="0" marR="0">
+                        <a:lnSpc>
+                          <a:spcPct val="107000"/>
+                        </a:lnSpc>
+                        <a:spcBef>
+                          <a:spcPts val="0"/>
+                        </a:spcBef>
+                        <a:spcAft>
+                          <a:spcPts val="0"/>
+                        </a:spcAft>
+                      </a:pPr>
+                      <a:r>
+                        <a:rPr lang="en-US" sz="1800">
+                          <a:effectLst/>
+                        </a:rPr>
+                        <a:t>Low Dose</a:t>
+                      </a:r>
+                      <a:endParaRPr lang="en-US" sz="2800">
+                        <a:effectLst/>
+                        <a:latin typeface="Times New Roman" panose="02020603050405020304" pitchFamily="18" charset="0"/>
+                        <a:ea typeface="Calibri" panose="020F0502020204030204" pitchFamily="34" charset="0"/>
+                      </a:endParaRPr>
+                    </a:p>
+                  </a:txBody>
+                  <a:tcPr marL="68580" marR="68580" marT="0" marB="0" anchor="b"/>
+                </a:tc>
+                <a:tc>
+                  <a:txBody>
+                    <a:bodyPr/>
+                    <a:lstStyle/>
+                    <a:p>
+                      <a:pPr marL="0" marR="0" algn="ctr">
+                        <a:lnSpc>
+                          <a:spcPct val="107000"/>
+                        </a:lnSpc>
+                        <a:spcBef>
+                          <a:spcPts val="0"/>
+                        </a:spcBef>
+                        <a:spcAft>
+                          <a:spcPts val="0"/>
+                        </a:spcAft>
+                      </a:pPr>
+                      <a:r>
+                        <a:rPr lang="en-US" sz="2400">
+                          <a:effectLst/>
+                        </a:rPr>
+                        <a:t>0.146</a:t>
+                      </a:r>
+                      <a:endParaRPr lang="en-US" sz="3600">
+                        <a:effectLst/>
+                        <a:latin typeface="Times New Roman" panose="02020603050405020304" pitchFamily="18" charset="0"/>
+                        <a:ea typeface="Calibri" panose="020F0502020204030204" pitchFamily="34" charset="0"/>
+                      </a:endParaRPr>
+                    </a:p>
+                  </a:txBody>
+                  <a:tcPr marL="68580" marR="68580" marT="0" marB="0" anchor="b"/>
+                </a:tc>
+                <a:tc>
+                  <a:txBody>
+                    <a:bodyPr/>
+                    <a:lstStyle/>
+                    <a:p>
+                      <a:pPr marL="0" marR="0" algn="ctr">
+                        <a:lnSpc>
+                          <a:spcPct val="107000"/>
+                        </a:lnSpc>
+                        <a:spcBef>
+                          <a:spcPts val="0"/>
+                        </a:spcBef>
+                        <a:spcAft>
+                          <a:spcPts val="0"/>
+                        </a:spcAft>
+                      </a:pPr>
+                      <a:r>
+                        <a:rPr lang="en-US" sz="2400" dirty="0">
+                          <a:effectLst/>
+                        </a:rPr>
+                        <a:t>(-0.003 , 0.295)</a:t>
+                      </a:r>
+                      <a:endParaRPr lang="en-US" sz="3600" dirty="0">
+                        <a:effectLst/>
+                        <a:latin typeface="Times New Roman" panose="02020603050405020304" pitchFamily="18" charset="0"/>
+                        <a:ea typeface="Calibri" panose="020F0502020204030204" pitchFamily="34" charset="0"/>
+                      </a:endParaRPr>
+                    </a:p>
+                  </a:txBody>
+                  <a:tcPr marL="68580" marR="68580" marT="0" marB="0" anchor="b"/>
+                </a:tc>
+                <a:tc>
+                  <a:txBody>
+                    <a:bodyPr/>
+                    <a:lstStyle/>
+                    <a:p>
+                      <a:pPr marL="0" marR="0" algn="ctr">
+                        <a:lnSpc>
+                          <a:spcPct val="107000"/>
+                        </a:lnSpc>
+                        <a:spcBef>
+                          <a:spcPts val="0"/>
+                        </a:spcBef>
+                        <a:spcAft>
+                          <a:spcPts val="0"/>
+                        </a:spcAft>
+                      </a:pPr>
+                      <a:r>
+                        <a:rPr lang="en-US" sz="2400">
+                          <a:effectLst/>
+                        </a:rPr>
+                        <a:t>0.057</a:t>
+                      </a:r>
+                      <a:endParaRPr lang="en-US" sz="3600">
+                        <a:effectLst/>
+                        <a:latin typeface="Times New Roman" panose="02020603050405020304" pitchFamily="18" charset="0"/>
+                        <a:ea typeface="Calibri" panose="020F0502020204030204" pitchFamily="34" charset="0"/>
+                      </a:endParaRPr>
+                    </a:p>
+                  </a:txBody>
+                  <a:tcPr marL="68580" marR="68580" marT="0" marB="0" anchor="b"/>
+                </a:tc>
+                <a:extLst>
+                  <a:ext uri="{0D108BD9-81ED-4DB2-BD59-A6C34878D82A}">
+                    <a16:rowId xmlns:a16="http://schemas.microsoft.com/office/drawing/2014/main" val="4210765807"/>
+                  </a:ext>
+                </a:extLst>
+              </a:tr>
+              <a:tr h="582108">
+                <a:tc>
+                  <a:txBody>
+                    <a:bodyPr/>
+                    <a:lstStyle/>
+                    <a:p>
+                      <a:pPr marL="0" marR="0">
+                        <a:lnSpc>
+                          <a:spcPct val="107000"/>
+                        </a:lnSpc>
+                        <a:spcBef>
+                          <a:spcPts val="0"/>
+                        </a:spcBef>
+                        <a:spcAft>
+                          <a:spcPts val="0"/>
+                        </a:spcAft>
+                      </a:pPr>
+                      <a:r>
+                        <a:rPr lang="en-US" sz="1800">
+                          <a:effectLst/>
+                        </a:rPr>
+                        <a:t>Medium Dose</a:t>
+                      </a:r>
+                      <a:endParaRPr lang="en-US" sz="2800">
+                        <a:effectLst/>
+                        <a:latin typeface="Times New Roman" panose="02020603050405020304" pitchFamily="18" charset="0"/>
+                        <a:ea typeface="Calibri" panose="020F0502020204030204" pitchFamily="34" charset="0"/>
+                      </a:endParaRPr>
+                    </a:p>
+                  </a:txBody>
+                  <a:tcPr marL="68580" marR="68580" marT="0" marB="0" anchor="b"/>
+                </a:tc>
+                <a:tc>
+                  <a:txBody>
+                    <a:bodyPr/>
+                    <a:lstStyle/>
+                    <a:p>
+                      <a:pPr marL="0" marR="0" algn="ctr">
+                        <a:lnSpc>
+                          <a:spcPct val="107000"/>
+                        </a:lnSpc>
+                        <a:spcBef>
+                          <a:spcPts val="0"/>
+                        </a:spcBef>
+                        <a:spcAft>
+                          <a:spcPts val="0"/>
+                        </a:spcAft>
+                      </a:pPr>
+                      <a:r>
+                        <a:rPr lang="en-US" sz="2400">
+                          <a:effectLst/>
+                        </a:rPr>
+                        <a:t>0.176</a:t>
+                      </a:r>
+                      <a:endParaRPr lang="en-US" sz="3600">
+                        <a:effectLst/>
+                        <a:latin typeface="Times New Roman" panose="02020603050405020304" pitchFamily="18" charset="0"/>
+                        <a:ea typeface="Calibri" panose="020F0502020204030204" pitchFamily="34" charset="0"/>
+                      </a:endParaRPr>
+                    </a:p>
+                  </a:txBody>
+                  <a:tcPr marL="68580" marR="68580" marT="0" marB="0" anchor="b"/>
+                </a:tc>
+                <a:tc>
+                  <a:txBody>
+                    <a:bodyPr/>
+                    <a:lstStyle/>
+                    <a:p>
+                      <a:pPr marL="0" marR="0" algn="ctr">
+                        <a:lnSpc>
+                          <a:spcPct val="107000"/>
+                        </a:lnSpc>
+                        <a:spcBef>
+                          <a:spcPts val="0"/>
+                        </a:spcBef>
+                        <a:spcAft>
+                          <a:spcPts val="0"/>
+                        </a:spcAft>
+                      </a:pPr>
+                      <a:r>
+                        <a:rPr lang="en-US" sz="2400" dirty="0">
+                          <a:effectLst/>
+                        </a:rPr>
+                        <a:t>(0.027 , 0.325)</a:t>
+                      </a:r>
+                      <a:endParaRPr lang="en-US" sz="3600" dirty="0">
+                        <a:effectLst/>
+                        <a:latin typeface="Times New Roman" panose="02020603050405020304" pitchFamily="18" charset="0"/>
+                        <a:ea typeface="Calibri" panose="020F0502020204030204" pitchFamily="34" charset="0"/>
+                      </a:endParaRPr>
+                    </a:p>
+                  </a:txBody>
+                  <a:tcPr marL="68580" marR="68580" marT="0" marB="0" anchor="b"/>
+                </a:tc>
+                <a:tc>
+                  <a:txBody>
+                    <a:bodyPr/>
+                    <a:lstStyle/>
+                    <a:p>
+                      <a:pPr marL="0" marR="0" algn="ctr">
+                        <a:lnSpc>
+                          <a:spcPct val="107000"/>
+                        </a:lnSpc>
+                        <a:spcBef>
+                          <a:spcPts val="0"/>
+                        </a:spcBef>
+                        <a:spcAft>
+                          <a:spcPts val="0"/>
+                        </a:spcAft>
+                      </a:pPr>
+                      <a:r>
+                        <a:rPr lang="en-US" sz="2400">
+                          <a:effectLst/>
+                        </a:rPr>
+                        <a:t>0.023</a:t>
+                      </a:r>
+                      <a:endParaRPr lang="en-US" sz="3600">
+                        <a:effectLst/>
+                        <a:latin typeface="Times New Roman" panose="02020603050405020304" pitchFamily="18" charset="0"/>
+                        <a:ea typeface="Calibri" panose="020F0502020204030204" pitchFamily="34" charset="0"/>
+                      </a:endParaRPr>
+                    </a:p>
+                  </a:txBody>
+                  <a:tcPr marL="68580" marR="68580" marT="0" marB="0" anchor="b"/>
+                </a:tc>
+                <a:extLst>
+                  <a:ext uri="{0D108BD9-81ED-4DB2-BD59-A6C34878D82A}">
+                    <a16:rowId xmlns:a16="http://schemas.microsoft.com/office/drawing/2014/main" val="567134855"/>
+                  </a:ext>
+                </a:extLst>
+              </a:tr>
+              <a:tr h="582108">
+                <a:tc>
+                  <a:txBody>
+                    <a:bodyPr/>
+                    <a:lstStyle/>
+                    <a:p>
+                      <a:pPr marL="0" marR="0">
+                        <a:lnSpc>
+                          <a:spcPct val="107000"/>
+                        </a:lnSpc>
+                        <a:spcBef>
+                          <a:spcPts val="0"/>
+                        </a:spcBef>
+                        <a:spcAft>
+                          <a:spcPts val="0"/>
+                        </a:spcAft>
+                      </a:pPr>
+                      <a:r>
+                        <a:rPr lang="en-US" sz="1800">
+                          <a:effectLst/>
+                        </a:rPr>
+                        <a:t>High Dose</a:t>
+                      </a:r>
+                      <a:endParaRPr lang="en-US" sz="2800">
+                        <a:effectLst/>
+                        <a:latin typeface="Times New Roman" panose="02020603050405020304" pitchFamily="18" charset="0"/>
+                        <a:ea typeface="Calibri" panose="020F0502020204030204" pitchFamily="34" charset="0"/>
+                      </a:endParaRPr>
+                    </a:p>
+                  </a:txBody>
+                  <a:tcPr marL="68580" marR="68580" marT="0" marB="0" anchor="b"/>
+                </a:tc>
+                <a:tc>
+                  <a:txBody>
+                    <a:bodyPr/>
+                    <a:lstStyle/>
+                    <a:p>
+                      <a:pPr marL="0" marR="0" algn="ctr">
+                        <a:lnSpc>
+                          <a:spcPct val="107000"/>
+                        </a:lnSpc>
+                        <a:spcBef>
+                          <a:spcPts val="0"/>
+                        </a:spcBef>
+                        <a:spcAft>
+                          <a:spcPts val="0"/>
+                        </a:spcAft>
+                      </a:pPr>
+                      <a:r>
+                        <a:rPr lang="en-US" sz="2400">
+                          <a:effectLst/>
+                        </a:rPr>
+                        <a:t>0.027</a:t>
+                      </a:r>
+                      <a:endParaRPr lang="en-US" sz="3600">
+                        <a:effectLst/>
+                        <a:latin typeface="Times New Roman" panose="02020603050405020304" pitchFamily="18" charset="0"/>
+                        <a:ea typeface="Calibri" panose="020F0502020204030204" pitchFamily="34" charset="0"/>
+                      </a:endParaRPr>
+                    </a:p>
+                  </a:txBody>
+                  <a:tcPr marL="68580" marR="68580" marT="0" marB="0" anchor="b"/>
+                </a:tc>
+                <a:tc>
+                  <a:txBody>
+                    <a:bodyPr/>
+                    <a:lstStyle/>
+                    <a:p>
+                      <a:pPr marL="0" marR="0" algn="ctr">
+                        <a:lnSpc>
+                          <a:spcPct val="107000"/>
+                        </a:lnSpc>
+                        <a:spcBef>
+                          <a:spcPts val="0"/>
+                        </a:spcBef>
+                        <a:spcAft>
+                          <a:spcPts val="0"/>
+                        </a:spcAft>
+                      </a:pPr>
+                      <a:r>
+                        <a:rPr lang="en-US" sz="2400" dirty="0">
+                          <a:effectLst/>
+                        </a:rPr>
+                        <a:t>(-0.132 , 0.186)</a:t>
+                      </a:r>
+                      <a:endParaRPr lang="en-US" sz="3600" dirty="0">
+                        <a:effectLst/>
+                        <a:latin typeface="Times New Roman" panose="02020603050405020304" pitchFamily="18" charset="0"/>
+                        <a:ea typeface="Calibri" panose="020F0502020204030204" pitchFamily="34" charset="0"/>
+                      </a:endParaRPr>
+                    </a:p>
+                  </a:txBody>
+                  <a:tcPr marL="68580" marR="68580" marT="0" marB="0" anchor="b"/>
+                </a:tc>
+                <a:tc>
+                  <a:txBody>
+                    <a:bodyPr/>
+                    <a:lstStyle/>
+                    <a:p>
+                      <a:pPr marL="0" marR="0" algn="ctr">
+                        <a:lnSpc>
+                          <a:spcPct val="107000"/>
+                        </a:lnSpc>
+                        <a:spcBef>
+                          <a:spcPts val="0"/>
+                        </a:spcBef>
+                        <a:spcAft>
+                          <a:spcPts val="0"/>
+                        </a:spcAft>
+                      </a:pPr>
+                      <a:r>
+                        <a:rPr lang="en-US" sz="2400" dirty="0">
+                          <a:effectLst/>
+                        </a:rPr>
+                        <a:t>0.742</a:t>
+                      </a:r>
+                      <a:endParaRPr lang="en-US" sz="3600" dirty="0">
+                        <a:effectLst/>
+                        <a:latin typeface="Times New Roman" panose="02020603050405020304" pitchFamily="18" charset="0"/>
+                        <a:ea typeface="Calibri" panose="020F0502020204030204" pitchFamily="34" charset="0"/>
+                      </a:endParaRPr>
+                    </a:p>
+                  </a:txBody>
+                  <a:tcPr marL="68580" marR="68580" marT="0" marB="0" anchor="b"/>
+                </a:tc>
+                <a:extLst>
+                  <a:ext uri="{0D108BD9-81ED-4DB2-BD59-A6C34878D82A}">
+                    <a16:rowId xmlns:a16="http://schemas.microsoft.com/office/drawing/2014/main" val="3375258679"/>
+                  </a:ext>
+                </a:extLst>
+              </a:tr>
+              <a:tr h="821838">
+                <a:tc>
+                  <a:txBody>
+                    <a:bodyPr/>
+                    <a:lstStyle/>
+                    <a:p>
+                      <a:pPr marL="0" marR="0">
+                        <a:lnSpc>
+                          <a:spcPct val="107000"/>
+                        </a:lnSpc>
+                        <a:spcBef>
+                          <a:spcPts val="0"/>
+                        </a:spcBef>
+                        <a:spcAft>
+                          <a:spcPts val="0"/>
+                        </a:spcAft>
+                      </a:pPr>
+                      <a:r>
+                        <a:rPr lang="en-US" sz="1800">
+                          <a:effectLst/>
+                        </a:rPr>
+                        <a:t>Baseline Attachment</a:t>
+                      </a:r>
+                      <a:endParaRPr lang="en-US" sz="2800">
+                        <a:effectLst/>
+                        <a:latin typeface="Times New Roman" panose="02020603050405020304" pitchFamily="18" charset="0"/>
+                        <a:ea typeface="Calibri" panose="020F0502020204030204" pitchFamily="34" charset="0"/>
+                      </a:endParaRPr>
+                    </a:p>
+                  </a:txBody>
+                  <a:tcPr marL="68580" marR="68580" marT="0" marB="0" anchor="b"/>
+                </a:tc>
+                <a:tc>
+                  <a:txBody>
+                    <a:bodyPr/>
+                    <a:lstStyle/>
+                    <a:p>
+                      <a:pPr marL="0" marR="0" algn="ctr">
+                        <a:lnSpc>
+                          <a:spcPct val="107000"/>
+                        </a:lnSpc>
+                        <a:spcBef>
+                          <a:spcPts val="0"/>
+                        </a:spcBef>
+                        <a:spcAft>
+                          <a:spcPts val="0"/>
+                        </a:spcAft>
+                      </a:pPr>
+                      <a:r>
+                        <a:rPr lang="en-US" sz="2400">
+                          <a:effectLst/>
+                        </a:rPr>
+                        <a:t>-0.129</a:t>
+                      </a:r>
+                      <a:endParaRPr lang="en-US" sz="3600">
+                        <a:effectLst/>
+                        <a:latin typeface="Times New Roman" panose="02020603050405020304" pitchFamily="18" charset="0"/>
+                        <a:ea typeface="Calibri" panose="020F0502020204030204" pitchFamily="34" charset="0"/>
+                      </a:endParaRPr>
+                    </a:p>
+                  </a:txBody>
+                  <a:tcPr marL="68580" marR="68580" marT="0" marB="0" anchor="b"/>
+                </a:tc>
+                <a:tc>
+                  <a:txBody>
+                    <a:bodyPr/>
+                    <a:lstStyle/>
+                    <a:p>
+                      <a:pPr marL="0" marR="0" algn="ctr">
+                        <a:lnSpc>
+                          <a:spcPct val="107000"/>
+                        </a:lnSpc>
+                        <a:spcBef>
+                          <a:spcPts val="0"/>
+                        </a:spcBef>
+                        <a:spcAft>
+                          <a:spcPts val="0"/>
+                        </a:spcAft>
+                      </a:pPr>
+                      <a:r>
+                        <a:rPr lang="en-US" sz="2400" dirty="0">
+                          <a:effectLst/>
+                        </a:rPr>
+                        <a:t>(-0.188 , -0.07)</a:t>
+                      </a:r>
+                      <a:endParaRPr lang="en-US" sz="3600" dirty="0">
+                        <a:effectLst/>
+                        <a:latin typeface="Times New Roman" panose="02020603050405020304" pitchFamily="18" charset="0"/>
+                        <a:ea typeface="Calibri" panose="020F0502020204030204" pitchFamily="34" charset="0"/>
+                      </a:endParaRPr>
+                    </a:p>
+                  </a:txBody>
+                  <a:tcPr marL="68580" marR="68580" marT="0" marB="0" anchor="b"/>
+                </a:tc>
+                <a:tc>
+                  <a:txBody>
+                    <a:bodyPr/>
+                    <a:lstStyle/>
+                    <a:p>
+                      <a:pPr marL="0" marR="0" algn="ctr">
+                        <a:lnSpc>
+                          <a:spcPct val="107000"/>
+                        </a:lnSpc>
+                        <a:spcBef>
+                          <a:spcPts val="0"/>
+                        </a:spcBef>
+                        <a:spcAft>
+                          <a:spcPts val="0"/>
+                        </a:spcAft>
+                      </a:pPr>
+                      <a:r>
+                        <a:rPr lang="en-US" sz="2400" dirty="0">
+                          <a:effectLst/>
+                        </a:rPr>
+                        <a:t>&lt;0.001</a:t>
+                      </a:r>
+                      <a:endParaRPr lang="en-US" sz="3600" dirty="0">
+                        <a:effectLst/>
+                        <a:latin typeface="Times New Roman" panose="02020603050405020304" pitchFamily="18" charset="0"/>
+                        <a:ea typeface="Calibri" panose="020F0502020204030204" pitchFamily="34" charset="0"/>
+                      </a:endParaRPr>
+                    </a:p>
+                  </a:txBody>
+                  <a:tcPr marL="68580" marR="68580" marT="0" marB="0" anchor="b"/>
+                </a:tc>
+                <a:extLst>
+                  <a:ext uri="{0D108BD9-81ED-4DB2-BD59-A6C34878D82A}">
+                    <a16:rowId xmlns:a16="http://schemas.microsoft.com/office/drawing/2014/main" val="1007771614"/>
+                  </a:ext>
+                </a:extLst>
+              </a:tr>
+            </a:tbl>
+          </a:graphicData>
+        </a:graphic>
+      </p:graphicFrame>
+      <p:sp>
+        <p:nvSpPr>
+          <p:cNvPr id="5" name="TextBox 4"/>
+          <p:cNvSpPr txBox="1"/>
+          <p:nvPr/>
+        </p:nvSpPr>
+        <p:spPr>
+          <a:xfrm>
+            <a:off x="3833092" y="5431042"/>
+            <a:ext cx="3934690" cy="1200329"/>
+          </a:xfrm>
+          <a:prstGeom prst="rect">
+            <a:avLst/>
+          </a:prstGeom>
+          <a:noFill/>
+        </p:spPr>
+        <p:txBody>
+          <a:bodyPr wrap="square" rtlCol="0">
+            <a:spAutoFit/>
+          </a:bodyPr>
+          <a:lstStyle/>
+          <a:p>
+            <a:pPr algn="ctr"/>
+            <a:r>
+              <a:rPr lang="en-US" sz="2400" dirty="0" smtClean="0">
+                <a:solidFill>
+                  <a:srgbClr val="FF0000"/>
+                </a:solidFill>
+              </a:rPr>
+              <a:t>Medium dose significant compared to control—but in wrong direction!</a:t>
+            </a:r>
+            <a:endParaRPr lang="en-US" sz="2400" dirty="0">
+              <a:solidFill>
+                <a:srgbClr val="FF0000"/>
+              </a:solidFill>
+            </a:endParaRPr>
+          </a:p>
+        </p:txBody>
+      </p:sp>
+      <p:sp>
+        <p:nvSpPr>
+          <p:cNvPr id="6" name="TextBox 5"/>
+          <p:cNvSpPr txBox="1"/>
+          <p:nvPr/>
+        </p:nvSpPr>
+        <p:spPr>
+          <a:xfrm>
+            <a:off x="7869382" y="5565045"/>
+            <a:ext cx="4073236" cy="830997"/>
+          </a:xfrm>
+          <a:prstGeom prst="rect">
+            <a:avLst/>
+          </a:prstGeom>
+          <a:noFill/>
+        </p:spPr>
+        <p:txBody>
+          <a:bodyPr wrap="square" rtlCol="0">
+            <a:spAutoFit/>
+          </a:bodyPr>
+          <a:lstStyle/>
+          <a:p>
+            <a:pPr algn="ctr"/>
+            <a:r>
+              <a:rPr lang="en-US" sz="2400" dirty="0" smtClean="0">
+                <a:solidFill>
+                  <a:srgbClr val="FF0000"/>
+                </a:solidFill>
+              </a:rPr>
+              <a:t>Baseline significantly predicts difference in attachment</a:t>
+            </a:r>
+            <a:endParaRPr lang="en-US" sz="2400" dirty="0">
+              <a:solidFill>
+                <a:srgbClr val="FF0000"/>
+              </a:solidFill>
+            </a:endParaRPr>
+          </a:p>
+        </p:txBody>
+      </p:sp>
+      <p:sp>
+        <p:nvSpPr>
+          <p:cNvPr id="7" name="Rectangle 6"/>
+          <p:cNvSpPr/>
+          <p:nvPr/>
+        </p:nvSpPr>
+        <p:spPr>
+          <a:xfrm>
+            <a:off x="10178472" y="3306619"/>
+            <a:ext cx="1154545" cy="581890"/>
+          </a:xfrm>
+          <a:prstGeom prst="rect">
+            <a:avLst/>
+          </a:prstGeom>
+          <a:noFill/>
+          <a:ln w="63500">
+            <a:solidFill>
+              <a:srgbClr val="FF0000"/>
+            </a:solidFill>
+          </a:ln>
+        </p:spPr>
+        <p:style>
+          <a:lnRef idx="2">
+            <a:schemeClr val="accent1">
+              <a:shade val="50000"/>
+            </a:schemeClr>
+          </a:lnRef>
+          <a:fillRef idx="1">
+            <a:schemeClr val="accent1"/>
+          </a:fillRef>
+          <a:effectRef idx="0">
+            <a:schemeClr val="accent1"/>
+          </a:effectRef>
+          <a:fontRef idx="minor">
+            <a:schemeClr val="lt1"/>
+          </a:fontRef>
+        </p:style>
+        <p:txBody>
+          <a:bodyPr rtlCol="0" anchor="ctr"/>
+          <a:lstStyle/>
+          <a:p>
+            <a:pPr algn="ctr"/>
+            <a:endParaRPr lang="en-US"/>
+          </a:p>
+        </p:txBody>
+      </p:sp>
+      <p:sp>
+        <p:nvSpPr>
+          <p:cNvPr id="8" name="Rectangle 7"/>
+          <p:cNvSpPr/>
+          <p:nvPr/>
+        </p:nvSpPr>
+        <p:spPr>
+          <a:xfrm>
+            <a:off x="10178473" y="4470400"/>
+            <a:ext cx="1154545" cy="812799"/>
+          </a:xfrm>
+          <a:prstGeom prst="rect">
+            <a:avLst/>
+          </a:prstGeom>
+          <a:noFill/>
+          <a:ln w="63500">
+            <a:solidFill>
+              <a:srgbClr val="FF0000"/>
+            </a:solidFill>
+          </a:ln>
+        </p:spPr>
+        <p:style>
+          <a:lnRef idx="2">
+            <a:schemeClr val="accent1">
+              <a:shade val="50000"/>
+            </a:schemeClr>
+          </a:lnRef>
+          <a:fillRef idx="1">
+            <a:schemeClr val="accent1"/>
+          </a:fillRef>
+          <a:effectRef idx="0">
+            <a:schemeClr val="accent1"/>
+          </a:effectRef>
+          <a:fontRef idx="minor">
+            <a:schemeClr val="lt1"/>
+          </a:fontRef>
+        </p:style>
+        <p:txBody>
+          <a:bodyPr rtlCol="0" anchor="ctr"/>
+          <a:lstStyle/>
+          <a:p>
+            <a:pPr algn="ctr"/>
+            <a:endParaRPr lang="en-US"/>
+          </a:p>
+        </p:txBody>
+      </p:sp>
+    </p:spTree>
+    <p:extLst>
+      <p:ext uri="{BB962C8B-B14F-4D97-AF65-F5344CB8AC3E}">
+        <p14:creationId xmlns:p14="http://schemas.microsoft.com/office/powerpoint/2010/main" val="3691221248"/>
+      </p:ext>
+    </p:extLst>
+  </p:cSld>
+  <p:clrMapOvr>
+    <a:masterClrMapping/>
+  </p:clrMapOvr>
+</p:sld>
+</file>
+
+<file path=ppt/slides/slide7.xml><?xml version="1.0" encoding="utf-8"?>
+<p:sld xmlns:a="http://schemas.openxmlformats.org/drawingml/2006/main" xmlns:r="http://schemas.openxmlformats.org/officeDocument/2006/relationships" xmlns:p="http://schemas.openxmlformats.org/presentationml/2006/main">
+  <p:cSld>
+    <p:spTree>
+      <p:nvGrpSpPr>
+        <p:cNvPr id="1" name=""/>
+        <p:cNvGrpSpPr/>
+        <p:nvPr/>
+      </p:nvGrpSpPr>
+      <p:grpSpPr>
+        <a:xfrm>
+          <a:off x="0" y="0"/>
+          <a:ext cx="0" cy="0"/>
+          <a:chOff x="0" y="0"/>
+          <a:chExt cx="0" cy="0"/>
+        </a:xfrm>
+      </p:grpSpPr>
+      <p:sp>
+        <p:nvSpPr>
+          <p:cNvPr id="2" name="Title 1"/>
+          <p:cNvSpPr>
+            <a:spLocks noGrp="1"/>
+          </p:cNvSpPr>
+          <p:nvPr>
+            <p:ph type="title"/>
+          </p:nvPr>
+        </p:nvSpPr>
+        <p:spPr/>
+        <p:txBody>
+          <a:bodyPr/>
+          <a:lstStyle/>
+          <a:p>
+            <a:r>
+              <a:rPr lang="en-US" dirty="0" smtClean="0"/>
+              <a:t>Results and Limitations</a:t>
+            </a:r>
+            <a:endParaRPr lang="en-US" dirty="0"/>
+          </a:p>
+        </p:txBody>
+      </p:sp>
+      <p:sp>
+        <p:nvSpPr>
+          <p:cNvPr id="3" name="Content Placeholder 2"/>
+          <p:cNvSpPr>
+            <a:spLocks noGrp="1"/>
+          </p:cNvSpPr>
+          <p:nvPr>
+            <p:ph idx="1"/>
+          </p:nvPr>
+        </p:nvSpPr>
+        <p:spPr/>
+        <p:txBody>
+          <a:bodyPr>
+            <a:normAutofit lnSpcReduction="10000"/>
+          </a:bodyPr>
+          <a:lstStyle/>
+          <a:p>
+            <a:r>
+              <a:rPr lang="en-US" sz="3200" u="sng" dirty="0" smtClean="0"/>
+              <a:t>Results:</a:t>
+            </a:r>
+            <a:r>
+              <a:rPr lang="en-US" sz="3200" dirty="0" smtClean="0"/>
+              <a:t> </a:t>
+            </a:r>
+          </a:p>
+          <a:p>
+            <a:pPr lvl="1"/>
+            <a:r>
+              <a:rPr lang="en-US" sz="2800" dirty="0" smtClean="0"/>
+              <a:t>Treatment does </a:t>
+            </a:r>
+            <a:r>
+              <a:rPr lang="en-US" sz="2800" b="1" dirty="0" smtClean="0"/>
+              <a:t>not </a:t>
+            </a:r>
+            <a:r>
+              <a:rPr lang="en-US" sz="2800" dirty="0" smtClean="0"/>
+              <a:t>result in (1) lower average pocket depth and does </a:t>
+            </a:r>
+            <a:r>
+              <a:rPr lang="en-US" sz="2800" b="1" dirty="0" smtClean="0"/>
+              <a:t>not </a:t>
+            </a:r>
+            <a:r>
+              <a:rPr lang="en-US" sz="2800" dirty="0" smtClean="0"/>
+              <a:t>result in (2) lower attachment loss after 1 year compared to control and placebo.</a:t>
+            </a:r>
+          </a:p>
+          <a:p>
+            <a:pPr marL="457200" lvl="1" indent="0">
+              <a:buNone/>
+            </a:pPr>
+            <a:endParaRPr lang="en-US" sz="1600" b="1" dirty="0" smtClean="0"/>
+          </a:p>
+          <a:p>
+            <a:r>
+              <a:rPr lang="en-US" sz="3200" u="sng" dirty="0" smtClean="0"/>
+              <a:t>Limitations:</a:t>
+            </a:r>
+            <a:r>
+              <a:rPr lang="en-US" sz="3200" dirty="0" smtClean="0"/>
+              <a:t> </a:t>
+            </a:r>
+          </a:p>
+          <a:p>
+            <a:pPr lvl="1"/>
+            <a:r>
+              <a:rPr lang="en-US" sz="2800" dirty="0" smtClean="0"/>
+              <a:t>Study population is primarily white adults with higher proportion of smokers than general population </a:t>
+            </a:r>
+          </a:p>
+          <a:p>
+            <a:pPr lvl="1"/>
+            <a:r>
+              <a:rPr lang="en-US" sz="2800" dirty="0" smtClean="0"/>
+              <a:t>Missing 27 outcomes, so sample size was reduced (especially in men in high concentration treatment group)</a:t>
+            </a:r>
+          </a:p>
+          <a:p>
+            <a:pPr marL="457200" lvl="1" indent="0">
+              <a:buNone/>
+            </a:pPr>
+            <a:endParaRPr lang="en-US" dirty="0" smtClean="0"/>
+          </a:p>
+          <a:p>
+            <a:endParaRPr lang="en-US" dirty="0"/>
+          </a:p>
+        </p:txBody>
+      </p:sp>
+    </p:spTree>
+    <p:extLst>
+      <p:ext uri="{BB962C8B-B14F-4D97-AF65-F5344CB8AC3E}">
+        <p14:creationId xmlns:p14="http://schemas.microsoft.com/office/powerpoint/2010/main" val="3775428710"/>
       </p:ext>
     </p:extLst>
   </p:cSld>
@@ -3213,93 +6383,58 @@
 </file>
 
 <file path=ppt/theme/theme1.xml><?xml version="1.0" encoding="utf-8"?>
-<a:theme xmlns:a="http://schemas.openxmlformats.org/drawingml/2006/main" name="Office Theme">
+<a:theme xmlns:a="http://schemas.openxmlformats.org/drawingml/2006/main" name="Frame">
   <a:themeElements>
-    <a:clrScheme name="Office">
+    <a:clrScheme name="Frame">
       <a:dk1>
-        <a:sysClr val="windowText" lastClr="000000"/>
+        <a:srgbClr val="000000"/>
       </a:dk1>
       <a:lt1>
-        <a:sysClr val="window" lastClr="FFFFFF"/>
+        <a:srgbClr val="FFFFFF"/>
       </a:lt1>
       <a:dk2>
-        <a:srgbClr val="44546A"/>
+        <a:srgbClr val="545454"/>
       </a:dk2>
       <a:lt2>
-        <a:srgbClr val="E7E6E6"/>
+        <a:srgbClr val="BFBFBF"/>
       </a:lt2>
       <a:accent1>
-        <a:srgbClr val="5B9BD5"/>
+        <a:srgbClr val="40BAD2"/>
       </a:accent1>
       <a:accent2>
-        <a:srgbClr val="ED7D31"/>
+        <a:srgbClr val="FAB900"/>
       </a:accent2>
       <a:accent3>
-        <a:srgbClr val="A5A5A5"/>
+        <a:srgbClr val="90BB23"/>
       </a:accent3>
       <a:accent4>
-        <a:srgbClr val="FFC000"/>
+        <a:srgbClr val="EE7008"/>
       </a:accent4>
       <a:accent5>
-        <a:srgbClr val="4472C4"/>
+        <a:srgbClr val="1AB39F"/>
       </a:accent5>
       <a:accent6>
-        <a:srgbClr val="70AD47"/>
+        <a:srgbClr val="D5393D"/>
       </a:accent6>
       <a:hlink>
-        <a:srgbClr val="0563C1"/>
+        <a:srgbClr val="90BB23"/>
       </a:hlink>
       <a:folHlink>
-        <a:srgbClr val="954F72"/>
+        <a:srgbClr val="EE7008"/>
       </a:folHlink>
     </a:clrScheme>
-    <a:fontScheme name="Office">
+    <a:fontScheme name="Frame">
       <a:majorFont>
-        <a:latin typeface="Calibri Light" panose="020F0302020204030204"/>
+        <a:latin typeface="Corbel" panose="020B0503020204020204"/>
         <a:ea typeface=""/>
         <a:cs typeface=""/>
-        <a:font script="Jpan" typeface="游ゴシック Light"/>
-        <a:font script="Hang" typeface="맑은 고딕"/>
-        <a:font script="Hans" typeface="等线 Light"/>
-        <a:font script="Hant" typeface="新細明體"/>
-        <a:font script="Arab" typeface="Times New Roman"/>
-        <a:font script="Hebr" typeface="Times New Roman"/>
-        <a:font script="Thai" typeface="Angsana New"/>
-        <a:font script="Ethi" typeface="Nyala"/>
-        <a:font script="Beng" typeface="Vrinda"/>
-        <a:font script="Gujr" typeface="Shruti"/>
-        <a:font script="Khmr" typeface="MoolBoran"/>
-        <a:font script="Knda" typeface="Tunga"/>
-        <a:font script="Guru" typeface="Raavi"/>
-        <a:font script="Cans" typeface="Euphemia"/>
-        <a:font script="Cher" typeface="Plantagenet Cherokee"/>
-        <a:font script="Yiii" typeface="Microsoft Yi Baiti"/>
-        <a:font script="Tibt" typeface="Microsoft Himalaya"/>
-        <a:font script="Thaa" typeface="MV Boli"/>
-        <a:font script="Deva" typeface="Mangal"/>
-        <a:font script="Telu" typeface="Gautami"/>
-        <a:font script="Taml" typeface="Latha"/>
-        <a:font script="Syrc" typeface="Estrangelo Edessa"/>
-        <a:font script="Orya" typeface="Kalinga"/>
-        <a:font script="Mlym" typeface="Kartika"/>
-        <a:font script="Laoo" typeface="DokChampa"/>
-        <a:font script="Sinh" typeface="Iskoola Pota"/>
-        <a:font script="Mong" typeface="Mongolian Baiti"/>
-        <a:font script="Viet" typeface="Times New Roman"/>
-        <a:font script="Uigh" typeface="Microsoft Uighur"/>
-        <a:font script="Geor" typeface="Sylfaen"/>
-      </a:majorFont>
-      <a:minorFont>
-        <a:latin typeface="Calibri" panose="020F0502020204030204"/>
-        <a:ea typeface=""/>
-        <a:cs typeface=""/>
-        <a:font script="Jpan" typeface="游ゴシック"/>
-        <a:font script="Hang" typeface="맑은 고딕"/>
-        <a:font script="Hans" typeface="等线"/>
-        <a:font script="Hant" typeface="新細明體"/>
-        <a:font script="Arab" typeface="Arial"/>
-        <a:font script="Hebr" typeface="Arial"/>
-        <a:font script="Thai" typeface="Cordia New"/>
+        <a:font script="Jpan" typeface="ＭＳ ゴシック"/>
+        <a:font script="Hang" typeface="HY중고딕"/>
+        <a:font script="Hans" typeface="幼圆"/>
+        <a:font script="Hant" typeface="微軟正黑體"/>
+        <a:font script="Arab" typeface="Tahoma"/>
+        <a:font script="Hebr" typeface="Gisha"/>
+        <a:font script="Thai" typeface="DilleniaUPC"/>
         <a:font script="Ethi" typeface="Nyala"/>
         <a:font script="Beng" typeface="Vrinda"/>
         <a:font script="Gujr" typeface="Shruti"/>
@@ -3320,90 +6455,85 @@
         <a:font script="Laoo" typeface="DokChampa"/>
         <a:font script="Sinh" typeface="Iskoola Pota"/>
         <a:font script="Mong" typeface="Mongolian Baiti"/>
-        <a:font script="Viet" typeface="Arial"/>
+        <a:font script="Viet" typeface="Tahoma"/>
+        <a:font script="Uigh" typeface="Microsoft Uighur"/>
+        <a:font script="Geor" typeface="Sylfaen"/>
+      </a:majorFont>
+      <a:minorFont>
+        <a:latin typeface="Corbel" panose="020B0503020204020204"/>
+        <a:ea typeface=""/>
+        <a:cs typeface=""/>
+        <a:font script="Jpan" typeface="ＭＳ ゴシック"/>
+        <a:font script="Hang" typeface="HY중고딕"/>
+        <a:font script="Hans" typeface="幼圆"/>
+        <a:font script="Hant" typeface="微軟正黑體"/>
+        <a:font script="Arab" typeface="Tahoma"/>
+        <a:font script="Hebr" typeface="Gisha"/>
+        <a:font script="Thai" typeface="DilleniaUPC"/>
+        <a:font script="Ethi" typeface="Nyala"/>
+        <a:font script="Beng" typeface="Vrinda"/>
+        <a:font script="Gujr" typeface="Shruti"/>
+        <a:font script="Khmr" typeface="DaunPenh"/>
+        <a:font script="Knda" typeface="Tunga"/>
+        <a:font script="Guru" typeface="Raavi"/>
+        <a:font script="Cans" typeface="Euphemia"/>
+        <a:font script="Cher" typeface="Plantagenet Cherokee"/>
+        <a:font script="Yiii" typeface="Microsoft Yi Baiti"/>
+        <a:font script="Tibt" typeface="Microsoft Himalaya"/>
+        <a:font script="Thaa" typeface="MV Boli"/>
+        <a:font script="Deva" typeface="Mangal"/>
+        <a:font script="Telu" typeface="Gautami"/>
+        <a:font script="Taml" typeface="Latha"/>
+        <a:font script="Syrc" typeface="Estrangelo Edessa"/>
+        <a:font script="Orya" typeface="Kalinga"/>
+        <a:font script="Mlym" typeface="Kartika"/>
+        <a:font script="Laoo" typeface="DokChampa"/>
+        <a:font script="Sinh" typeface="Iskoola Pota"/>
+        <a:font script="Mong" typeface="Mongolian Baiti"/>
+        <a:font script="Viet" typeface="Verdana"/>
         <a:font script="Uigh" typeface="Microsoft Uighur"/>
         <a:font script="Geor" typeface="Sylfaen"/>
       </a:minorFont>
     </a:fontScheme>
-    <a:fmtScheme name="Office">
+    <a:fmtScheme name="Frame">
       <a:fillStyleLst>
         <a:solidFill>
           <a:schemeClr val="phClr"/>
         </a:solidFill>
-        <a:gradFill rotWithShape="1">
-          <a:gsLst>
-            <a:gs pos="0">
-              <a:schemeClr val="phClr">
-                <a:lumMod val="110000"/>
-                <a:satMod val="105000"/>
-                <a:tint val="67000"/>
-              </a:schemeClr>
-            </a:gs>
-            <a:gs pos="50000">
-              <a:schemeClr val="phClr">
-                <a:lumMod val="105000"/>
-                <a:satMod val="103000"/>
-                <a:tint val="73000"/>
-              </a:schemeClr>
-            </a:gs>
-            <a:gs pos="100000">
-              <a:schemeClr val="phClr">
-                <a:lumMod val="105000"/>
-                <a:satMod val="109000"/>
-                <a:tint val="81000"/>
-              </a:schemeClr>
-            </a:gs>
-          </a:gsLst>
-          <a:lin ang="5400000" scaled="0"/>
-        </a:gradFill>
-        <a:gradFill rotWithShape="1">
-          <a:gsLst>
-            <a:gs pos="0">
-              <a:schemeClr val="phClr">
-                <a:satMod val="103000"/>
-                <a:lumMod val="102000"/>
-                <a:tint val="94000"/>
-              </a:schemeClr>
-            </a:gs>
-            <a:gs pos="50000">
-              <a:schemeClr val="phClr">
-                <a:satMod val="110000"/>
-                <a:lumMod val="100000"/>
-                <a:shade val="100000"/>
-              </a:schemeClr>
-            </a:gs>
-            <a:gs pos="100000">
-              <a:schemeClr val="phClr">
-                <a:lumMod val="99000"/>
-                <a:satMod val="120000"/>
-                <a:shade val="78000"/>
-              </a:schemeClr>
-            </a:gs>
-          </a:gsLst>
-          <a:lin ang="5400000" scaled="0"/>
-        </a:gradFill>
+        <a:solidFill>
+          <a:schemeClr val="phClr">
+            <a:tint val="65000"/>
+          </a:schemeClr>
+        </a:solidFill>
+        <a:solidFill>
+          <a:schemeClr val="phClr">
+            <a:shade val="80000"/>
+            <a:satMod val="150000"/>
+          </a:schemeClr>
+        </a:solidFill>
       </a:fillStyleLst>
       <a:lnStyleLst>
-        <a:ln w="6350" cap="flat" cmpd="sng" algn="ctr">
+        <a:ln w="9525" cap="flat" cmpd="sng" algn="ctr">
           <a:solidFill>
             <a:schemeClr val="phClr"/>
           </a:solidFill>
           <a:prstDash val="solid"/>
-          <a:miter lim="800000"/>
         </a:ln>
-        <a:ln w="12700" cap="flat" cmpd="sng" algn="ctr">
+        <a:ln w="10795" cap="flat" cmpd="sng" algn="ctr">
           <a:solidFill>
             <a:schemeClr val="phClr"/>
           </a:solidFill>
           <a:prstDash val="solid"/>
-          <a:miter lim="800000"/>
         </a:ln>
-        <a:ln w="19050" cap="flat" cmpd="sng" algn="ctr">
+        <a:ln w="17145" cap="flat" cmpd="sng" algn="ctr">
           <a:solidFill>
-            <a:schemeClr val="phClr"/>
+            <a:schemeClr val="phClr">
+              <a:shade val="95000"/>
+              <a:alpha val="50000"/>
+              <a:satMod val="150000"/>
+            </a:schemeClr>
           </a:solidFill>
           <a:prstDash val="solid"/>
-          <a:miter lim="800000"/>
         </a:ln>
       </a:lnStyleLst>
       <a:effectStyleLst>
@@ -3415,12 +6545,21 @@
         </a:effectStyle>
         <a:effectStyle>
           <a:effectLst>
-            <a:outerShdw blurRad="57150" dist="19050" dir="5400000" algn="ctr" rotWithShape="0">
+            <a:outerShdw blurRad="44450" dist="13970" dir="5400000" algn="ctr" rotWithShape="0">
               <a:srgbClr val="000000">
-                <a:alpha val="63000"/>
+                <a:alpha val="45000"/>
               </a:srgbClr>
             </a:outerShdw>
           </a:effectLst>
+          <a:scene3d>
+            <a:camera prst="orthographicFront">
+              <a:rot lat="0" lon="0" rev="0"/>
+            </a:camera>
+            <a:lightRig rig="twoPt" dir="tl"/>
+          </a:scene3d>
+          <a:sp3d prstMaterial="flat">
+            <a:bevelT w="12700" h="25400" prst="coolSlant"/>
+          </a:sp3d>
         </a:effectStyle>
       </a:effectStyleLst>
       <a:bgFillStyleLst>
@@ -3438,23 +6577,24 @@
             <a:gs pos="0">
               <a:schemeClr val="phClr">
                 <a:tint val="93000"/>
-                <a:satMod val="150000"/>
                 <a:shade val="98000"/>
+                <a:satMod val="120000"/>
                 <a:lumMod val="102000"/>
               </a:schemeClr>
             </a:gs>
-            <a:gs pos="50000">
+            <a:gs pos="48000">
               <a:schemeClr val="phClr">
                 <a:tint val="98000"/>
-                <a:satMod val="130000"/>
                 <a:shade val="90000"/>
+                <a:satMod val="110000"/>
                 <a:lumMod val="103000"/>
               </a:schemeClr>
             </a:gs>
             <a:gs pos="100000">
               <a:schemeClr val="phClr">
-                <a:shade val="63000"/>
-                <a:satMod val="120000"/>
+                <a:tint val="98000"/>
+                <a:shade val="80000"/>
+                <a:satMod val="100000"/>
               </a:schemeClr>
             </a:gs>
           </a:gsLst>
@@ -3467,7 +6607,7 @@
   <a:extraClrSchemeLst/>
   <a:extLst>
     <a:ext uri="{05A4C25C-085E-4340-85A3-A5531E510DB2}">
-      <thm15:themeFamily xmlns:thm15="http://schemas.microsoft.com/office/thememl/2012/main" name="Office Theme" id="{62F939B6-93AF-4DB8-9C6B-D6C7DFDC589F}" vid="{4A3C46E8-61CC-4603-A589-7422A47A8E4A}"/>
+      <thm15:themeFamily xmlns:thm15="http://schemas.microsoft.com/office/thememl/2012/main" name="Frame" id="{F226E7A2-7162-461C-9490-D27D9DC04E43}" vid="{629A0216-3BBD-45C0-B63F-2683BEA18F60}"/>
     </a:ext>
   </a:extLst>
 </a:theme>

--- a/Project0/Reports/Project 0 Presentation.pptx
+++ b/Project0/Reports/Project 0 Presentation.pptx
@@ -342,7 +342,7 @@
           <a:p>
             <a:fld id="{A887B056-B08C-455C-83BC-8337B7A7C509}" type="datetimeFigureOut">
               <a:rPr lang="en-US" smtClean="0"/>
-              <a:t>9/11/2017</a:t>
+              <a:t>9/12/2017</a:t>
             </a:fld>
             <a:endParaRPr lang="en-US"/>
           </a:p>
@@ -512,7 +512,7 @@
           <a:p>
             <a:fld id="{A887B056-B08C-455C-83BC-8337B7A7C509}" type="datetimeFigureOut">
               <a:rPr lang="en-US" smtClean="0"/>
-              <a:t>9/11/2017</a:t>
+              <a:t>9/12/2017</a:t>
             </a:fld>
             <a:endParaRPr lang="en-US"/>
           </a:p>
@@ -692,7 +692,7 @@
           <a:p>
             <a:fld id="{A887B056-B08C-455C-83BC-8337B7A7C509}" type="datetimeFigureOut">
               <a:rPr lang="en-US" smtClean="0"/>
-              <a:t>9/11/2017</a:t>
+              <a:t>9/12/2017</a:t>
             </a:fld>
             <a:endParaRPr lang="en-US"/>
           </a:p>
@@ -862,7 +862,7 @@
           <a:p>
             <a:fld id="{A887B056-B08C-455C-83BC-8337B7A7C509}" type="datetimeFigureOut">
               <a:rPr lang="en-US" smtClean="0"/>
-              <a:t>9/11/2017</a:t>
+              <a:t>9/12/2017</a:t>
             </a:fld>
             <a:endParaRPr lang="en-US"/>
           </a:p>
@@ -1120,7 +1120,7 @@
           <a:p>
             <a:fld id="{A887B056-B08C-455C-83BC-8337B7A7C509}" type="datetimeFigureOut">
               <a:rPr lang="en-US" smtClean="0"/>
-              <a:t>9/11/2017</a:t>
+              <a:t>9/12/2017</a:t>
             </a:fld>
             <a:endParaRPr lang="en-US"/>
           </a:p>
@@ -1408,7 +1408,7 @@
           <a:p>
             <a:fld id="{A887B056-B08C-455C-83BC-8337B7A7C509}" type="datetimeFigureOut">
               <a:rPr lang="en-US" smtClean="0"/>
-              <a:t>9/11/2017</a:t>
+              <a:t>9/12/2017</a:t>
             </a:fld>
             <a:endParaRPr lang="en-US"/>
           </a:p>
@@ -1850,7 +1850,7 @@
           <a:p>
             <a:fld id="{A887B056-B08C-455C-83BC-8337B7A7C509}" type="datetimeFigureOut">
               <a:rPr lang="en-US" smtClean="0"/>
-              <a:t>9/11/2017</a:t>
+              <a:t>9/12/2017</a:t>
             </a:fld>
             <a:endParaRPr lang="en-US"/>
           </a:p>
@@ -1968,7 +1968,7 @@
           <a:p>
             <a:fld id="{A887B056-B08C-455C-83BC-8337B7A7C509}" type="datetimeFigureOut">
               <a:rPr lang="en-US" smtClean="0"/>
-              <a:t>9/11/2017</a:t>
+              <a:t>9/12/2017</a:t>
             </a:fld>
             <a:endParaRPr lang="en-US"/>
           </a:p>
@@ -2063,7 +2063,7 @@
           <a:p>
             <a:fld id="{A887B056-B08C-455C-83BC-8337B7A7C509}" type="datetimeFigureOut">
               <a:rPr lang="en-US" smtClean="0"/>
-              <a:t>9/11/2017</a:t>
+              <a:t>9/12/2017</a:t>
             </a:fld>
             <a:endParaRPr lang="en-US"/>
           </a:p>
@@ -2351,7 +2351,7 @@
           <a:p>
             <a:fld id="{A887B056-B08C-455C-83BC-8337B7A7C509}" type="datetimeFigureOut">
               <a:rPr lang="en-US" smtClean="0"/>
-              <a:t>9/11/2017</a:t>
+              <a:t>9/12/2017</a:t>
             </a:fld>
             <a:endParaRPr lang="en-US"/>
           </a:p>
@@ -2624,7 +2624,7 @@
           <a:p>
             <a:fld id="{A887B056-B08C-455C-83BC-8337B7A7C509}" type="datetimeFigureOut">
               <a:rPr lang="en-US" smtClean="0"/>
-              <a:t>9/11/2017</a:t>
+              <a:t>9/12/2017</a:t>
             </a:fld>
             <a:endParaRPr lang="en-US"/>
           </a:p>
@@ -2921,7 +2921,7 @@
           <a:p>
             <a:fld id="{A887B056-B08C-455C-83BC-8337B7A7C509}" type="datetimeFigureOut">
               <a:rPr lang="en-US" smtClean="0"/>
-              <a:t>9/11/2017</a:t>
+              <a:t>9/12/2017</a:t>
             </a:fld>
             <a:endParaRPr lang="en-US"/>
           </a:p>
@@ -3555,7 +3555,15 @@
             </a:r>
             <a:r>
               <a:rPr lang="en-US" sz="3200" dirty="0" smtClean="0"/>
-              <a:t> Does application of a new gel for treatment gum disease result in (1) lower average pocket depth and (2) attachment loss after 1 year?</a:t>
+              <a:t> Does application of a new gel for treatment gum disease result in (1) lower average pocket depth and (2</a:t>
+            </a:r>
+            <a:r>
+              <a:rPr lang="en-US" sz="3200" dirty="0" smtClean="0"/>
+              <a:t>) lower </a:t>
+            </a:r>
+            <a:r>
+              <a:rPr lang="en-US" sz="3200" dirty="0" smtClean="0"/>
+              <a:t>attachment loss after 1 year?</a:t>
             </a:r>
           </a:p>
           <a:p>
@@ -3571,15 +3579,7 @@
             </a:r>
             <a:r>
               <a:rPr lang="en-US" sz="3200" dirty="0" smtClean="0"/>
-              <a:t> Treatment will result in (1) lower average pocket depth and (2) </a:t>
-            </a:r>
-            <a:r>
-              <a:rPr lang="en-US" sz="3200" dirty="0" smtClean="0"/>
-              <a:t>lower attachment </a:t>
-            </a:r>
-            <a:r>
-              <a:rPr lang="en-US" sz="3200" dirty="0" smtClean="0"/>
-              <a:t>loss after 1 year compared to the control and placebo groups</a:t>
+              <a:t> Treatment will result in (1) lower average pocket depth and (2) lower attachment loss after 1 year compared to the control and placebo groups</a:t>
             </a:r>
             <a:r>
               <a:rPr lang="en-US" dirty="0" smtClean="0"/>
@@ -3655,13 +3655,13 @@
         </p:nvSpPr>
         <p:spPr>
           <a:xfrm>
-            <a:off x="3609109" y="1459778"/>
-            <a:ext cx="9894456" cy="4676775"/>
+            <a:off x="3564775" y="836815"/>
+            <a:ext cx="9894456" cy="5852159"/>
           </a:xfrm>
         </p:spPr>
         <p:txBody>
           <a:bodyPr>
-            <a:normAutofit fontScale="92500" lnSpcReduction="20000"/>
+            <a:normAutofit/>
           </a:bodyPr>
           <a:lstStyle/>
           <a:p>
@@ -3730,13 +3730,25 @@
             <a:pPr lvl="1"/>
             <a:r>
               <a:rPr lang="en-US" sz="2800" dirty="0" smtClean="0"/>
-              <a:t>Not included in analysis, since trial was randomized </a:t>
+              <a:t>Not included </a:t>
+            </a:r>
+            <a:r>
+              <a:rPr lang="en-US" sz="2800" dirty="0" smtClean="0"/>
+              <a:t>in models </a:t>
+            </a:r>
+            <a:r>
+              <a:rPr lang="en-US" sz="2800" dirty="0" smtClean="0"/>
+              <a:t>since trial was randomized </a:t>
             </a:r>
           </a:p>
           <a:p>
             <a:r>
               <a:rPr lang="en-US" sz="3200" dirty="0" smtClean="0"/>
-              <a:t>Outcomes</a:t>
+              <a:t>Clinical o</a:t>
+            </a:r>
+            <a:r>
+              <a:rPr lang="en-US" sz="3200" dirty="0" smtClean="0"/>
+              <a:t>utcomes</a:t>
             </a:r>
             <a:endParaRPr lang="en-US" sz="3200" dirty="0"/>
           </a:p>
@@ -3843,8 +3855,8 @@
         </p:nvSpPr>
         <p:spPr>
           <a:xfrm>
-            <a:off x="3006437" y="1570615"/>
-            <a:ext cx="10515600" cy="4351338"/>
+            <a:off x="3006437" y="1310149"/>
+            <a:ext cx="10515600" cy="4708266"/>
           </a:xfrm>
         </p:spPr>
         <p:txBody>
@@ -3862,12 +3874,20 @@
           <a:p>
             <a:pPr lvl="1"/>
             <a:r>
+              <a:rPr lang="en-US" sz="3200" dirty="0" smtClean="0"/>
+              <a:t>Model o</a:t>
+            </a:r>
+            <a:r>
+              <a:rPr lang="en-US" sz="3200" dirty="0" smtClean="0"/>
+              <a:t>utcome</a:t>
+            </a:r>
+            <a:r>
               <a:rPr lang="en-US" sz="3200" dirty="0"/>
-              <a:t>Outcome: difference in dental measurement </a:t>
+              <a:t>: difference in dental </a:t>
             </a:r>
             <a:r>
               <a:rPr lang="en-US" sz="3200" dirty="0" smtClean="0"/>
-              <a:t>                  from </a:t>
+              <a:t>                               measurement from </a:t>
             </a:r>
             <a:r>
               <a:rPr lang="en-US" sz="3200" dirty="0"/>
@@ -3941,30 +3961,116 @@
           <a:chExt cx="0" cy="0"/>
         </a:xfrm>
       </p:grpSpPr>
-      <p:sp>
-        <p:nvSpPr>
-          <p:cNvPr id="2" name="Title 1"/>
-          <p:cNvSpPr>
-            <a:spLocks noGrp="1"/>
-          </p:cNvSpPr>
-          <p:nvPr>
-            <p:ph type="title"/>
-          </p:nvPr>
-        </p:nvSpPr>
-        <p:spPr/>
-        <p:txBody>
-          <a:bodyPr/>
-          <a:lstStyle/>
-          <a:p>
-            <a:pPr algn="ctr"/>
-            <a:r>
-              <a:rPr lang="en-US" dirty="0" smtClean="0"/>
-              <a:t>Outcome 1: Difference in pocket depth</a:t>
-            </a:r>
-            <a:endParaRPr lang="en-US" dirty="0"/>
-          </a:p>
-        </p:txBody>
-      </p:sp>
+      <mc:AlternateContent xmlns:mc="http://schemas.openxmlformats.org/markup-compatibility/2006">
+        <mc:Choice xmlns:a14="http://schemas.microsoft.com/office/drawing/2010/main" Requires="a14">
+          <p:sp>
+            <p:nvSpPr>
+              <p:cNvPr id="2" name="Title 1"/>
+              <p:cNvSpPr>
+                <a:spLocks noGrp="1"/>
+              </p:cNvSpPr>
+              <p:nvPr>
+                <p:ph type="title"/>
+              </p:nvPr>
+            </p:nvSpPr>
+            <p:spPr/>
+            <p:txBody>
+              <a:bodyPr/>
+              <a:lstStyle/>
+              <a:p>
+                <a:pPr algn="ctr"/>
+                <a:r>
+                  <a:rPr lang="en-US" dirty="0" smtClean="0"/>
+                  <a:t>Outcome 1: Difference in pocket depth</a:t>
+                </a:r>
+                <a:br>
+                  <a:rPr lang="en-US" dirty="0" smtClean="0"/>
+                </a:br>
+                <a:r>
+                  <a:rPr lang="en-US" dirty="0" smtClean="0"/>
+                  <a:t/>
+                </a:r>
+                <a:br>
+                  <a:rPr lang="en-US" dirty="0" smtClean="0"/>
+                </a:br>
+                <a:r>
+                  <a:rPr lang="en-US" sz="2800" dirty="0" smtClean="0"/>
+                  <a:t>(</a:t>
+                </a:r>
+                <a14:m>
+                  <m:oMath xmlns:m="http://schemas.openxmlformats.org/officeDocument/2006/math">
+                    <m:sSub>
+                      <m:sSubPr>
+                        <m:ctrlPr>
+                          <a:rPr lang="en-US" sz="2800" b="0" i="1" smtClean="0">
+                            <a:latin typeface="Cambria Math" panose="02040503050406030204" pitchFamily="18" charset="0"/>
+                          </a:rPr>
+                        </m:ctrlPr>
+                      </m:sSubPr>
+                      <m:e>
+                        <m:r>
+                          <a:rPr lang="en-US" sz="2800" b="0" i="1" smtClean="0">
+                            <a:latin typeface="Cambria Math" panose="02040503050406030204" pitchFamily="18" charset="0"/>
+                          </a:rPr>
+                          <m:t>𝜇</m:t>
+                        </m:r>
+                      </m:e>
+                      <m:sub>
+                        <m:r>
+                          <a:rPr lang="en-US" sz="2800" b="0" i="1" smtClean="0">
+                            <a:latin typeface="Cambria Math" panose="02040503050406030204" pitchFamily="18" charset="0"/>
+                          </a:rPr>
+                          <m:t>𝑑𝑖𝑓𝑓</m:t>
+                        </m:r>
+                      </m:sub>
+                    </m:sSub>
+                    <m:r>
+                      <a:rPr lang="en-US" sz="2800" b="0" i="1" smtClean="0">
+                        <a:latin typeface="Cambria Math" panose="02040503050406030204" pitchFamily="18" charset="0"/>
+                      </a:rPr>
+                      <m:t>=−0.294)</m:t>
+                    </m:r>
+                  </m:oMath>
+                </a14:m>
+                <a:endParaRPr lang="en-US" sz="2800" dirty="0"/>
+              </a:p>
+            </p:txBody>
+          </p:sp>
+        </mc:Choice>
+        <mc:Fallback>
+          <p:sp>
+            <p:nvSpPr>
+              <p:cNvPr id="2" name="Title 1"/>
+              <p:cNvSpPr>
+                <a:spLocks noGrp="1" noRot="1" noChangeAspect="1" noMove="1" noResize="1" noEditPoints="1" noAdjustHandles="1" noChangeArrowheads="1" noChangeShapeType="1" noTextEdit="1"/>
+              </p:cNvSpPr>
+              <p:nvPr>
+                <p:ph type="title"/>
+              </p:nvPr>
+            </p:nvSpPr>
+            <p:spPr>
+              <a:blipFill>
+                <a:blip r:embed="rId2"/>
+                <a:stretch>
+                  <a:fillRect l="-207" r="-1446"/>
+                </a:stretch>
+              </a:blipFill>
+            </p:spPr>
+            <p:txBody>
+              <a:bodyPr/>
+              <a:lstStyle/>
+              <a:p>
+                <a:r>
+                  <a:rPr lang="en-US">
+                    <a:noFill/>
+                  </a:rPr>
+                  <a:t> </a:t>
+                </a:r>
+              </a:p>
+            </p:txBody>
+          </p:sp>
+        </mc:Fallback>
+      </mc:AlternateContent>
       <p:graphicFrame>
         <p:nvGraphicFramePr>
           <p:cNvPr id="4" name="Content Placeholder 3"/>
@@ -4988,8 +5094,8 @@
         </p:nvSpPr>
         <p:spPr>
           <a:xfrm>
-            <a:off x="10187709" y="4627416"/>
-            <a:ext cx="1246909" cy="775855"/>
+            <a:off x="10258594" y="4685624"/>
+            <a:ext cx="1176024" cy="777684"/>
           </a:xfrm>
           <a:prstGeom prst="rect">
             <a:avLst/>
@@ -5056,30 +5162,122 @@
           <a:chExt cx="0" cy="0"/>
         </a:xfrm>
       </p:grpSpPr>
-      <p:sp>
-        <p:nvSpPr>
-          <p:cNvPr id="2" name="Title 1"/>
-          <p:cNvSpPr>
-            <a:spLocks noGrp="1"/>
-          </p:cNvSpPr>
-          <p:nvPr>
-            <p:ph type="title"/>
-          </p:nvPr>
-        </p:nvSpPr>
-        <p:spPr/>
-        <p:txBody>
-          <a:bodyPr/>
-          <a:lstStyle/>
-          <a:p>
-            <a:pPr algn="ctr"/>
-            <a:r>
-              <a:rPr lang="en-US" dirty="0" smtClean="0"/>
-              <a:t>Outcome 2: Difference in attachment </a:t>
-            </a:r>
-            <a:endParaRPr lang="en-US" dirty="0"/>
-          </a:p>
-        </p:txBody>
-      </p:sp>
+      <mc:AlternateContent xmlns:mc="http://schemas.openxmlformats.org/markup-compatibility/2006">
+        <mc:Choice xmlns:a14="http://schemas.microsoft.com/office/drawing/2010/main" Requires="a14">
+          <p:sp>
+            <p:nvSpPr>
+              <p:cNvPr id="2" name="Title 1"/>
+              <p:cNvSpPr>
+                <a:spLocks noGrp="1"/>
+              </p:cNvSpPr>
+              <p:nvPr>
+                <p:ph type="title"/>
+              </p:nvPr>
+            </p:nvSpPr>
+            <p:spPr/>
+            <p:txBody>
+              <a:bodyPr/>
+              <a:lstStyle/>
+              <a:p>
+                <a:pPr algn="ctr"/>
+                <a:r>
+                  <a:rPr lang="en-US" dirty="0" smtClean="0"/>
+                  <a:t>Outcome 2: Difference in attachment</a:t>
+                </a:r>
+                <a:br>
+                  <a:rPr lang="en-US" dirty="0" smtClean="0"/>
+                </a:br>
+                <a:r>
+                  <a:rPr lang="en-US" dirty="0"/>
+                  <a:t/>
+                </a:r>
+                <a:br>
+                  <a:rPr lang="en-US" dirty="0"/>
+                </a:br>
+                <a14:m>
+                  <m:oMath xmlns:m="http://schemas.openxmlformats.org/officeDocument/2006/math">
+                    <m:r>
+                      <a:rPr lang="en-US" sz="2800" b="0" i="1" smtClean="0">
+                        <a:latin typeface="Cambria Math" panose="02040503050406030204" pitchFamily="18" charset="0"/>
+                      </a:rPr>
+                      <m:t>(</m:t>
+                    </m:r>
+                    <m:sSub>
+                      <m:sSubPr>
+                        <m:ctrlPr>
+                          <a:rPr lang="en-US" sz="2800" b="0" i="1" smtClean="0">
+                            <a:latin typeface="Cambria Math" panose="02040503050406030204" pitchFamily="18" charset="0"/>
+                          </a:rPr>
+                        </m:ctrlPr>
+                      </m:sSubPr>
+                      <m:e>
+                        <m:r>
+                          <a:rPr lang="en-US" sz="2800" b="0" i="1" smtClean="0">
+                            <a:latin typeface="Cambria Math" panose="02040503050406030204" pitchFamily="18" charset="0"/>
+                          </a:rPr>
+                          <m:t>𝜇</m:t>
+                        </m:r>
+                      </m:e>
+                      <m:sub>
+                        <m:r>
+                          <a:rPr lang="en-US" sz="2800" b="0" i="1" smtClean="0">
+                            <a:latin typeface="Cambria Math" panose="02040503050406030204" pitchFamily="18" charset="0"/>
+                          </a:rPr>
+                          <m:t>𝑑𝑖𝑓𝑓</m:t>
+                        </m:r>
+                      </m:sub>
+                    </m:sSub>
+                    <m:r>
+                      <a:rPr lang="en-US" sz="2800" b="0" i="1" smtClean="0">
+                        <a:latin typeface="Cambria Math" panose="02040503050406030204" pitchFamily="18" charset="0"/>
+                      </a:rPr>
+                      <m:t>=−0.099)</m:t>
+                    </m:r>
+                  </m:oMath>
+                </a14:m>
+                <a:r>
+                  <a:rPr lang="en-US" sz="2800" dirty="0" smtClean="0"/>
+                  <a:t> </a:t>
+                </a:r>
+                <a:endParaRPr lang="en-US" sz="2800" dirty="0"/>
+              </a:p>
+            </p:txBody>
+          </p:sp>
+        </mc:Choice>
+        <mc:Fallback>
+          <p:sp>
+            <p:nvSpPr>
+              <p:cNvPr id="2" name="Title 1"/>
+              <p:cNvSpPr>
+                <a:spLocks noGrp="1" noRot="1" noChangeAspect="1" noMove="1" noResize="1" noEditPoints="1" noAdjustHandles="1" noChangeArrowheads="1" noChangeShapeType="1" noTextEdit="1"/>
+              </p:cNvSpPr>
+              <p:nvPr>
+                <p:ph type="title"/>
+              </p:nvPr>
+            </p:nvSpPr>
+            <p:spPr>
+              <a:blipFill>
+                <a:blip r:embed="rId2"/>
+                <a:stretch>
+                  <a:fillRect r="-1446"/>
+                </a:stretch>
+              </a:blipFill>
+            </p:spPr>
+            <p:txBody>
+              <a:bodyPr/>
+              <a:lstStyle/>
+              <a:p>
+                <a:r>
+                  <a:rPr lang="en-US">
+                    <a:noFill/>
+                  </a:rPr>
+                  <a:t> </a:t>
+                </a:r>
+              </a:p>
+            </p:txBody>
+          </p:sp>
+        </mc:Fallback>
+      </mc:AlternateContent>
       <p:graphicFrame>
         <p:nvGraphicFramePr>
           <p:cNvPr id="4" name="Content Placeholder 3"/>

--- a/Project0/Reports/Project 0 Presentation.pptx
+++ b/Project0/Reports/Project 0 Presentation.pptx
@@ -3555,15 +3555,7 @@
             </a:r>
             <a:r>
               <a:rPr lang="en-US" sz="3200" dirty="0" smtClean="0"/>
-              <a:t> Does application of a new gel for treatment gum disease result in (1) lower average pocket depth and (2</a:t>
-            </a:r>
-            <a:r>
-              <a:rPr lang="en-US" sz="3200" dirty="0" smtClean="0"/>
-              <a:t>) lower </a:t>
-            </a:r>
-            <a:r>
-              <a:rPr lang="en-US" sz="3200" dirty="0" smtClean="0"/>
-              <a:t>attachment loss after 1 year?</a:t>
+              <a:t> Does application of a new gel for treatment gum disease result in (1) lower average pocket depth and (2) lower attachment loss after 1 year?</a:t>
             </a:r>
           </a:p>
           <a:p>
@@ -3730,25 +3722,13 @@
             <a:pPr lvl="1"/>
             <a:r>
               <a:rPr lang="en-US" sz="2800" dirty="0" smtClean="0"/>
-              <a:t>Not included </a:t>
-            </a:r>
-            <a:r>
-              <a:rPr lang="en-US" sz="2800" dirty="0" smtClean="0"/>
-              <a:t>in models </a:t>
-            </a:r>
-            <a:r>
-              <a:rPr lang="en-US" sz="2800" dirty="0" smtClean="0"/>
-              <a:t>since trial was randomized </a:t>
+              <a:t>Not included in models since trial was randomized </a:t>
             </a:r>
           </a:p>
           <a:p>
             <a:r>
               <a:rPr lang="en-US" sz="3200" dirty="0" smtClean="0"/>
-              <a:t>Clinical o</a:t>
-            </a:r>
-            <a:r>
-              <a:rPr lang="en-US" sz="3200" dirty="0" smtClean="0"/>
-              <a:t>utcomes</a:t>
+              <a:t>Clinical outcomes</a:t>
             </a:r>
             <a:endParaRPr lang="en-US" sz="3200" dirty="0"/>
           </a:p>
@@ -3875,11 +3855,7 @@
             <a:pPr lvl="1"/>
             <a:r>
               <a:rPr lang="en-US" sz="3200" dirty="0" smtClean="0"/>
-              <a:t>Model o</a:t>
-            </a:r>
-            <a:r>
-              <a:rPr lang="en-US" sz="3200" dirty="0" smtClean="0"/>
-              <a:t>utcome</a:t>
+              <a:t>Model outcome</a:t>
             </a:r>
             <a:r>
               <a:rPr lang="en-US" sz="3200" dirty="0"/>
@@ -3961,8 +3937,8 @@
           <a:chExt cx="0" cy="0"/>
         </a:xfrm>
       </p:grpSpPr>
-      <mc:AlternateContent xmlns:mc="http://schemas.openxmlformats.org/markup-compatibility/2006">
-        <mc:Choice xmlns:a14="http://schemas.microsoft.com/office/drawing/2010/main" Requires="a14">
+      <mc:AlternateContent xmlns:mc="http://schemas.openxmlformats.org/markup-compatibility/2006" xmlns:a14="http://schemas.microsoft.com/office/drawing/2010/main">
+        <mc:Choice Requires="a14">
           <p:sp>
             <p:nvSpPr>
               <p:cNvPr id="2" name="Title 1"/>
@@ -4037,7 +4013,7 @@
             </p:txBody>
           </p:sp>
         </mc:Choice>
-        <mc:Fallback>
+        <mc:Fallback xmlns="">
           <p:sp>
             <p:nvSpPr>
               <p:cNvPr id="2" name="Title 1"/>
@@ -5162,8 +5138,8 @@
           <a:chExt cx="0" cy="0"/>
         </a:xfrm>
       </p:grpSpPr>
-      <mc:AlternateContent xmlns:mc="http://schemas.openxmlformats.org/markup-compatibility/2006">
-        <mc:Choice xmlns:a14="http://schemas.microsoft.com/office/drawing/2010/main" Requires="a14">
+      <mc:AlternateContent xmlns:mc="http://schemas.openxmlformats.org/markup-compatibility/2006" xmlns:a14="http://schemas.microsoft.com/office/drawing/2010/main">
+        <mc:Choice Requires="a14">
           <p:sp>
             <p:nvSpPr>
               <p:cNvPr id="2" name="Title 1"/>
@@ -5244,7 +5220,7 @@
             </p:txBody>
           </p:sp>
         </mc:Choice>
-        <mc:Fallback>
+        <mc:Fallback xmlns="">
           <p:sp>
             <p:nvSpPr>
               <p:cNvPr id="2" name="Title 1"/>
@@ -6487,10 +6463,15 @@
             <p:ph idx="1"/>
           </p:nvPr>
         </p:nvSpPr>
-        <p:spPr/>
+        <p:spPr>
+          <a:xfrm>
+            <a:off x="3869268" y="471055"/>
+            <a:ext cx="7315200" cy="6386945"/>
+          </a:xfrm>
+        </p:spPr>
         <p:txBody>
           <a:bodyPr>
-            <a:normAutofit lnSpcReduction="10000"/>
+            <a:normAutofit/>
           </a:bodyPr>
           <a:lstStyle/>
           <a:p>
@@ -6553,13 +6534,12 @@
             <a:pPr lvl="1"/>
             <a:r>
               <a:rPr lang="en-US" sz="2800" dirty="0" smtClean="0"/>
-              <a:t>Missing 27 outcomes, so sample size was reduced (especially in men in high concentration treatment group)</a:t>
-            </a:r>
-          </a:p>
-          <a:p>
-            <a:pPr marL="457200" lvl="1" indent="0">
-              <a:buNone/>
-            </a:pPr>
+              <a:t>Missing 27 outcomes, so sample size was </a:t>
+            </a:r>
+            <a:r>
+              <a:rPr lang="en-US" sz="2800" dirty="0" smtClean="0"/>
+              <a:t>reduced, especially in men</a:t>
+            </a:r>
             <a:endParaRPr lang="en-US" dirty="0" smtClean="0"/>
           </a:p>
           <a:p>

--- a/Project0/Reports/Project 0 Presentation.pptx
+++ b/Project0/Reports/Project 0 Presentation.pptx
@@ -3555,7 +3555,15 @@
             </a:r>
             <a:r>
               <a:rPr lang="en-US" sz="3200" dirty="0" smtClean="0"/>
-              <a:t> Does application of a new gel for treatment gum disease result in (1) lower average pocket depth and (2) lower attachment loss after 1 year?</a:t>
+              <a:t> Does application of a new gel for </a:t>
+            </a:r>
+            <a:r>
+              <a:rPr lang="en-US" sz="3200" dirty="0" smtClean="0"/>
+              <a:t>treating </a:t>
+            </a:r>
+            <a:r>
+              <a:rPr lang="en-US" sz="3200" dirty="0" smtClean="0"/>
+              <a:t>gum disease result in (1) lower average pocket depth and (2) lower attachment loss after 1 year?</a:t>
             </a:r>
           </a:p>
           <a:p>
@@ -6534,11 +6542,7 @@
             <a:pPr lvl="1"/>
             <a:r>
               <a:rPr lang="en-US" sz="2800" dirty="0" smtClean="0"/>
-              <a:t>Missing 27 outcomes, so sample size was </a:t>
-            </a:r>
-            <a:r>
-              <a:rPr lang="en-US" sz="2800" dirty="0" smtClean="0"/>
-              <a:t>reduced, especially in men</a:t>
+              <a:t>Missing 27 outcomes, so sample size was reduced, especially in men</a:t>
             </a:r>
             <a:endParaRPr lang="en-US" dirty="0" smtClean="0"/>
           </a:p>

--- a/Project0/Reports/Project 0 Presentation.pptx
+++ b/Project0/Reports/Project 0 Presentation.pptx
@@ -3555,15 +3555,7 @@
             </a:r>
             <a:r>
               <a:rPr lang="en-US" sz="3200" dirty="0" smtClean="0"/>
-              <a:t> Does application of a new gel for </a:t>
-            </a:r>
-            <a:r>
-              <a:rPr lang="en-US" sz="3200" dirty="0" smtClean="0"/>
-              <a:t>treating </a:t>
-            </a:r>
-            <a:r>
-              <a:rPr lang="en-US" sz="3200" dirty="0" smtClean="0"/>
-              <a:t>gum disease result in (1) lower average pocket depth and (2) lower attachment loss after 1 year?</a:t>
+              <a:t> Does application of a new gel for treating gum disease result in (1) lower average pocket depth and (2) lower attachment loss after 1 year?</a:t>
             </a:r>
           </a:p>
           <a:p>
@@ -3747,13 +3739,10 @@
               <a:t>Mean pocket depth (baseline, 1 </a:t>
             </a:r>
             <a:r>
-              <a:rPr lang="en-US" sz="2800" dirty="0" err="1"/>
-              <a:t>yr</a:t>
-            </a:r>
-            <a:r>
-              <a:rPr lang="en-US" sz="2800" dirty="0"/>
-              <a:t>)</a:t>
-            </a:r>
+              <a:rPr lang="en-US" sz="2800" dirty="0" smtClean="0"/>
+              <a:t>year)</a:t>
+            </a:r>
+            <a:endParaRPr lang="en-US" sz="2800" dirty="0"/>
           </a:p>
           <a:p>
             <a:pPr lvl="1"/>
